--- a/lectures/lec5_sync.pptx
+++ b/lectures/lec5_sync.pptx
@@ -6,10 +6,10 @@
     <p:sldMasterId id="2147483776" r:id="rId2"/>
   </p:sldMasterIdLst>
   <p:notesMasterIdLst>
-    <p:notesMasterId r:id="rId35"/>
+    <p:notesMasterId r:id="rId34"/>
   </p:notesMasterIdLst>
   <p:handoutMasterIdLst>
-    <p:handoutMasterId r:id="rId36"/>
+    <p:handoutMasterId r:id="rId35"/>
   </p:handoutMasterIdLst>
   <p:sldIdLst>
     <p:sldId id="2991" r:id="rId3"/>
@@ -29,21 +29,20 @@
     <p:sldId id="302" r:id="rId17"/>
     <p:sldId id="304" r:id="rId18"/>
     <p:sldId id="305" r:id="rId19"/>
-    <p:sldId id="2993" r:id="rId20"/>
-    <p:sldId id="309" r:id="rId21"/>
-    <p:sldId id="310" r:id="rId22"/>
-    <p:sldId id="311" r:id="rId23"/>
-    <p:sldId id="312" r:id="rId24"/>
-    <p:sldId id="313" r:id="rId25"/>
-    <p:sldId id="314" r:id="rId26"/>
-    <p:sldId id="315" r:id="rId27"/>
-    <p:sldId id="316" r:id="rId28"/>
-    <p:sldId id="317" r:id="rId29"/>
-    <p:sldId id="318" r:id="rId30"/>
-    <p:sldId id="323" r:id="rId31"/>
-    <p:sldId id="322" r:id="rId32"/>
-    <p:sldId id="319" r:id="rId33"/>
-    <p:sldId id="324" r:id="rId34"/>
+    <p:sldId id="309" r:id="rId20"/>
+    <p:sldId id="310" r:id="rId21"/>
+    <p:sldId id="311" r:id="rId22"/>
+    <p:sldId id="312" r:id="rId23"/>
+    <p:sldId id="313" r:id="rId24"/>
+    <p:sldId id="314" r:id="rId25"/>
+    <p:sldId id="315" r:id="rId26"/>
+    <p:sldId id="316" r:id="rId27"/>
+    <p:sldId id="317" r:id="rId28"/>
+    <p:sldId id="318" r:id="rId29"/>
+    <p:sldId id="323" r:id="rId30"/>
+    <p:sldId id="322" r:id="rId31"/>
+    <p:sldId id="319" r:id="rId32"/>
+    <p:sldId id="324" r:id="rId33"/>
   </p:sldIdLst>
   <p:sldSz cx="9144000" cy="6858000" type="screen4x3"/>
   <p:notesSz cx="6858000" cy="9144000"/>
@@ -244,7 +243,7 @@
             <a:fld id="{3B85FA19-4AE7-394C-8E06-B4A0FB3E5AA8}" type="datetimeFigureOut">
               <a:rPr lang="en-US" smtClean="0"/>
               <a:pPr/>
-              <a:t>9/14/24</a:t>
+              <a:t>9/24/24</a:t>
             </a:fld>
             <a:endParaRPr lang="en-US"/>
           </a:p>
@@ -412,7 +411,7 @@
             <a:fld id="{FD6991A4-6061-8E40-B3BF-9224535D7C20}" type="datetimeFigureOut">
               <a:rPr lang="en-US" smtClean="0"/>
               <a:pPr/>
-              <a:t>9/14/24</a:t>
+              <a:t>9/24/24</a:t>
             </a:fld>
             <a:endParaRPr lang="en-US"/>
           </a:p>
@@ -787,7 +786,7 @@
       </p:grpSpPr>
       <p:sp>
         <p:nvSpPr>
-          <p:cNvPr id="53250" name="Rectangle 2"/>
+          <p:cNvPr id="57346" name="Rectangle 2"/>
           <p:cNvSpPr>
             <a:spLocks noGrp="1" noRot="1" noChangeAspect="1" noChangeArrowheads="1" noTextEdit="1"/>
           </p:cNvSpPr>
@@ -801,7 +800,7 @@
       </p:sp>
       <p:sp>
         <p:nvSpPr>
-          <p:cNvPr id="53251" name="Rectangle 3"/>
+          <p:cNvPr id="57347" name="Rectangle 3"/>
           <p:cNvSpPr>
             <a:spLocks noGrp="1" noChangeArrowheads="1"/>
           </p:cNvSpPr>
@@ -817,18 +816,13 @@
           <a:bodyPr/>
           <a:lstStyle/>
           <a:p>
-            <a:endParaRPr lang="en-US">
+            <a:endParaRPr lang="en-US" dirty="0">
               <a:latin typeface="Arial" pitchFamily="-109" charset="0"/>
             </a:endParaRPr>
           </a:p>
         </p:txBody>
       </p:sp>
     </p:spTree>
-    <p:extLst>
-      <p:ext uri="{BB962C8B-B14F-4D97-AF65-F5344CB8AC3E}">
-        <p14:creationId xmlns:p14="http://schemas.microsoft.com/office/powerpoint/2010/main" val="4223330100"/>
-      </p:ext>
-    </p:extLst>
   </p:cSld>
   <p:clrMapOvr>
     <a:masterClrMapping/>
@@ -855,7 +849,7 @@
       </p:grpSpPr>
       <p:sp>
         <p:nvSpPr>
-          <p:cNvPr id="57346" name="Rectangle 2"/>
+          <p:cNvPr id="58370" name="Rectangle 2"/>
           <p:cNvSpPr>
             <a:spLocks noGrp="1" noRot="1" noChangeAspect="1" noChangeArrowheads="1" noTextEdit="1"/>
           </p:cNvSpPr>
@@ -869,7 +863,7 @@
       </p:sp>
       <p:sp>
         <p:nvSpPr>
-          <p:cNvPr id="57347" name="Rectangle 3"/>
+          <p:cNvPr id="58371" name="Rectangle 3"/>
           <p:cNvSpPr>
             <a:spLocks noGrp="1" noChangeArrowheads="1"/>
           </p:cNvSpPr>
@@ -885,7 +879,7 @@
           <a:bodyPr/>
           <a:lstStyle/>
           <a:p>
-            <a:endParaRPr lang="en-US" dirty="0">
+            <a:endParaRPr lang="en-US">
               <a:latin typeface="Arial" pitchFamily="-109" charset="0"/>
             </a:endParaRPr>
           </a:p>
@@ -918,7 +912,7 @@
       </p:grpSpPr>
       <p:sp>
         <p:nvSpPr>
-          <p:cNvPr id="58370" name="Rectangle 2"/>
+          <p:cNvPr id="59394" name="Rectangle 2"/>
           <p:cNvSpPr>
             <a:spLocks noGrp="1" noRot="1" noChangeAspect="1" noChangeArrowheads="1" noTextEdit="1"/>
           </p:cNvSpPr>
@@ -932,7 +926,7 @@
       </p:sp>
       <p:sp>
         <p:nvSpPr>
-          <p:cNvPr id="58371" name="Rectangle 3"/>
+          <p:cNvPr id="59395" name="Rectangle 3"/>
           <p:cNvSpPr>
             <a:spLocks noGrp="1" noChangeArrowheads="1"/>
           </p:cNvSpPr>
@@ -981,7 +975,7 @@
       </p:grpSpPr>
       <p:sp>
         <p:nvSpPr>
-          <p:cNvPr id="59394" name="Rectangle 2"/>
+          <p:cNvPr id="60418" name="Rectangle 2"/>
           <p:cNvSpPr>
             <a:spLocks noGrp="1" noRot="1" noChangeAspect="1" noChangeArrowheads="1" noTextEdit="1"/>
           </p:cNvSpPr>
@@ -995,7 +989,7 @@
       </p:sp>
       <p:sp>
         <p:nvSpPr>
-          <p:cNvPr id="59395" name="Rectangle 3"/>
+          <p:cNvPr id="60419" name="Rectangle 3"/>
           <p:cNvSpPr>
             <a:spLocks noGrp="1" noChangeArrowheads="1"/>
           </p:cNvSpPr>
@@ -1044,7 +1038,7 @@
       </p:grpSpPr>
       <p:sp>
         <p:nvSpPr>
-          <p:cNvPr id="60418" name="Rectangle 2"/>
+          <p:cNvPr id="61442" name="Rectangle 2"/>
           <p:cNvSpPr>
             <a:spLocks noGrp="1" noRot="1" noChangeAspect="1" noChangeArrowheads="1" noTextEdit="1"/>
           </p:cNvSpPr>
@@ -1058,7 +1052,7 @@
       </p:sp>
       <p:sp>
         <p:nvSpPr>
-          <p:cNvPr id="60419" name="Rectangle 3"/>
+          <p:cNvPr id="61443" name="Rectangle 3"/>
           <p:cNvSpPr>
             <a:spLocks noGrp="1" noChangeArrowheads="1"/>
           </p:cNvSpPr>
@@ -1074,7 +1068,7 @@
           <a:bodyPr/>
           <a:lstStyle/>
           <a:p>
-            <a:endParaRPr lang="en-US">
+            <a:endParaRPr lang="en-US" dirty="0">
               <a:latin typeface="Arial" pitchFamily="-109" charset="0"/>
             </a:endParaRPr>
           </a:p>
@@ -1107,7 +1101,7 @@
       </p:grpSpPr>
       <p:sp>
         <p:nvSpPr>
-          <p:cNvPr id="61442" name="Rectangle 2"/>
+          <p:cNvPr id="62466" name="Rectangle 2"/>
           <p:cNvSpPr>
             <a:spLocks noGrp="1" noRot="1" noChangeAspect="1" noChangeArrowheads="1" noTextEdit="1"/>
           </p:cNvSpPr>
@@ -1121,7 +1115,7 @@
       </p:sp>
       <p:sp>
         <p:nvSpPr>
-          <p:cNvPr id="61443" name="Rectangle 3"/>
+          <p:cNvPr id="62467" name="Rectangle 3"/>
           <p:cNvSpPr>
             <a:spLocks noGrp="1" noChangeArrowheads="1"/>
           </p:cNvSpPr>
@@ -1170,7 +1164,7 @@
       </p:grpSpPr>
       <p:sp>
         <p:nvSpPr>
-          <p:cNvPr id="62466" name="Rectangle 2"/>
+          <p:cNvPr id="63490" name="Rectangle 2"/>
           <p:cNvSpPr>
             <a:spLocks noGrp="1" noRot="1" noChangeAspect="1" noChangeArrowheads="1" noTextEdit="1"/>
           </p:cNvSpPr>
@@ -1184,7 +1178,7 @@
       </p:sp>
       <p:sp>
         <p:nvSpPr>
-          <p:cNvPr id="62467" name="Rectangle 3"/>
+          <p:cNvPr id="63491" name="Rectangle 3"/>
           <p:cNvSpPr>
             <a:spLocks noGrp="1" noChangeArrowheads="1"/>
           </p:cNvSpPr>
@@ -1200,7 +1194,7 @@
           <a:bodyPr/>
           <a:lstStyle/>
           <a:p>
-            <a:endParaRPr lang="en-US" dirty="0">
+            <a:endParaRPr lang="en-US">
               <a:latin typeface="Arial" pitchFamily="-109" charset="0"/>
             </a:endParaRPr>
           </a:p>
@@ -1233,7 +1227,33 @@
       </p:grpSpPr>
       <p:sp>
         <p:nvSpPr>
-          <p:cNvPr id="63490" name="Rectangle 2"/>
+          <p:cNvPr id="64514" name="Rectangle 5"/>
+          <p:cNvSpPr>
+            <a:spLocks noGrp="1" noChangeArrowheads="1"/>
+          </p:cNvSpPr>
+          <p:nvPr>
+            <p:ph type="sldNum" sz="quarter" idx="5"/>
+          </p:nvPr>
+        </p:nvSpPr>
+        <p:spPr>
+          <a:noFill/>
+        </p:spPr>
+        <p:txBody>
+          <a:bodyPr/>
+          <a:lstStyle/>
+          <a:p>
+            <a:fld id="{9B93925B-38E1-AF43-A4D3-45BDD5444FE0}" type="slidenum">
+              <a:rPr lang="en-US"/>
+              <a:pPr/>
+              <a:t>25</a:t>
+            </a:fld>
+            <a:endParaRPr lang="en-US"/>
+          </a:p>
+        </p:txBody>
+      </p:sp>
+      <p:sp>
+        <p:nvSpPr>
+          <p:cNvPr id="64515" name="Rectangle 2"/>
           <p:cNvSpPr>
             <a:spLocks noGrp="1" noRot="1" noChangeAspect="1" noChangeArrowheads="1" noTextEdit="1"/>
           </p:cNvSpPr>
@@ -1247,7 +1267,7 @@
       </p:sp>
       <p:sp>
         <p:nvSpPr>
-          <p:cNvPr id="63491" name="Rectangle 3"/>
+          <p:cNvPr id="64516" name="Rectangle 3"/>
           <p:cNvSpPr>
             <a:spLocks noGrp="1" noChangeArrowheads="1"/>
           </p:cNvSpPr>
@@ -1263,7 +1283,7 @@
           <a:bodyPr/>
           <a:lstStyle/>
           <a:p>
-            <a:endParaRPr lang="en-US">
+            <a:endParaRPr lang="en-US" dirty="0">
               <a:latin typeface="Arial" pitchFamily="-109" charset="0"/>
             </a:endParaRPr>
           </a:p>
@@ -1296,33 +1316,7 @@
       </p:grpSpPr>
       <p:sp>
         <p:nvSpPr>
-          <p:cNvPr id="64514" name="Rectangle 5"/>
-          <p:cNvSpPr>
-            <a:spLocks noGrp="1" noChangeArrowheads="1"/>
-          </p:cNvSpPr>
-          <p:nvPr>
-            <p:ph type="sldNum" sz="quarter" idx="5"/>
-          </p:nvPr>
-        </p:nvSpPr>
-        <p:spPr>
-          <a:noFill/>
-        </p:spPr>
-        <p:txBody>
-          <a:bodyPr/>
-          <a:lstStyle/>
-          <a:p>
-            <a:fld id="{9B93925B-38E1-AF43-A4D3-45BDD5444FE0}" type="slidenum">
-              <a:rPr lang="en-US"/>
-              <a:pPr/>
-              <a:t>26</a:t>
-            </a:fld>
-            <a:endParaRPr lang="en-US"/>
-          </a:p>
-        </p:txBody>
-      </p:sp>
-      <p:sp>
-        <p:nvSpPr>
-          <p:cNvPr id="64515" name="Rectangle 2"/>
+          <p:cNvPr id="65538" name="Rectangle 2"/>
           <p:cNvSpPr>
             <a:spLocks noGrp="1" noRot="1" noChangeAspect="1" noChangeArrowheads="1" noTextEdit="1"/>
           </p:cNvSpPr>
@@ -1336,7 +1330,7 @@
       </p:sp>
       <p:sp>
         <p:nvSpPr>
-          <p:cNvPr id="64516" name="Rectangle 3"/>
+          <p:cNvPr id="65539" name="Rectangle 3"/>
           <p:cNvSpPr>
             <a:spLocks noGrp="1" noChangeArrowheads="1"/>
           </p:cNvSpPr>
@@ -1352,7 +1346,7 @@
           <a:bodyPr/>
           <a:lstStyle/>
           <a:p>
-            <a:endParaRPr lang="en-US" dirty="0">
+            <a:endParaRPr lang="en-US">
               <a:latin typeface="Arial" pitchFamily="-109" charset="0"/>
             </a:endParaRPr>
           </a:p>
@@ -1385,7 +1379,7 @@
       </p:grpSpPr>
       <p:sp>
         <p:nvSpPr>
-          <p:cNvPr id="65538" name="Rectangle 2"/>
+          <p:cNvPr id="66562" name="Rectangle 2"/>
           <p:cNvSpPr>
             <a:spLocks noGrp="1" noRot="1" noChangeAspect="1" noChangeArrowheads="1" noTextEdit="1"/>
           </p:cNvSpPr>
@@ -1399,7 +1393,7 @@
       </p:sp>
       <p:sp>
         <p:nvSpPr>
-          <p:cNvPr id="65539" name="Rectangle 3"/>
+          <p:cNvPr id="66563" name="Rectangle 3"/>
           <p:cNvSpPr>
             <a:spLocks noGrp="1" noChangeArrowheads="1"/>
           </p:cNvSpPr>
@@ -1533,7 +1527,7 @@
       </p:grpSpPr>
       <p:sp>
         <p:nvSpPr>
-          <p:cNvPr id="66562" name="Rectangle 2"/>
+          <p:cNvPr id="55298" name="Rectangle 2"/>
           <p:cNvSpPr>
             <a:spLocks noGrp="1" noRot="1" noChangeAspect="1" noChangeArrowheads="1" noTextEdit="1"/>
           </p:cNvSpPr>
@@ -1547,7 +1541,7 @@
       </p:sp>
       <p:sp>
         <p:nvSpPr>
-          <p:cNvPr id="66563" name="Rectangle 3"/>
+          <p:cNvPr id="55299" name="Rectangle 3"/>
           <p:cNvSpPr>
             <a:spLocks noGrp="1" noChangeArrowheads="1"/>
           </p:cNvSpPr>
@@ -1563,7 +1557,7 @@
           <a:bodyPr/>
           <a:lstStyle/>
           <a:p>
-            <a:endParaRPr lang="en-US">
+            <a:endParaRPr lang="en-US" dirty="0">
               <a:latin typeface="Arial" pitchFamily="-109" charset="0"/>
             </a:endParaRPr>
           </a:p>
@@ -1596,7 +1590,7 @@
       </p:grpSpPr>
       <p:sp>
         <p:nvSpPr>
-          <p:cNvPr id="55298" name="Rectangle 2"/>
+          <p:cNvPr id="67586" name="Rectangle 2"/>
           <p:cNvSpPr>
             <a:spLocks noGrp="1" noRot="1" noChangeAspect="1" noChangeArrowheads="1" noTextEdit="1"/>
           </p:cNvSpPr>
@@ -1610,7 +1604,7 @@
       </p:sp>
       <p:sp>
         <p:nvSpPr>
-          <p:cNvPr id="55299" name="Rectangle 3"/>
+          <p:cNvPr id="67587" name="Rectangle 3"/>
           <p:cNvSpPr>
             <a:spLocks noGrp="1" noChangeArrowheads="1"/>
           </p:cNvSpPr>
@@ -1626,7 +1620,7 @@
           <a:bodyPr/>
           <a:lstStyle/>
           <a:p>
-            <a:endParaRPr lang="en-US" dirty="0">
+            <a:endParaRPr lang="en-US">
               <a:latin typeface="Arial" pitchFamily="-109" charset="0"/>
             </a:endParaRPr>
           </a:p>
@@ -1659,69 +1653,6 @@
       </p:grpSpPr>
       <p:sp>
         <p:nvSpPr>
-          <p:cNvPr id="67586" name="Rectangle 2"/>
-          <p:cNvSpPr>
-            <a:spLocks noGrp="1" noRot="1" noChangeAspect="1" noChangeArrowheads="1" noTextEdit="1"/>
-          </p:cNvSpPr>
-          <p:nvPr>
-            <p:ph type="sldImg"/>
-          </p:nvPr>
-        </p:nvSpPr>
-        <p:spPr>
-          <a:ln/>
-        </p:spPr>
-      </p:sp>
-      <p:sp>
-        <p:nvSpPr>
-          <p:cNvPr id="67587" name="Rectangle 3"/>
-          <p:cNvSpPr>
-            <a:spLocks noGrp="1" noChangeArrowheads="1"/>
-          </p:cNvSpPr>
-          <p:nvPr>
-            <p:ph type="body" idx="1"/>
-          </p:nvPr>
-        </p:nvSpPr>
-        <p:spPr>
-          <a:noFill/>
-          <a:ln/>
-        </p:spPr>
-        <p:txBody>
-          <a:bodyPr/>
-          <a:lstStyle/>
-          <a:p>
-            <a:endParaRPr lang="en-US">
-              <a:latin typeface="Arial" pitchFamily="-109" charset="0"/>
-            </a:endParaRPr>
-          </a:p>
-        </p:txBody>
-      </p:sp>
-    </p:spTree>
-  </p:cSld>
-  <p:clrMapOvr>
-    <a:masterClrMapping/>
-  </p:clrMapOvr>
-</p:notes>
-</file>
-
-<file path=ppt/notesSlides/notesSlide23.xml><?xml version="1.0" encoding="utf-8"?>
-<p:notes xmlns:a="http://schemas.openxmlformats.org/drawingml/2006/main" xmlns:r="http://schemas.openxmlformats.org/officeDocument/2006/relationships" xmlns:p="http://schemas.openxmlformats.org/presentationml/2006/main">
-  <p:cSld>
-    <p:spTree>
-      <p:nvGrpSpPr>
-        <p:cNvPr id="1" name=""/>
-        <p:cNvGrpSpPr/>
-        <p:nvPr/>
-      </p:nvGrpSpPr>
-      <p:grpSpPr>
-        <a:xfrm>
-          <a:off x="0" y="0"/>
-          <a:ext cx="0" cy="0"/>
-          <a:chOff x="0" y="0"/>
-          <a:chExt cx="0" cy="0"/>
-        </a:xfrm>
-      </p:grpSpPr>
-      <p:sp>
-        <p:nvSpPr>
           <p:cNvPr id="2" name="Slide Image Placeholder 1"/>
           <p:cNvSpPr>
             <a:spLocks noGrp="1" noRot="1" noChangeAspect="1"/>
@@ -1771,7 +1702,7 @@
             <a:fld id="{E3639927-3662-3B4E-89DF-65C239F3E8BD}" type="slidenum">
               <a:rPr lang="en-US" smtClean="0"/>
               <a:pPr/>
-              <a:t>32</a:t>
+              <a:t>31</a:t>
             </a:fld>
             <a:endParaRPr lang="en-US"/>
           </a:p>
@@ -8909,7 +8840,7 @@
       </p:grpSpPr>
       <p:sp>
         <p:nvSpPr>
-          <p:cNvPr id="371714" name="Rectangle 2"/>
+          <p:cNvPr id="352258" name="Rectangle 2"/>
           <p:cNvSpPr>
             <a:spLocks noGrp="1" noChangeArrowheads="1"/>
           </p:cNvSpPr>
@@ -8919,17 +8850,90 @@
         </p:nvSpPr>
         <p:spPr/>
         <p:txBody>
-          <a:bodyPr>
-            <a:normAutofit/>
-          </a:bodyPr>
+          <a:bodyPr/>
           <a:lstStyle/>
           <a:p>
             <a:pPr>
               <a:defRPr/>
             </a:pPr>
             <a:r>
-              <a:rPr lang="en-US" altLang="zh-CN" dirty="0"/>
-              <a:t>Critical</a:t>
+              <a:rPr lang="en-US"/>
+              <a:t>Locks</a:t>
+            </a:r>
+          </a:p>
+        </p:txBody>
+      </p:sp>
+      <p:sp>
+        <p:nvSpPr>
+          <p:cNvPr id="20486" name="Rectangle 3"/>
+          <p:cNvSpPr>
+            <a:spLocks noGrp="1" noChangeArrowheads="1"/>
+          </p:cNvSpPr>
+          <p:nvPr>
+            <p:ph idx="1"/>
+          </p:nvPr>
+        </p:nvSpPr>
+        <p:spPr>
+          <a:xfrm>
+            <a:off x="215999" y="878400"/>
+            <a:ext cx="8570191" cy="4572000"/>
+          </a:xfrm>
+        </p:spPr>
+        <p:txBody>
+          <a:bodyPr/>
+          <a:lstStyle/>
+          <a:p>
+            <a:r>
+              <a:rPr lang="en-US" dirty="0"/>
+              <a:t>A lock is an object in memory providing two operations</a:t>
+            </a:r>
+          </a:p>
+          <a:p>
+            <a:pPr lvl="1"/>
+            <a:r>
+              <a:rPr lang="en-US" dirty="0">
+                <a:solidFill>
+                  <a:srgbClr val="FF3300"/>
+                </a:solidFill>
+              </a:rPr>
+              <a:t>acquire()</a:t>
+            </a:r>
+            <a:r>
+              <a:rPr lang="en-US" dirty="0"/>
+              <a:t>: before entering the critical region</a:t>
+            </a:r>
+          </a:p>
+          <a:p>
+            <a:pPr lvl="1"/>
+            <a:r>
+              <a:rPr lang="en-US" dirty="0">
+                <a:solidFill>
+                  <a:srgbClr val="FF3300"/>
+                </a:solidFill>
+              </a:rPr>
+              <a:t>release()</a:t>
+            </a:r>
+            <a:r>
+              <a:rPr lang="en-US" dirty="0"/>
+              <a:t>: after leaving a critical region</a:t>
+            </a:r>
+          </a:p>
+          <a:p>
+            <a:r>
+              <a:rPr lang="en-US" dirty="0"/>
+              <a:t>Threads </a:t>
+            </a:r>
+            <a:r>
+              <a:rPr lang="en-US" dirty="0">
+                <a:solidFill>
+                  <a:srgbClr val="FF3300"/>
+                </a:solidFill>
+              </a:rPr>
+              <a:t>pair </a:t>
+            </a:r>
+            <a:r>
+              <a:rPr lang="en-US" dirty="0"/>
+              <a:t>the acquire() and release()</a:t>
             </a:r>
             <a:r>
               <a:rPr lang="zh-CN" altLang="en-US" dirty="0"/>
@@ -8937,59 +8941,66 @@
             </a:r>
             <a:r>
               <a:rPr lang="en-US" altLang="zh-CN" dirty="0"/>
-              <a:t>Region</a:t>
-            </a:r>
-            <a:r>
-              <a:rPr lang="zh-CN" altLang="en-US" dirty="0"/>
-              <a:t> </a:t>
-            </a:r>
-            <a:r>
-              <a:rPr lang="en-US" altLang="zh-CN" dirty="0"/>
-              <a:t>with</a:t>
-            </a:r>
-            <a:r>
-              <a:rPr lang="zh-CN" altLang="en-US" dirty="0"/>
-              <a:t> </a:t>
-            </a:r>
-            <a:r>
-              <a:rPr lang="en-US" altLang="zh-CN" dirty="0"/>
-              <a:t>Atomic</a:t>
-            </a:r>
-            <a:r>
-              <a:rPr lang="zh-CN" altLang="en-US" dirty="0"/>
-              <a:t> </a:t>
-            </a:r>
-            <a:r>
-              <a:rPr lang="en-US" altLang="zh-CN" dirty="0"/>
-              <a:t>Read/Write:</a:t>
-            </a:r>
-            <a:r>
-              <a:rPr lang="zh-CN" altLang="en-US" dirty="0"/>
-              <a:t> </a:t>
-            </a:r>
-            <a:r>
-              <a:rPr lang="en-US" altLang="zh-CN" dirty="0"/>
-              <a:t>First</a:t>
-            </a:r>
-            <a:r>
-              <a:rPr lang="zh-CN" altLang="en-US" dirty="0"/>
-              <a:t> </a:t>
-            </a:r>
-            <a:r>
-              <a:rPr lang="en-US" altLang="zh-CN" dirty="0"/>
-              <a:t>Try</a:t>
-            </a:r>
-            <a:r>
-              <a:rPr lang="zh-CN" altLang="en-US" dirty="0"/>
-              <a:t> </a:t>
+              <a:t>calls</a:t>
             </a:r>
             <a:endParaRPr lang="en-US" dirty="0"/>
           </a:p>
-        </p:txBody>
-      </p:sp>
-      <p:sp>
-        <p:nvSpPr>
-          <p:cNvPr id="16388" name="Slide Number Placeholder 5"/>
+          <a:p>
+            <a:pPr lvl="1"/>
+            <a:r>
+              <a:rPr lang="en-US" dirty="0"/>
+              <a:t>Between acquire()/release(), the thread </a:t>
+            </a:r>
+            <a:r>
+              <a:rPr lang="en-US" dirty="0">
+                <a:solidFill>
+                  <a:srgbClr val="FF3300"/>
+                </a:solidFill>
+              </a:rPr>
+              <a:t>holds</a:t>
+            </a:r>
+            <a:r>
+              <a:rPr lang="en-US" dirty="0"/>
+              <a:t> the lock</a:t>
+            </a:r>
+          </a:p>
+          <a:p>
+            <a:pPr lvl="1"/>
+            <a:r>
+              <a:rPr lang="en-US" dirty="0"/>
+              <a:t>acquire() does not return until any previous holder releases</a:t>
+            </a:r>
+          </a:p>
+          <a:p>
+            <a:pPr lvl="1"/>
+            <a:r>
+              <a:rPr lang="en-US" dirty="0"/>
+              <a:t>What can happen if the calls are </a:t>
+            </a:r>
+            <a:r>
+              <a:rPr lang="en-US" b="1" dirty="0">
+                <a:solidFill>
+                  <a:srgbClr val="FF0000"/>
+                </a:solidFill>
+              </a:rPr>
+              <a:t>not paired</a:t>
+            </a:r>
+            <a:r>
+              <a:rPr lang="en-US" dirty="0"/>
+              <a:t>?</a:t>
+            </a:r>
+          </a:p>
+          <a:p>
+            <a:r>
+              <a:rPr lang="en-US" dirty="0"/>
+              <a:t>Locks can spin (a spinlock) or block (a mutex)</a:t>
+            </a:r>
+          </a:p>
+        </p:txBody>
+      </p:sp>
+      <p:sp>
+        <p:nvSpPr>
+          <p:cNvPr id="20484" name="Slide Number Placeholder 5"/>
           <p:cNvSpPr>
             <a:spLocks noGrp="1"/>
           </p:cNvSpPr>
@@ -9004,7 +9015,7 @@
           <a:bodyPr/>
           <a:lstStyle/>
           <a:p>
-            <a:fld id="{6E74F948-1F00-D14C-83E1-B403D23C6307}" type="slidenum">
+            <a:fld id="{4410CFD1-0E48-A049-9170-BCD1C044658D}" type="slidenum">
               <a:rPr lang="en-US"/>
               <a:pPr/>
               <a:t>18</a:t>
@@ -9015,7 +9026,7 @@
       </p:sp>
       <p:sp>
         <p:nvSpPr>
-          <p:cNvPr id="16387" name="Footer Placeholder 4"/>
+          <p:cNvPr id="20483" name="Footer Placeholder 4"/>
           <p:cNvSpPr>
             <a:spLocks noGrp="1"/>
           </p:cNvSpPr>
@@ -9040,797 +9051,11 @@
           </a:p>
         </p:txBody>
       </p:sp>
-      <p:sp>
-        <p:nvSpPr>
-          <p:cNvPr id="2" name="Text Box 4">
-            <a:extLst>
-              <a:ext uri="{FF2B5EF4-FFF2-40B4-BE49-F238E27FC236}">
-                <a16:creationId xmlns:a16="http://schemas.microsoft.com/office/drawing/2014/main" id="{8F1AA5B8-90DF-231A-C65D-8118C88CA786}"/>
-              </a:ext>
-            </a:extLst>
-          </p:cNvPr>
-          <p:cNvSpPr txBox="1">
-            <a:spLocks noChangeArrowheads="1"/>
-          </p:cNvSpPr>
-          <p:nvPr/>
-        </p:nvSpPr>
-        <p:spPr bwMode="auto">
-          <a:xfrm>
-            <a:off x="677010" y="1288020"/>
-            <a:ext cx="3429000" cy="1811338"/>
-          </a:xfrm>
-          <a:prstGeom prst="rect">
-            <a:avLst/>
-          </a:prstGeom>
-          <a:solidFill>
-            <a:srgbClr val="CCFFFF"/>
-          </a:solidFill>
-          <a:ln w="9525">
-            <a:solidFill>
-              <a:schemeClr val="accent2"/>
-            </a:solidFill>
-            <a:miter lim="800000"/>
-            <a:headEnd/>
-            <a:tailEnd type="none" w="med" len="lg"/>
-          </a:ln>
-        </p:spPr>
-        <p:txBody>
-          <a:bodyPr wrap="square">
-            <a:prstTxWarp prst="textNoShape">
-              <a:avLst/>
-            </a:prstTxWarp>
-            <a:spAutoFit/>
-          </a:bodyPr>
-          <a:lstStyle/>
-          <a:p>
-            <a:pPr>
-              <a:spcBef>
-                <a:spcPct val="20000"/>
-              </a:spcBef>
-              <a:buClr>
-                <a:schemeClr val="tx1"/>
-              </a:buClr>
-              <a:buSzPct val="50000"/>
-              <a:buFont typeface="Monotype Sorts" pitchFamily="-109" charset="2"/>
-              <a:buNone/>
-            </a:pPr>
-            <a:r>
-              <a:rPr lang="en-US" b="0" dirty="0">
-                <a:solidFill>
-                  <a:schemeClr val="accent2"/>
-                </a:solidFill>
-                <a:latin typeface="Malgun Gothic" panose="020B0503020000020004" pitchFamily="34" charset="-127"/>
-                <a:ea typeface="Malgun Gothic" panose="020B0503020000020004" pitchFamily="34" charset="-127"/>
-              </a:rPr>
-              <a:t>while (true) {</a:t>
-            </a:r>
-            <a:br>
-              <a:rPr lang="en-US" b="0" dirty="0">
-                <a:solidFill>
-                  <a:schemeClr val="accent2"/>
-                </a:solidFill>
-                <a:latin typeface="Malgun Gothic" panose="020B0503020000020004" pitchFamily="34" charset="-127"/>
-                <a:ea typeface="Malgun Gothic" panose="020B0503020000020004" pitchFamily="34" charset="-127"/>
-              </a:rPr>
-            </a:br>
-            <a:r>
-              <a:rPr lang="en-US" b="0" dirty="0">
-                <a:solidFill>
-                  <a:schemeClr val="accent2"/>
-                </a:solidFill>
-                <a:latin typeface="Malgun Gothic" panose="020B0503020000020004" pitchFamily="34" charset="-127"/>
-                <a:ea typeface="Malgun Gothic" panose="020B0503020000020004" pitchFamily="34" charset="-127"/>
-              </a:rPr>
-              <a:t>    while (turn != 1) ;</a:t>
-            </a:r>
-            <a:br>
-              <a:rPr lang="en-US" b="0" dirty="0">
-                <a:solidFill>
-                  <a:schemeClr val="accent2"/>
-                </a:solidFill>
-                <a:latin typeface="Malgun Gothic" panose="020B0503020000020004" pitchFamily="34" charset="-127"/>
-                <a:ea typeface="Malgun Gothic" panose="020B0503020000020004" pitchFamily="34" charset="-127"/>
-              </a:rPr>
-            </a:br>
-            <a:r>
-              <a:rPr lang="en-US" b="0" dirty="0">
-                <a:solidFill>
-                  <a:schemeClr val="accent2"/>
-                </a:solidFill>
-                <a:latin typeface="Malgun Gothic" panose="020B0503020000020004" pitchFamily="34" charset="-127"/>
-                <a:ea typeface="Malgun Gothic" panose="020B0503020000020004" pitchFamily="34" charset="-127"/>
-              </a:rPr>
-              <a:t>    </a:t>
-            </a:r>
-            <a:r>
-              <a:rPr lang="en-US" b="0" i="1" dirty="0">
-                <a:solidFill>
-                  <a:schemeClr val="accent2"/>
-                </a:solidFill>
-                <a:latin typeface="Malgun Gothic" panose="020B0503020000020004" pitchFamily="34" charset="-127"/>
-                <a:ea typeface="Malgun Gothic" panose="020B0503020000020004" pitchFamily="34" charset="-127"/>
-              </a:rPr>
-              <a:t>critical region</a:t>
-            </a:r>
-            <a:br>
-              <a:rPr lang="en-US" b="0" dirty="0">
-                <a:solidFill>
-                  <a:schemeClr val="accent2"/>
-                </a:solidFill>
-                <a:latin typeface="Malgun Gothic" panose="020B0503020000020004" pitchFamily="34" charset="-127"/>
-                <a:ea typeface="Malgun Gothic" panose="020B0503020000020004" pitchFamily="34" charset="-127"/>
-              </a:rPr>
-            </a:br>
-            <a:r>
-              <a:rPr lang="en-US" b="0" dirty="0">
-                <a:solidFill>
-                  <a:schemeClr val="accent2"/>
-                </a:solidFill>
-                <a:latin typeface="Malgun Gothic" panose="020B0503020000020004" pitchFamily="34" charset="-127"/>
-                <a:ea typeface="Malgun Gothic" panose="020B0503020000020004" pitchFamily="34" charset="-127"/>
-              </a:rPr>
-              <a:t>    turn = 2;</a:t>
-            </a:r>
-            <a:br>
-              <a:rPr lang="en-US" b="0" dirty="0">
-                <a:solidFill>
-                  <a:schemeClr val="accent2"/>
-                </a:solidFill>
-                <a:latin typeface="Malgun Gothic" panose="020B0503020000020004" pitchFamily="34" charset="-127"/>
-                <a:ea typeface="Malgun Gothic" panose="020B0503020000020004" pitchFamily="34" charset="-127"/>
-              </a:rPr>
-            </a:br>
-            <a:r>
-              <a:rPr lang="en-US" b="0" dirty="0">
-                <a:solidFill>
-                  <a:schemeClr val="accent2"/>
-                </a:solidFill>
-                <a:latin typeface="Malgun Gothic" panose="020B0503020000020004" pitchFamily="34" charset="-127"/>
-                <a:ea typeface="Malgun Gothic" panose="020B0503020000020004" pitchFamily="34" charset="-127"/>
-              </a:rPr>
-              <a:t>    </a:t>
-            </a:r>
-            <a:r>
-              <a:rPr lang="en-US" b="0" i="1" dirty="0">
-                <a:solidFill>
-                  <a:schemeClr val="accent2"/>
-                </a:solidFill>
-                <a:latin typeface="Malgun Gothic" panose="020B0503020000020004" pitchFamily="34" charset="-127"/>
-                <a:ea typeface="Malgun Gothic" panose="020B0503020000020004" pitchFamily="34" charset="-127"/>
-              </a:rPr>
-              <a:t>outside of critical region</a:t>
-            </a:r>
-            <a:br>
-              <a:rPr lang="en-US" b="0" dirty="0">
-                <a:solidFill>
-                  <a:schemeClr val="accent2"/>
-                </a:solidFill>
-                <a:latin typeface="Malgun Gothic" panose="020B0503020000020004" pitchFamily="34" charset="-127"/>
-                <a:ea typeface="Malgun Gothic" panose="020B0503020000020004" pitchFamily="34" charset="-127"/>
-              </a:rPr>
-            </a:br>
-            <a:r>
-              <a:rPr lang="en-US" b="0" dirty="0">
-                <a:solidFill>
-                  <a:schemeClr val="accent2"/>
-                </a:solidFill>
-                <a:latin typeface="Malgun Gothic" panose="020B0503020000020004" pitchFamily="34" charset="-127"/>
-                <a:ea typeface="Malgun Gothic" panose="020B0503020000020004" pitchFamily="34" charset="-127"/>
-              </a:rPr>
-              <a:t>}</a:t>
-            </a:r>
-            <a:endParaRPr lang="en-US" sz="1000" dirty="0">
-              <a:latin typeface="Malgun Gothic" panose="020B0503020000020004" pitchFamily="34" charset="-127"/>
-              <a:ea typeface="Malgun Gothic" panose="020B0503020000020004" pitchFamily="34" charset="-127"/>
-            </a:endParaRPr>
-          </a:p>
-        </p:txBody>
-      </p:sp>
-      <p:sp>
-        <p:nvSpPr>
-          <p:cNvPr id="3" name="Text Box 5">
-            <a:extLst>
-              <a:ext uri="{FF2B5EF4-FFF2-40B4-BE49-F238E27FC236}">
-                <a16:creationId xmlns:a16="http://schemas.microsoft.com/office/drawing/2014/main" id="{8BFB8AF4-3DD5-B128-2F7E-EF8D5C3E26B6}"/>
-              </a:ext>
-            </a:extLst>
-          </p:cNvPr>
-          <p:cNvSpPr txBox="1">
-            <a:spLocks noChangeArrowheads="1"/>
-          </p:cNvSpPr>
-          <p:nvPr/>
-        </p:nvSpPr>
-        <p:spPr bwMode="auto">
-          <a:xfrm>
-            <a:off x="5096610" y="1288020"/>
-            <a:ext cx="3429000" cy="1811338"/>
-          </a:xfrm>
-          <a:prstGeom prst="rect">
-            <a:avLst/>
-          </a:prstGeom>
-          <a:solidFill>
-            <a:srgbClr val="FFFF00"/>
-          </a:solidFill>
-          <a:ln w="9525">
-            <a:solidFill>
-              <a:schemeClr val="accent2"/>
-            </a:solidFill>
-            <a:miter lim="800000"/>
-            <a:headEnd/>
-            <a:tailEnd type="none" w="med" len="lg"/>
-          </a:ln>
-        </p:spPr>
-        <p:txBody>
-          <a:bodyPr wrap="square">
-            <a:prstTxWarp prst="textNoShape">
-              <a:avLst/>
-            </a:prstTxWarp>
-            <a:spAutoFit/>
-          </a:bodyPr>
-          <a:lstStyle/>
-          <a:p>
-            <a:pPr>
-              <a:spcBef>
-                <a:spcPct val="20000"/>
-              </a:spcBef>
-              <a:buClr>
-                <a:schemeClr val="tx1"/>
-              </a:buClr>
-              <a:buSzPct val="50000"/>
-              <a:buFont typeface="Monotype Sorts" pitchFamily="-109" charset="2"/>
-              <a:buNone/>
-            </a:pPr>
-            <a:r>
-              <a:rPr lang="en-US" b="0" dirty="0">
-                <a:solidFill>
-                  <a:schemeClr val="accent2"/>
-                </a:solidFill>
-                <a:latin typeface="Malgun Gothic" panose="020B0503020000020004" pitchFamily="34" charset="-127"/>
-                <a:ea typeface="Malgun Gothic" panose="020B0503020000020004" pitchFamily="34" charset="-127"/>
-              </a:rPr>
-              <a:t>while (true) {</a:t>
-            </a:r>
-            <a:br>
-              <a:rPr lang="en-US" b="0" dirty="0">
-                <a:solidFill>
-                  <a:schemeClr val="accent2"/>
-                </a:solidFill>
-                <a:latin typeface="Malgun Gothic" panose="020B0503020000020004" pitchFamily="34" charset="-127"/>
-                <a:ea typeface="Malgun Gothic" panose="020B0503020000020004" pitchFamily="34" charset="-127"/>
-              </a:rPr>
-            </a:br>
-            <a:r>
-              <a:rPr lang="en-US" b="0" dirty="0">
-                <a:solidFill>
-                  <a:schemeClr val="accent2"/>
-                </a:solidFill>
-                <a:latin typeface="Malgun Gothic" panose="020B0503020000020004" pitchFamily="34" charset="-127"/>
-                <a:ea typeface="Malgun Gothic" panose="020B0503020000020004" pitchFamily="34" charset="-127"/>
-              </a:rPr>
-              <a:t>    while (turn != 2) ;</a:t>
-            </a:r>
-            <a:br>
-              <a:rPr lang="en-US" b="0" dirty="0">
-                <a:solidFill>
-                  <a:schemeClr val="accent2"/>
-                </a:solidFill>
-                <a:latin typeface="Malgun Gothic" panose="020B0503020000020004" pitchFamily="34" charset="-127"/>
-                <a:ea typeface="Malgun Gothic" panose="020B0503020000020004" pitchFamily="34" charset="-127"/>
-              </a:rPr>
-            </a:br>
-            <a:r>
-              <a:rPr lang="en-US" b="0" dirty="0">
-                <a:solidFill>
-                  <a:schemeClr val="accent2"/>
-                </a:solidFill>
-                <a:latin typeface="Malgun Gothic" panose="020B0503020000020004" pitchFamily="34" charset="-127"/>
-                <a:ea typeface="Malgun Gothic" panose="020B0503020000020004" pitchFamily="34" charset="-127"/>
-              </a:rPr>
-              <a:t>    </a:t>
-            </a:r>
-            <a:r>
-              <a:rPr lang="en-US" b="0" i="1" dirty="0">
-                <a:solidFill>
-                  <a:schemeClr val="accent2"/>
-                </a:solidFill>
-                <a:latin typeface="Malgun Gothic" panose="020B0503020000020004" pitchFamily="34" charset="-127"/>
-                <a:ea typeface="Malgun Gothic" panose="020B0503020000020004" pitchFamily="34" charset="-127"/>
-              </a:rPr>
-              <a:t>critical region</a:t>
-            </a:r>
-            <a:br>
-              <a:rPr lang="en-US" b="0" dirty="0">
-                <a:solidFill>
-                  <a:schemeClr val="accent2"/>
-                </a:solidFill>
-                <a:latin typeface="Malgun Gothic" panose="020B0503020000020004" pitchFamily="34" charset="-127"/>
-                <a:ea typeface="Malgun Gothic" panose="020B0503020000020004" pitchFamily="34" charset="-127"/>
-              </a:rPr>
-            </a:br>
-            <a:r>
-              <a:rPr lang="en-US" b="0" dirty="0">
-                <a:solidFill>
-                  <a:schemeClr val="accent2"/>
-                </a:solidFill>
-                <a:latin typeface="Malgun Gothic" panose="020B0503020000020004" pitchFamily="34" charset="-127"/>
-                <a:ea typeface="Malgun Gothic" panose="020B0503020000020004" pitchFamily="34" charset="-127"/>
-              </a:rPr>
-              <a:t>    turn = 1;</a:t>
-            </a:r>
-            <a:br>
-              <a:rPr lang="en-US" b="0" dirty="0">
-                <a:solidFill>
-                  <a:schemeClr val="accent2"/>
-                </a:solidFill>
-                <a:latin typeface="Malgun Gothic" panose="020B0503020000020004" pitchFamily="34" charset="-127"/>
-                <a:ea typeface="Malgun Gothic" panose="020B0503020000020004" pitchFamily="34" charset="-127"/>
-              </a:rPr>
-            </a:br>
-            <a:r>
-              <a:rPr lang="en-US" b="0" dirty="0">
-                <a:solidFill>
-                  <a:schemeClr val="accent2"/>
-                </a:solidFill>
-                <a:latin typeface="Malgun Gothic" panose="020B0503020000020004" pitchFamily="34" charset="-127"/>
-                <a:ea typeface="Malgun Gothic" panose="020B0503020000020004" pitchFamily="34" charset="-127"/>
-              </a:rPr>
-              <a:t>    </a:t>
-            </a:r>
-            <a:r>
-              <a:rPr lang="en-US" b="0" i="1" dirty="0">
-                <a:solidFill>
-                  <a:schemeClr val="accent2"/>
-                </a:solidFill>
-                <a:latin typeface="Malgun Gothic" panose="020B0503020000020004" pitchFamily="34" charset="-127"/>
-                <a:ea typeface="Malgun Gothic" panose="020B0503020000020004" pitchFamily="34" charset="-127"/>
-              </a:rPr>
-              <a:t>outside of critical region</a:t>
-            </a:r>
-            <a:br>
-              <a:rPr lang="en-US" b="0" dirty="0">
-                <a:solidFill>
-                  <a:schemeClr val="accent2"/>
-                </a:solidFill>
-                <a:latin typeface="Malgun Gothic" panose="020B0503020000020004" pitchFamily="34" charset="-127"/>
-                <a:ea typeface="Malgun Gothic" panose="020B0503020000020004" pitchFamily="34" charset="-127"/>
-              </a:rPr>
-            </a:br>
-            <a:r>
-              <a:rPr lang="en-US" b="0" dirty="0">
-                <a:solidFill>
-                  <a:schemeClr val="accent2"/>
-                </a:solidFill>
-                <a:latin typeface="Malgun Gothic" panose="020B0503020000020004" pitchFamily="34" charset="-127"/>
-                <a:ea typeface="Malgun Gothic" panose="020B0503020000020004" pitchFamily="34" charset="-127"/>
-              </a:rPr>
-              <a:t>}</a:t>
-            </a:r>
-            <a:endParaRPr lang="en-US" sz="1000" dirty="0">
-              <a:latin typeface="Malgun Gothic" panose="020B0503020000020004" pitchFamily="34" charset="-127"/>
-              <a:ea typeface="Malgun Gothic" panose="020B0503020000020004" pitchFamily="34" charset="-127"/>
-            </a:endParaRPr>
-          </a:p>
-        </p:txBody>
-      </p:sp>
-      <p:sp>
-        <p:nvSpPr>
-          <p:cNvPr id="4" name="Text Box 7">
-            <a:extLst>
-              <a:ext uri="{FF2B5EF4-FFF2-40B4-BE49-F238E27FC236}">
-                <a16:creationId xmlns:a16="http://schemas.microsoft.com/office/drawing/2014/main" id="{37314CCE-245F-AC8C-E8D4-6BD46EEE0B43}"/>
-              </a:ext>
-            </a:extLst>
-          </p:cNvPr>
-          <p:cNvSpPr txBox="1">
-            <a:spLocks noChangeArrowheads="1"/>
-          </p:cNvSpPr>
-          <p:nvPr/>
-        </p:nvSpPr>
-        <p:spPr bwMode="auto">
-          <a:xfrm>
-            <a:off x="2848710" y="912777"/>
-            <a:ext cx="3429000" cy="369332"/>
-          </a:xfrm>
-          <a:prstGeom prst="rect">
-            <a:avLst/>
-          </a:prstGeom>
-          <a:noFill/>
-          <a:ln w="9525">
-            <a:solidFill>
-              <a:schemeClr val="accent2"/>
-            </a:solidFill>
-            <a:miter lim="800000"/>
-            <a:headEnd/>
-            <a:tailEnd type="none" w="med" len="lg"/>
-          </a:ln>
-        </p:spPr>
-        <p:txBody>
-          <a:bodyPr>
-            <a:prstTxWarp prst="textNoShape">
-              <a:avLst/>
-            </a:prstTxWarp>
-            <a:spAutoFit/>
-          </a:bodyPr>
-          <a:lstStyle/>
-          <a:p>
-            <a:pPr>
-              <a:spcBef>
-                <a:spcPct val="20000"/>
-              </a:spcBef>
-              <a:buClr>
-                <a:schemeClr val="tx1"/>
-              </a:buClr>
-              <a:buSzPct val="50000"/>
-              <a:buFont typeface="Monotype Sorts" pitchFamily="-109" charset="2"/>
-              <a:buNone/>
-            </a:pPr>
-            <a:r>
-              <a:rPr lang="en-US" b="0">
-                <a:solidFill>
-                  <a:schemeClr val="accent2"/>
-                </a:solidFill>
-                <a:latin typeface="Malgun Gothic" panose="020B0503020000020004" pitchFamily="34" charset="-127"/>
-                <a:ea typeface="Malgun Gothic" panose="020B0503020000020004" pitchFamily="34" charset="-127"/>
-              </a:rPr>
-              <a:t>int turn = 1;</a:t>
-            </a:r>
-            <a:endParaRPr lang="en-US" sz="1000">
-              <a:latin typeface="Malgun Gothic" panose="020B0503020000020004" pitchFamily="34" charset="-127"/>
-              <a:ea typeface="Malgun Gothic" panose="020B0503020000020004" pitchFamily="34" charset="-127"/>
-            </a:endParaRPr>
-          </a:p>
-        </p:txBody>
-      </p:sp>
-      <p:sp>
-        <p:nvSpPr>
-          <p:cNvPr id="5" name="Rectangle 8">
-            <a:extLst>
-              <a:ext uri="{FF2B5EF4-FFF2-40B4-BE49-F238E27FC236}">
-                <a16:creationId xmlns:a16="http://schemas.microsoft.com/office/drawing/2014/main" id="{8C6E7F7C-FEC8-63B2-13B8-E2463D32A8BE}"/>
-              </a:ext>
-            </a:extLst>
-          </p:cNvPr>
-          <p:cNvSpPr>
-            <a:spLocks noChangeArrowheads="1"/>
-          </p:cNvSpPr>
-          <p:nvPr/>
-        </p:nvSpPr>
-        <p:spPr bwMode="auto">
-          <a:xfrm>
-            <a:off x="346075" y="3194987"/>
-            <a:ext cx="8655050" cy="2893100"/>
-          </a:xfrm>
-          <a:prstGeom prst="rect">
-            <a:avLst/>
-          </a:prstGeom>
-          <a:noFill/>
-          <a:ln w="9525">
-            <a:noFill/>
-            <a:miter lim="800000"/>
-            <a:headEnd/>
-            <a:tailEnd type="none" w="med" len="lg"/>
-          </a:ln>
-        </p:spPr>
-        <p:txBody>
-          <a:bodyPr wrap="square" anchor="ctr">
-            <a:prstTxWarp prst="textNoShape">
-              <a:avLst/>
-            </a:prstTxWarp>
-            <a:spAutoFit/>
-          </a:bodyPr>
-          <a:lstStyle/>
-          <a:p>
-            <a:pPr latinLnBrk="0"/>
-            <a:r>
-              <a:rPr lang="en-US" b="0" dirty="0">
-                <a:solidFill>
-                  <a:schemeClr val="accent2"/>
-                </a:solidFill>
-                <a:latin typeface="Malgun Gothic" panose="020B0503020000020004" pitchFamily="34" charset="-127"/>
-                <a:ea typeface="Malgun Gothic" panose="020B0503020000020004" pitchFamily="34" charset="-127"/>
-              </a:rPr>
-              <a:t>This is called </a:t>
-            </a:r>
-            <a:r>
-              <a:rPr lang="en-US" b="0" dirty="0">
-                <a:solidFill>
-                  <a:srgbClr val="FF3300"/>
-                </a:solidFill>
-                <a:latin typeface="Malgun Gothic" panose="020B0503020000020004" pitchFamily="34" charset="-127"/>
-                <a:ea typeface="Malgun Gothic" panose="020B0503020000020004" pitchFamily="34" charset="-127"/>
-              </a:rPr>
-              <a:t>alternation</a:t>
-            </a:r>
-            <a:endParaRPr lang="en-US" b="0" i="1" dirty="0">
-              <a:solidFill>
-                <a:schemeClr val="accent2"/>
-              </a:solidFill>
-              <a:latin typeface="Malgun Gothic" panose="020B0503020000020004" pitchFamily="34" charset="-127"/>
-              <a:ea typeface="Malgun Gothic" panose="020B0503020000020004" pitchFamily="34" charset="-127"/>
-            </a:endParaRPr>
-          </a:p>
-          <a:p>
-            <a:pPr latinLnBrk="0"/>
-            <a:r>
-              <a:rPr lang="en-US" b="0" dirty="0">
-                <a:solidFill>
-                  <a:schemeClr val="accent2"/>
-                </a:solidFill>
-                <a:latin typeface="Malgun Gothic" panose="020B0503020000020004" pitchFamily="34" charset="-127"/>
-                <a:ea typeface="Malgun Gothic" panose="020B0503020000020004" pitchFamily="34" charset="-127"/>
-              </a:rPr>
-              <a:t>It </a:t>
-            </a:r>
-            <a:r>
-              <a:rPr lang="en-US" b="0" dirty="0">
-                <a:solidFill>
-                  <a:srgbClr val="FF3300"/>
-                </a:solidFill>
-                <a:latin typeface="Malgun Gothic" panose="020B0503020000020004" pitchFamily="34" charset="-127"/>
-                <a:ea typeface="Malgun Gothic" panose="020B0503020000020004" pitchFamily="34" charset="-127"/>
-              </a:rPr>
-              <a:t>satisfies mutex</a:t>
-            </a:r>
-            <a:r>
-              <a:rPr lang="en-US" b="0" dirty="0">
-                <a:solidFill>
-                  <a:schemeClr val="accent2"/>
-                </a:solidFill>
-                <a:latin typeface="Malgun Gothic" panose="020B0503020000020004" pitchFamily="34" charset="-127"/>
-                <a:ea typeface="Malgun Gothic" panose="020B0503020000020004" pitchFamily="34" charset="-127"/>
-              </a:rPr>
-              <a:t>:</a:t>
-            </a:r>
-          </a:p>
-          <a:p>
-            <a:pPr lvl="1" latinLnBrk="0">
-              <a:buFontTx/>
-              <a:buChar char="•"/>
-            </a:pPr>
-            <a:r>
-              <a:rPr lang="en-US" b="0" dirty="0">
-                <a:solidFill>
-                  <a:schemeClr val="accent2"/>
-                </a:solidFill>
-                <a:latin typeface="Malgun Gothic" panose="020B0503020000020004" pitchFamily="34" charset="-127"/>
-                <a:ea typeface="Malgun Gothic" panose="020B0503020000020004" pitchFamily="34" charset="-127"/>
-              </a:rPr>
-              <a:t> If blue is in the critical region, then turn == 1 and if yellow is in the critical region</a:t>
-            </a:r>
-            <a:r>
-              <a:rPr lang="en-US" altLang="zh-CN" b="0" dirty="0">
-                <a:solidFill>
-                  <a:schemeClr val="accent2"/>
-                </a:solidFill>
-                <a:latin typeface="Malgun Gothic" panose="020B0503020000020004" pitchFamily="34" charset="-127"/>
-                <a:ea typeface="Malgun Gothic" panose="020B0503020000020004" pitchFamily="34" charset="-127"/>
-              </a:rPr>
-              <a:t>,</a:t>
-            </a:r>
-            <a:r>
-              <a:rPr lang="en-US" b="0" dirty="0">
-                <a:solidFill>
-                  <a:schemeClr val="accent2"/>
-                </a:solidFill>
-                <a:latin typeface="Malgun Gothic" panose="020B0503020000020004" pitchFamily="34" charset="-127"/>
-                <a:ea typeface="Malgun Gothic" panose="020B0503020000020004" pitchFamily="34" charset="-127"/>
-              </a:rPr>
-              <a:t> then turn == 2 (</a:t>
-            </a:r>
-            <a:r>
-              <a:rPr lang="en-US" b="0" dirty="0">
-                <a:solidFill>
-                  <a:srgbClr val="D60093"/>
-                </a:solidFill>
-                <a:latin typeface="Malgun Gothic" panose="020B0503020000020004" pitchFamily="34" charset="-127"/>
-                <a:ea typeface="Malgun Gothic" panose="020B0503020000020004" pitchFamily="34" charset="-127"/>
-              </a:rPr>
-              <a:t>why?</a:t>
-            </a:r>
-            <a:r>
-              <a:rPr lang="en-US" b="0" dirty="0">
-                <a:solidFill>
-                  <a:schemeClr val="accent2"/>
-                </a:solidFill>
-                <a:latin typeface="Malgun Gothic" panose="020B0503020000020004" pitchFamily="34" charset="-127"/>
-                <a:ea typeface="Malgun Gothic" panose="020B0503020000020004" pitchFamily="34" charset="-127"/>
-              </a:rPr>
-              <a:t>)</a:t>
-            </a:r>
-          </a:p>
-          <a:p>
-            <a:pPr lvl="1" latinLnBrk="0">
-              <a:buFontTx/>
-              <a:buChar char="•"/>
-            </a:pPr>
-            <a:r>
-              <a:rPr lang="en-US" b="0" dirty="0">
-                <a:solidFill>
-                  <a:schemeClr val="accent2"/>
-                </a:solidFill>
-                <a:latin typeface="Malgun Gothic" panose="020B0503020000020004" pitchFamily="34" charset="-127"/>
-                <a:ea typeface="Malgun Gothic" panose="020B0503020000020004" pitchFamily="34" charset="-127"/>
-              </a:rPr>
-              <a:t> (turn == 1) </a:t>
-            </a:r>
-            <a:r>
-              <a:rPr lang="en-US" b="0" dirty="0">
-                <a:solidFill>
-                  <a:schemeClr val="accent2"/>
-                </a:solidFill>
-                <a:latin typeface="Malgun Gothic" panose="020B0503020000020004" pitchFamily="34" charset="-127"/>
-                <a:ea typeface="Malgun Gothic" panose="020B0503020000020004" pitchFamily="34" charset="-127"/>
-                <a:cs typeface="ヒラギノ角ゴ Pro W3" pitchFamily="-109" charset="-128"/>
-              </a:rPr>
-              <a:t>≡</a:t>
-            </a:r>
-            <a:r>
-              <a:rPr lang="en-US" b="0" dirty="0">
-                <a:solidFill>
-                  <a:schemeClr val="accent2"/>
-                </a:solidFill>
-                <a:latin typeface="Malgun Gothic" panose="020B0503020000020004" pitchFamily="34" charset="-127"/>
-                <a:ea typeface="Malgun Gothic" panose="020B0503020000020004" pitchFamily="34" charset="-127"/>
-              </a:rPr>
-              <a:t> (turn != 2)</a:t>
-            </a:r>
-          </a:p>
-          <a:p>
-            <a:pPr latinLnBrk="0"/>
-            <a:endParaRPr lang="en-US" sz="1000" b="0" dirty="0">
-              <a:solidFill>
-                <a:schemeClr val="accent2"/>
-              </a:solidFill>
-              <a:latin typeface="Malgun Gothic" panose="020B0503020000020004" pitchFamily="34" charset="-127"/>
-              <a:ea typeface="Malgun Gothic" panose="020B0503020000020004" pitchFamily="34" charset="-127"/>
-            </a:endParaRPr>
-          </a:p>
-          <a:p>
-            <a:pPr latinLnBrk="0"/>
-            <a:r>
-              <a:rPr lang="en-US" b="0" dirty="0">
-                <a:solidFill>
-                  <a:schemeClr val="accent2"/>
-                </a:solidFill>
-                <a:latin typeface="Malgun Gothic" panose="020B0503020000020004" pitchFamily="34" charset="-127"/>
-                <a:ea typeface="Malgun Gothic" panose="020B0503020000020004" pitchFamily="34" charset="-127"/>
-              </a:rPr>
-              <a:t>It </a:t>
-            </a:r>
-            <a:r>
-              <a:rPr lang="en-US" b="0" dirty="0">
-                <a:solidFill>
-                  <a:srgbClr val="FF3300"/>
-                </a:solidFill>
-                <a:latin typeface="Malgun Gothic" panose="020B0503020000020004" pitchFamily="34" charset="-127"/>
-                <a:ea typeface="Malgun Gothic" panose="020B0503020000020004" pitchFamily="34" charset="-127"/>
-              </a:rPr>
-              <a:t>violates progress</a:t>
-            </a:r>
-            <a:r>
-              <a:rPr lang="en-US" b="0" dirty="0">
-                <a:solidFill>
-                  <a:schemeClr val="accent2"/>
-                </a:solidFill>
-                <a:latin typeface="Malgun Gothic" panose="020B0503020000020004" pitchFamily="34" charset="-127"/>
-                <a:ea typeface="Malgun Gothic" panose="020B0503020000020004" pitchFamily="34" charset="-127"/>
-              </a:rPr>
-              <a:t>: the thread could go into an infinite loop outside of the critical section, which will prevent the yellow one from entering.</a:t>
-            </a:r>
-          </a:p>
-          <a:p>
-            <a:pPr latinLnBrk="0"/>
-            <a:endParaRPr lang="en-US" sz="1000" b="0" dirty="0">
-              <a:solidFill>
-                <a:schemeClr val="accent2"/>
-              </a:solidFill>
-              <a:latin typeface="Malgun Gothic" panose="020B0503020000020004" pitchFamily="34" charset="-127"/>
-              <a:ea typeface="Malgun Gothic" panose="020B0503020000020004" pitchFamily="34" charset="-127"/>
-            </a:endParaRPr>
-          </a:p>
-          <a:p>
-            <a:pPr latinLnBrk="0"/>
-            <a:r>
-              <a:rPr lang="en-US" dirty="0">
-                <a:solidFill>
-                  <a:srgbClr val="FF0000"/>
-                </a:solidFill>
-                <a:latin typeface="Malgun Gothic" panose="020B0503020000020004" pitchFamily="34" charset="-127"/>
-                <a:ea typeface="Malgun Gothic" panose="020B0503020000020004" pitchFamily="34" charset="-127"/>
-              </a:rPr>
-              <a:t>Easy to use? (what if more than 2 threads? what if we don’t know how many threads?)</a:t>
-            </a:r>
-          </a:p>
-        </p:txBody>
-      </p:sp>
     </p:spTree>
-    <p:extLst>
-      <p:ext uri="{BB962C8B-B14F-4D97-AF65-F5344CB8AC3E}">
-        <p14:creationId xmlns:p14="http://schemas.microsoft.com/office/powerpoint/2010/main" val="7314352"/>
-      </p:ext>
-    </p:extLst>
   </p:cSld>
   <p:clrMapOvr>
     <a:masterClrMapping/>
   </p:clrMapOvr>
-  <p:timing>
-    <p:tnLst>
-      <p:par>
-        <p:cTn id="1" dur="indefinite" restart="never" nodeType="tmRoot">
-          <p:childTnLst>
-            <p:seq concurrent="1" nextAc="seek">
-              <p:cTn id="2" dur="indefinite" nodeType="mainSeq">
-                <p:childTnLst>
-                  <p:par>
-                    <p:cTn id="3" fill="hold">
-                      <p:stCondLst>
-                        <p:cond delay="indefinite"/>
-                      </p:stCondLst>
-                      <p:childTnLst>
-                        <p:par>
-                          <p:cTn id="4" fill="hold">
-                            <p:stCondLst>
-                              <p:cond delay="0"/>
-                            </p:stCondLst>
-                            <p:childTnLst>
-                              <p:par>
-                                <p:cTn id="5" presetID="1" presetClass="entr" presetSubtype="0" fill="hold" grpId="0" nodeType="clickEffect">
-                                  <p:stCondLst>
-                                    <p:cond delay="0"/>
-                                  </p:stCondLst>
-                                  <p:childTnLst>
-                                    <p:set>
-                                      <p:cBhvr>
-                                        <p:cTn id="6" dur="1" fill="hold">
-                                          <p:stCondLst>
-                                            <p:cond delay="0"/>
-                                          </p:stCondLst>
-                                        </p:cTn>
-                                        <p:tgtEl>
-                                          <p:spTgt spid="5"/>
-                                        </p:tgtEl>
-                                        <p:attrNameLst>
-                                          <p:attrName>style.visibility</p:attrName>
-                                        </p:attrNameLst>
-                                      </p:cBhvr>
-                                      <p:to>
-                                        <p:strVal val="visible"/>
-                                      </p:to>
-                                    </p:set>
-                                  </p:childTnLst>
-                                </p:cTn>
-                              </p:par>
-                            </p:childTnLst>
-                          </p:cTn>
-                        </p:par>
-                      </p:childTnLst>
-                    </p:cTn>
-                  </p:par>
-                </p:childTnLst>
-              </p:cTn>
-              <p:prevCondLst>
-                <p:cond evt="onPrev" delay="0">
-                  <p:tgtEl>
-                    <p:sldTgt/>
-                  </p:tgtEl>
-                </p:cond>
-              </p:prevCondLst>
-              <p:nextCondLst>
-                <p:cond evt="onNext" delay="0">
-                  <p:tgtEl>
-                    <p:sldTgt/>
-                  </p:tgtEl>
-                </p:cond>
-              </p:nextCondLst>
-            </p:seq>
-          </p:childTnLst>
-        </p:cTn>
-      </p:par>
-    </p:tnLst>
-    <p:bldLst>
-      <p:bldP spid="5" grpId="0"/>
-    </p:bldLst>
-  </p:timing>
 </p:sld>
 </file>
 
@@ -9853,7 +9078,7 @@
       </p:grpSpPr>
       <p:sp>
         <p:nvSpPr>
-          <p:cNvPr id="352258" name="Rectangle 2"/>
+          <p:cNvPr id="353282" name="Rectangle 2"/>
           <p:cNvSpPr>
             <a:spLocks noGrp="1" noChangeArrowheads="1"/>
           </p:cNvSpPr>
@@ -9871,149 +9096,14 @@
             </a:pPr>
             <a:r>
               <a:rPr lang="en-US"/>
-              <a:t>Locks</a:t>
-            </a:r>
-          </a:p>
-        </p:txBody>
-      </p:sp>
-      <p:sp>
-        <p:nvSpPr>
-          <p:cNvPr id="20486" name="Rectangle 3"/>
-          <p:cNvSpPr>
-            <a:spLocks noGrp="1" noChangeArrowheads="1"/>
-          </p:cNvSpPr>
-          <p:nvPr>
-            <p:ph idx="1"/>
-          </p:nvPr>
-        </p:nvSpPr>
-        <p:spPr>
-          <a:xfrm>
-            <a:off x="215999" y="878400"/>
-            <a:ext cx="8570191" cy="4572000"/>
-          </a:xfrm>
-        </p:spPr>
-        <p:txBody>
-          <a:bodyPr/>
-          <a:lstStyle/>
-          <a:p>
-            <a:r>
-              <a:rPr lang="en-US" dirty="0"/>
-              <a:t>A lock is an object in memory providing two operations</a:t>
-            </a:r>
-          </a:p>
-          <a:p>
-            <a:pPr lvl="1"/>
-            <a:r>
-              <a:rPr lang="en-US" dirty="0">
-                <a:solidFill>
-                  <a:srgbClr val="FF3300"/>
-                </a:solidFill>
-              </a:rPr>
-              <a:t>acquire()</a:t>
-            </a:r>
-            <a:r>
-              <a:rPr lang="en-US" dirty="0"/>
-              <a:t>: before entering the critical region</a:t>
-            </a:r>
-          </a:p>
-          <a:p>
-            <a:pPr lvl="1"/>
-            <a:r>
-              <a:rPr lang="en-US" dirty="0">
-                <a:solidFill>
-                  <a:srgbClr val="FF3300"/>
-                </a:solidFill>
-              </a:rPr>
-              <a:t>release()</a:t>
-            </a:r>
-            <a:r>
-              <a:rPr lang="en-US" dirty="0"/>
-              <a:t>: after leaving a critical region</a:t>
-            </a:r>
-          </a:p>
-          <a:p>
-            <a:r>
-              <a:rPr lang="en-US" dirty="0"/>
-              <a:t>Threads </a:t>
-            </a:r>
-            <a:r>
-              <a:rPr lang="en-US" dirty="0">
-                <a:solidFill>
-                  <a:srgbClr val="FF3300"/>
-                </a:solidFill>
-              </a:rPr>
-              <a:t>pair </a:t>
-            </a:r>
-            <a:r>
-              <a:rPr lang="en-US" dirty="0"/>
-              <a:t>the acquire() and release()</a:t>
-            </a:r>
-            <a:r>
-              <a:rPr lang="zh-CN" altLang="en-US" dirty="0"/>
-              <a:t> </a:t>
-            </a:r>
-            <a:r>
-              <a:rPr lang="en-US" altLang="zh-CN" dirty="0"/>
-              <a:t>calls</a:t>
-            </a:r>
-            <a:endParaRPr lang="en-US" dirty="0"/>
-          </a:p>
-          <a:p>
-            <a:pPr lvl="1"/>
-            <a:r>
-              <a:rPr lang="en-US" dirty="0"/>
-              <a:t>Between acquire()/release(), the thread </a:t>
-            </a:r>
-            <a:r>
-              <a:rPr lang="en-US" dirty="0">
-                <a:solidFill>
-                  <a:srgbClr val="FF3300"/>
-                </a:solidFill>
-              </a:rPr>
-              <a:t>holds</a:t>
-            </a:r>
-            <a:r>
-              <a:rPr lang="en-US" dirty="0"/>
-              <a:t> the lock</a:t>
-            </a:r>
-          </a:p>
-          <a:p>
-            <a:pPr lvl="1"/>
-            <a:r>
-              <a:rPr lang="en-US" dirty="0"/>
-              <a:t>acquire() does not return until any previous holder releases</a:t>
-            </a:r>
-          </a:p>
-          <a:p>
-            <a:pPr lvl="1"/>
-            <a:r>
-              <a:rPr lang="en-US" dirty="0"/>
-              <a:t>What can happen if the calls are </a:t>
-            </a:r>
-            <a:r>
-              <a:rPr lang="en-US" b="1" dirty="0">
-                <a:solidFill>
-                  <a:srgbClr val="FF0000"/>
-                </a:solidFill>
-              </a:rPr>
-              <a:t>not paired</a:t>
-            </a:r>
-            <a:r>
-              <a:rPr lang="en-US" dirty="0"/>
-              <a:t>?</a:t>
-            </a:r>
-          </a:p>
-          <a:p>
-            <a:r>
-              <a:rPr lang="en-US" dirty="0"/>
-              <a:t>Locks can spin (a spinlock) or block (a mutex)</a:t>
-            </a:r>
-          </a:p>
-        </p:txBody>
-      </p:sp>
-      <p:sp>
-        <p:nvSpPr>
-          <p:cNvPr id="20484" name="Slide Number Placeholder 5"/>
+              <a:t>Using Locks</a:t>
+            </a:r>
+          </a:p>
+        </p:txBody>
+      </p:sp>
+      <p:sp>
+        <p:nvSpPr>
+          <p:cNvPr id="21508" name="Slide Number Placeholder 5"/>
           <p:cNvSpPr>
             <a:spLocks noGrp="1"/>
           </p:cNvSpPr>
@@ -10028,7 +9118,7 @@
           <a:bodyPr/>
           <a:lstStyle/>
           <a:p>
-            <a:fld id="{4410CFD1-0E48-A049-9170-BCD1C044658D}" type="slidenum">
+            <a:fld id="{4B4994FC-0F54-9840-8398-57CB2971676E}" type="slidenum">
               <a:rPr lang="en-US"/>
               <a:pPr/>
               <a:t>19</a:t>
@@ -10039,7 +9129,7 @@
       </p:sp>
       <p:sp>
         <p:nvSpPr>
-          <p:cNvPr id="20483" name="Footer Placeholder 4"/>
+          <p:cNvPr id="21507" name="Footer Placeholder 4"/>
           <p:cNvSpPr>
             <a:spLocks noGrp="1"/>
           </p:cNvSpPr>
@@ -10061,6 +9151,903 @@
             <a:endParaRPr lang="en-US" sz="1400" b="0">
               <a:latin typeface="Times New Roman" pitchFamily="-109" charset="0"/>
             </a:endParaRPr>
+          </a:p>
+        </p:txBody>
+      </p:sp>
+      <p:sp>
+        <p:nvSpPr>
+          <p:cNvPr id="21511" name="Text Box 4"/>
+          <p:cNvSpPr txBox="1">
+            <a:spLocks noChangeArrowheads="1"/>
+          </p:cNvSpPr>
+          <p:nvPr/>
+        </p:nvSpPr>
+        <p:spPr bwMode="auto">
+          <a:xfrm>
+            <a:off x="284170" y="1325217"/>
+            <a:ext cx="3657600" cy="2551468"/>
+          </a:xfrm>
+          <a:prstGeom prst="rect">
+            <a:avLst/>
+          </a:prstGeom>
+          <a:noFill/>
+          <a:ln w="9525">
+            <a:solidFill>
+              <a:schemeClr val="accent2"/>
+            </a:solidFill>
+            <a:miter lim="800000"/>
+            <a:headEnd/>
+            <a:tailEnd type="none" w="med" len="lg"/>
+          </a:ln>
+        </p:spPr>
+        <p:txBody>
+          <a:bodyPr wrap="square">
+            <a:prstTxWarp prst="textNoShape">
+              <a:avLst/>
+            </a:prstTxWarp>
+            <a:spAutoFit/>
+          </a:bodyPr>
+          <a:lstStyle/>
+          <a:p>
+            <a:pPr>
+              <a:spcBef>
+                <a:spcPct val="20000"/>
+              </a:spcBef>
+              <a:buClr>
+                <a:schemeClr val="tx1"/>
+              </a:buClr>
+              <a:buSzPct val="50000"/>
+              <a:buFont typeface="Monotype Sorts" pitchFamily="-109" charset="2"/>
+              <a:buNone/>
+            </a:pPr>
+            <a:r>
+              <a:rPr lang="en-US" sz="1700" b="0" dirty="0">
+                <a:solidFill>
+                  <a:schemeClr val="accent2"/>
+                </a:solidFill>
+                <a:latin typeface="Malgun Gothic" panose="020B0503020000020004" pitchFamily="34" charset="-127"/>
+                <a:ea typeface="Malgun Gothic" panose="020B0503020000020004" pitchFamily="34" charset="-127"/>
+              </a:rPr>
+              <a:t>withdraw (account, amount) {</a:t>
+            </a:r>
+          </a:p>
+          <a:p>
+            <a:pPr>
+              <a:spcBef>
+                <a:spcPct val="20000"/>
+              </a:spcBef>
+              <a:buClr>
+                <a:schemeClr val="tx1"/>
+              </a:buClr>
+              <a:buSzPct val="50000"/>
+              <a:buFont typeface="Monotype Sorts" pitchFamily="-109" charset="2"/>
+              <a:buNone/>
+            </a:pPr>
+            <a:r>
+              <a:rPr lang="en-US" sz="1700" b="0" dirty="0">
+                <a:solidFill>
+                  <a:schemeClr val="accent2"/>
+                </a:solidFill>
+                <a:latin typeface="Malgun Gothic" panose="020B0503020000020004" pitchFamily="34" charset="-127"/>
+                <a:ea typeface="Malgun Gothic" panose="020B0503020000020004" pitchFamily="34" charset="-127"/>
+              </a:rPr>
+              <a:t>    </a:t>
+            </a:r>
+            <a:r>
+              <a:rPr lang="en-US" sz="1700" dirty="0">
+                <a:solidFill>
+                  <a:schemeClr val="accent2"/>
+                </a:solidFill>
+                <a:latin typeface="Malgun Gothic" panose="020B0503020000020004" pitchFamily="34" charset="-127"/>
+                <a:ea typeface="Malgun Gothic" panose="020B0503020000020004" pitchFamily="34" charset="-127"/>
+              </a:rPr>
+              <a:t>acquire(lock);</a:t>
+            </a:r>
+          </a:p>
+          <a:p>
+            <a:pPr>
+              <a:spcBef>
+                <a:spcPct val="20000"/>
+              </a:spcBef>
+              <a:buClr>
+                <a:schemeClr val="tx1"/>
+              </a:buClr>
+              <a:buSzPct val="50000"/>
+              <a:buFont typeface="Monotype Sorts" pitchFamily="-109" charset="2"/>
+              <a:buNone/>
+            </a:pPr>
+            <a:r>
+              <a:rPr lang="en-US" sz="1700" b="0" dirty="0">
+                <a:solidFill>
+                  <a:schemeClr val="accent2"/>
+                </a:solidFill>
+                <a:latin typeface="Malgun Gothic" panose="020B0503020000020004" pitchFamily="34" charset="-127"/>
+                <a:ea typeface="Malgun Gothic" panose="020B0503020000020004" pitchFamily="34" charset="-127"/>
+              </a:rPr>
+              <a:t>    </a:t>
+            </a:r>
+            <a:r>
+              <a:rPr lang="en-US" sz="1700" b="0" dirty="0">
+                <a:solidFill>
+                  <a:srgbClr val="FF3300"/>
+                </a:solidFill>
+                <a:latin typeface="Malgun Gothic" panose="020B0503020000020004" pitchFamily="34" charset="-127"/>
+                <a:ea typeface="Malgun Gothic" panose="020B0503020000020004" pitchFamily="34" charset="-127"/>
+              </a:rPr>
+              <a:t>balance = </a:t>
+            </a:r>
+            <a:r>
+              <a:rPr lang="en-US" sz="1700" b="0" dirty="0" err="1">
+                <a:solidFill>
+                  <a:srgbClr val="FF3300"/>
+                </a:solidFill>
+                <a:latin typeface="Malgun Gothic" panose="020B0503020000020004" pitchFamily="34" charset="-127"/>
+                <a:ea typeface="Malgun Gothic" panose="020B0503020000020004" pitchFamily="34" charset="-127"/>
+              </a:rPr>
+              <a:t>get_balance</a:t>
+            </a:r>
+            <a:r>
+              <a:rPr lang="en-US" sz="1700" b="0" dirty="0">
+                <a:solidFill>
+                  <a:srgbClr val="FF3300"/>
+                </a:solidFill>
+                <a:latin typeface="Malgun Gothic" panose="020B0503020000020004" pitchFamily="34" charset="-127"/>
+                <a:ea typeface="Malgun Gothic" panose="020B0503020000020004" pitchFamily="34" charset="-127"/>
+              </a:rPr>
+              <a:t>(account);</a:t>
+            </a:r>
+          </a:p>
+          <a:p>
+            <a:pPr>
+              <a:spcBef>
+                <a:spcPct val="20000"/>
+              </a:spcBef>
+              <a:buClr>
+                <a:schemeClr val="tx1"/>
+              </a:buClr>
+              <a:buSzPct val="50000"/>
+              <a:buFont typeface="Monotype Sorts" pitchFamily="-109" charset="2"/>
+              <a:buNone/>
+            </a:pPr>
+            <a:r>
+              <a:rPr lang="en-US" sz="1700" b="0" dirty="0">
+                <a:solidFill>
+                  <a:srgbClr val="FF3300"/>
+                </a:solidFill>
+                <a:latin typeface="Malgun Gothic" panose="020B0503020000020004" pitchFamily="34" charset="-127"/>
+                <a:ea typeface="Malgun Gothic" panose="020B0503020000020004" pitchFamily="34" charset="-127"/>
+              </a:rPr>
+              <a:t>    balance = balance – amount;</a:t>
+            </a:r>
+          </a:p>
+          <a:p>
+            <a:pPr>
+              <a:spcBef>
+                <a:spcPct val="20000"/>
+              </a:spcBef>
+              <a:buClr>
+                <a:schemeClr val="tx1"/>
+              </a:buClr>
+              <a:buSzPct val="50000"/>
+              <a:buFont typeface="Monotype Sorts" pitchFamily="-109" charset="2"/>
+              <a:buNone/>
+            </a:pPr>
+            <a:r>
+              <a:rPr lang="en-US" sz="1700" b="0" dirty="0">
+                <a:solidFill>
+                  <a:srgbClr val="FF3300"/>
+                </a:solidFill>
+                <a:latin typeface="Malgun Gothic" panose="020B0503020000020004" pitchFamily="34" charset="-127"/>
+                <a:ea typeface="Malgun Gothic" panose="020B0503020000020004" pitchFamily="34" charset="-127"/>
+              </a:rPr>
+              <a:t>    </a:t>
+            </a:r>
+            <a:r>
+              <a:rPr lang="en-US" sz="1700" b="0" dirty="0" err="1">
+                <a:solidFill>
+                  <a:srgbClr val="FF3300"/>
+                </a:solidFill>
+                <a:latin typeface="Malgun Gothic" panose="020B0503020000020004" pitchFamily="34" charset="-127"/>
+                <a:ea typeface="Malgun Gothic" panose="020B0503020000020004" pitchFamily="34" charset="-127"/>
+              </a:rPr>
+              <a:t>put_balance</a:t>
+            </a:r>
+            <a:r>
+              <a:rPr lang="en-US" sz="1700" b="0" dirty="0">
+                <a:solidFill>
+                  <a:srgbClr val="FF3300"/>
+                </a:solidFill>
+                <a:latin typeface="Malgun Gothic" panose="020B0503020000020004" pitchFamily="34" charset="-127"/>
+                <a:ea typeface="Malgun Gothic" panose="020B0503020000020004" pitchFamily="34" charset="-127"/>
+              </a:rPr>
+              <a:t>(account, balance);</a:t>
+            </a:r>
+          </a:p>
+          <a:p>
+            <a:pPr>
+              <a:spcBef>
+                <a:spcPct val="20000"/>
+              </a:spcBef>
+              <a:buClr>
+                <a:schemeClr val="tx1"/>
+              </a:buClr>
+              <a:buSzPct val="50000"/>
+              <a:buFont typeface="Monotype Sorts" pitchFamily="-109" charset="2"/>
+              <a:buNone/>
+            </a:pPr>
+            <a:r>
+              <a:rPr lang="en-US" sz="1700" b="0" dirty="0">
+                <a:solidFill>
+                  <a:schemeClr val="accent2"/>
+                </a:solidFill>
+                <a:latin typeface="Malgun Gothic" panose="020B0503020000020004" pitchFamily="34" charset="-127"/>
+                <a:ea typeface="Malgun Gothic" panose="020B0503020000020004" pitchFamily="34" charset="-127"/>
+              </a:rPr>
+              <a:t>    </a:t>
+            </a:r>
+            <a:r>
+              <a:rPr lang="en-US" sz="1700" dirty="0">
+                <a:solidFill>
+                  <a:schemeClr val="accent2"/>
+                </a:solidFill>
+                <a:latin typeface="Malgun Gothic" panose="020B0503020000020004" pitchFamily="34" charset="-127"/>
+                <a:ea typeface="Malgun Gothic" panose="020B0503020000020004" pitchFamily="34" charset="-127"/>
+              </a:rPr>
+              <a:t>release(lock);</a:t>
+            </a:r>
+          </a:p>
+          <a:p>
+            <a:pPr>
+              <a:spcBef>
+                <a:spcPct val="20000"/>
+              </a:spcBef>
+              <a:buClr>
+                <a:schemeClr val="tx1"/>
+              </a:buClr>
+              <a:buSzPct val="50000"/>
+              <a:buFont typeface="Monotype Sorts" pitchFamily="-109" charset="2"/>
+              <a:buNone/>
+            </a:pPr>
+            <a:r>
+              <a:rPr lang="en-US" sz="1700" b="0" dirty="0">
+                <a:solidFill>
+                  <a:schemeClr val="accent2"/>
+                </a:solidFill>
+                <a:latin typeface="Malgun Gothic" panose="020B0503020000020004" pitchFamily="34" charset="-127"/>
+                <a:ea typeface="Malgun Gothic" panose="020B0503020000020004" pitchFamily="34" charset="-127"/>
+              </a:rPr>
+              <a:t>    return amount;</a:t>
+            </a:r>
+          </a:p>
+          <a:p>
+            <a:pPr>
+              <a:spcBef>
+                <a:spcPct val="20000"/>
+              </a:spcBef>
+              <a:buClr>
+                <a:schemeClr val="tx1"/>
+              </a:buClr>
+              <a:buSzPct val="50000"/>
+              <a:buFont typeface="Monotype Sorts" pitchFamily="-109" charset="2"/>
+              <a:buNone/>
+            </a:pPr>
+            <a:r>
+              <a:rPr lang="en-US" sz="1700" b="0" dirty="0">
+                <a:solidFill>
+                  <a:schemeClr val="accent2"/>
+                </a:solidFill>
+                <a:latin typeface="Malgun Gothic" panose="020B0503020000020004" pitchFamily="34" charset="-127"/>
+                <a:ea typeface="Malgun Gothic" panose="020B0503020000020004" pitchFamily="34" charset="-127"/>
+              </a:rPr>
+              <a:t>}</a:t>
+            </a:r>
+            <a:endParaRPr lang="en-US" sz="1700" dirty="0">
+              <a:latin typeface="Malgun Gothic" panose="020B0503020000020004" pitchFamily="34" charset="-127"/>
+              <a:ea typeface="Malgun Gothic" panose="020B0503020000020004" pitchFamily="34" charset="-127"/>
+            </a:endParaRPr>
+          </a:p>
+        </p:txBody>
+      </p:sp>
+      <p:sp>
+        <p:nvSpPr>
+          <p:cNvPr id="21512" name="Text Box 5"/>
+          <p:cNvSpPr txBox="1">
+            <a:spLocks noChangeArrowheads="1"/>
+          </p:cNvSpPr>
+          <p:nvPr/>
+        </p:nvSpPr>
+        <p:spPr bwMode="auto">
+          <a:xfrm>
+            <a:off x="5214730" y="868017"/>
+            <a:ext cx="3520440" cy="966418"/>
+          </a:xfrm>
+          <a:prstGeom prst="rect">
+            <a:avLst/>
+          </a:prstGeom>
+          <a:solidFill>
+            <a:srgbClr val="FFFF00"/>
+          </a:solidFill>
+          <a:ln w="9525">
+            <a:solidFill>
+              <a:schemeClr val="accent2"/>
+            </a:solidFill>
+            <a:miter lim="800000"/>
+            <a:headEnd/>
+            <a:tailEnd type="none" w="med" len="lg"/>
+          </a:ln>
+        </p:spPr>
+        <p:txBody>
+          <a:bodyPr wrap="square">
+            <a:prstTxWarp prst="textNoShape">
+              <a:avLst/>
+            </a:prstTxWarp>
+            <a:spAutoFit/>
+          </a:bodyPr>
+          <a:lstStyle/>
+          <a:p>
+            <a:pPr>
+              <a:spcBef>
+                <a:spcPct val="20000"/>
+              </a:spcBef>
+              <a:buClr>
+                <a:schemeClr val="tx1"/>
+              </a:buClr>
+              <a:buSzPct val="50000"/>
+              <a:buFont typeface="Monotype Sorts" pitchFamily="-109" charset="2"/>
+              <a:buNone/>
+            </a:pPr>
+            <a:r>
+              <a:rPr lang="en-US" sz="1600" dirty="0">
+                <a:solidFill>
+                  <a:schemeClr val="accent2"/>
+                </a:solidFill>
+                <a:latin typeface="Malgun Gothic" panose="020B0503020000020004" pitchFamily="34" charset="-127"/>
+                <a:ea typeface="Malgun Gothic" panose="020B0503020000020004" pitchFamily="34" charset="-127"/>
+              </a:rPr>
+              <a:t>acquire(lock);</a:t>
+            </a:r>
+          </a:p>
+          <a:p>
+            <a:pPr>
+              <a:spcBef>
+                <a:spcPct val="20000"/>
+              </a:spcBef>
+              <a:buClr>
+                <a:schemeClr val="tx1"/>
+              </a:buClr>
+              <a:buSzPct val="50000"/>
+              <a:buFont typeface="Monotype Sorts" pitchFamily="-109" charset="2"/>
+              <a:buNone/>
+            </a:pPr>
+            <a:r>
+              <a:rPr lang="en-US" sz="1600" b="0" dirty="0">
+                <a:solidFill>
+                  <a:schemeClr val="accent2"/>
+                </a:solidFill>
+                <a:latin typeface="Malgun Gothic" panose="020B0503020000020004" pitchFamily="34" charset="-127"/>
+                <a:ea typeface="Malgun Gothic" panose="020B0503020000020004" pitchFamily="34" charset="-127"/>
+              </a:rPr>
+              <a:t>balance = get_balance(account);</a:t>
+            </a:r>
+          </a:p>
+          <a:p>
+            <a:pPr>
+              <a:spcBef>
+                <a:spcPct val="20000"/>
+              </a:spcBef>
+              <a:buClr>
+                <a:schemeClr val="tx1"/>
+              </a:buClr>
+              <a:buSzPct val="50000"/>
+              <a:buFont typeface="Monotype Sorts" pitchFamily="-109" charset="2"/>
+              <a:buNone/>
+            </a:pPr>
+            <a:r>
+              <a:rPr lang="en-US" sz="1600" b="0" dirty="0">
+                <a:solidFill>
+                  <a:schemeClr val="accent2"/>
+                </a:solidFill>
+                <a:latin typeface="Malgun Gothic" panose="020B0503020000020004" pitchFamily="34" charset="-127"/>
+                <a:ea typeface="Malgun Gothic" panose="020B0503020000020004" pitchFamily="34" charset="-127"/>
+              </a:rPr>
+              <a:t>balance = balance – amount;</a:t>
+            </a:r>
+            <a:endParaRPr lang="en-US" sz="900" dirty="0">
+              <a:latin typeface="Malgun Gothic" panose="020B0503020000020004" pitchFamily="34" charset="-127"/>
+              <a:ea typeface="Malgun Gothic" panose="020B0503020000020004" pitchFamily="34" charset="-127"/>
+            </a:endParaRPr>
+          </a:p>
+        </p:txBody>
+      </p:sp>
+      <p:sp>
+        <p:nvSpPr>
+          <p:cNvPr id="21513" name="Text Box 6"/>
+          <p:cNvSpPr txBox="1">
+            <a:spLocks noChangeArrowheads="1"/>
+          </p:cNvSpPr>
+          <p:nvPr/>
+        </p:nvSpPr>
+        <p:spPr bwMode="auto">
+          <a:xfrm>
+            <a:off x="5214730" y="3154017"/>
+            <a:ext cx="3520440" cy="1261884"/>
+          </a:xfrm>
+          <a:prstGeom prst="rect">
+            <a:avLst/>
+          </a:prstGeom>
+          <a:solidFill>
+            <a:srgbClr val="CCFFFF"/>
+          </a:solidFill>
+          <a:ln w="9525">
+            <a:solidFill>
+              <a:schemeClr val="accent2"/>
+            </a:solidFill>
+            <a:miter lim="800000"/>
+            <a:headEnd/>
+            <a:tailEnd type="none" w="med" len="lg"/>
+          </a:ln>
+        </p:spPr>
+        <p:txBody>
+          <a:bodyPr wrap="square">
+            <a:prstTxWarp prst="textNoShape">
+              <a:avLst/>
+            </a:prstTxWarp>
+            <a:spAutoFit/>
+          </a:bodyPr>
+          <a:lstStyle/>
+          <a:p>
+            <a:pPr>
+              <a:spcBef>
+                <a:spcPct val="20000"/>
+              </a:spcBef>
+              <a:buClr>
+                <a:schemeClr val="tx1"/>
+              </a:buClr>
+              <a:buSzPct val="50000"/>
+              <a:buFont typeface="Monotype Sorts" pitchFamily="-109" charset="2"/>
+              <a:buNone/>
+            </a:pPr>
+            <a:r>
+              <a:rPr lang="en-US" sz="1600" b="0" dirty="0">
+                <a:solidFill>
+                  <a:schemeClr val="accent2"/>
+                </a:solidFill>
+                <a:latin typeface="Malgun Gothic" panose="020B0503020000020004" pitchFamily="34" charset="-127"/>
+                <a:ea typeface="Malgun Gothic" panose="020B0503020000020004" pitchFamily="34" charset="-127"/>
+              </a:rPr>
+              <a:t>balance = get_balance(account);</a:t>
+            </a:r>
+          </a:p>
+          <a:p>
+            <a:pPr>
+              <a:spcBef>
+                <a:spcPct val="20000"/>
+              </a:spcBef>
+              <a:buClr>
+                <a:schemeClr val="tx1"/>
+              </a:buClr>
+              <a:buSzPct val="50000"/>
+              <a:buFont typeface="Monotype Sorts" pitchFamily="-109" charset="2"/>
+              <a:buNone/>
+            </a:pPr>
+            <a:r>
+              <a:rPr lang="en-US" sz="1600" b="0" dirty="0">
+                <a:solidFill>
+                  <a:schemeClr val="accent2"/>
+                </a:solidFill>
+                <a:latin typeface="Malgun Gothic" panose="020B0503020000020004" pitchFamily="34" charset="-127"/>
+                <a:ea typeface="Malgun Gothic" panose="020B0503020000020004" pitchFamily="34" charset="-127"/>
+              </a:rPr>
+              <a:t>balance = balance – amount;</a:t>
+            </a:r>
+          </a:p>
+          <a:p>
+            <a:pPr>
+              <a:spcBef>
+                <a:spcPct val="20000"/>
+              </a:spcBef>
+              <a:buClr>
+                <a:schemeClr val="tx1"/>
+              </a:buClr>
+              <a:buSzPct val="50000"/>
+              <a:buFont typeface="Monotype Sorts" pitchFamily="-109" charset="2"/>
+              <a:buNone/>
+            </a:pPr>
+            <a:r>
+              <a:rPr lang="en-US" sz="1600" b="0" dirty="0">
+                <a:solidFill>
+                  <a:schemeClr val="accent2"/>
+                </a:solidFill>
+                <a:latin typeface="Malgun Gothic" panose="020B0503020000020004" pitchFamily="34" charset="-127"/>
+                <a:ea typeface="Malgun Gothic" panose="020B0503020000020004" pitchFamily="34" charset="-127"/>
+              </a:rPr>
+              <a:t>put_balance(account, balance);</a:t>
+            </a:r>
+          </a:p>
+          <a:p>
+            <a:pPr>
+              <a:spcBef>
+                <a:spcPct val="20000"/>
+              </a:spcBef>
+              <a:buClr>
+                <a:schemeClr val="tx1"/>
+              </a:buClr>
+              <a:buSzPct val="50000"/>
+              <a:buFont typeface="Monotype Sorts" pitchFamily="-109" charset="2"/>
+              <a:buNone/>
+            </a:pPr>
+            <a:r>
+              <a:rPr lang="en-US" sz="1600" dirty="0">
+                <a:solidFill>
+                  <a:schemeClr val="accent2"/>
+                </a:solidFill>
+                <a:latin typeface="Malgun Gothic" panose="020B0503020000020004" pitchFamily="34" charset="-127"/>
+                <a:ea typeface="Malgun Gothic" panose="020B0503020000020004" pitchFamily="34" charset="-127"/>
+              </a:rPr>
+              <a:t>release(lock);</a:t>
+            </a:r>
+          </a:p>
+        </p:txBody>
+      </p:sp>
+      <p:sp>
+        <p:nvSpPr>
+          <p:cNvPr id="21514" name="Text Box 8"/>
+          <p:cNvSpPr txBox="1">
+            <a:spLocks noChangeArrowheads="1"/>
+          </p:cNvSpPr>
+          <p:nvPr/>
+        </p:nvSpPr>
+        <p:spPr bwMode="auto">
+          <a:xfrm>
+            <a:off x="5214730" y="1934817"/>
+            <a:ext cx="3520440" cy="338554"/>
+          </a:xfrm>
+          <a:prstGeom prst="rect">
+            <a:avLst/>
+          </a:prstGeom>
+          <a:solidFill>
+            <a:srgbClr val="CCFFFF"/>
+          </a:solidFill>
+          <a:ln w="9525">
+            <a:solidFill>
+              <a:schemeClr val="accent2"/>
+            </a:solidFill>
+            <a:miter lim="800000"/>
+            <a:headEnd/>
+            <a:tailEnd type="none" w="med" len="lg"/>
+          </a:ln>
+        </p:spPr>
+        <p:txBody>
+          <a:bodyPr wrap="square">
+            <a:prstTxWarp prst="textNoShape">
+              <a:avLst/>
+            </a:prstTxWarp>
+            <a:spAutoFit/>
+          </a:bodyPr>
+          <a:lstStyle/>
+          <a:p>
+            <a:pPr>
+              <a:spcBef>
+                <a:spcPct val="20000"/>
+              </a:spcBef>
+              <a:buClr>
+                <a:schemeClr val="tx1"/>
+              </a:buClr>
+              <a:buSzPct val="50000"/>
+              <a:buFont typeface="Monotype Sorts" pitchFamily="-109" charset="2"/>
+              <a:buNone/>
+            </a:pPr>
+            <a:r>
+              <a:rPr lang="en-US" sz="1600" dirty="0">
+                <a:solidFill>
+                  <a:schemeClr val="accent2"/>
+                </a:solidFill>
+                <a:latin typeface="Malgun Gothic" panose="020B0503020000020004" pitchFamily="34" charset="-127"/>
+                <a:ea typeface="Malgun Gothic" panose="020B0503020000020004" pitchFamily="34" charset="-127"/>
+              </a:rPr>
+              <a:t>acquire(lock);</a:t>
+            </a:r>
+          </a:p>
+        </p:txBody>
+      </p:sp>
+      <p:sp>
+        <p:nvSpPr>
+          <p:cNvPr id="21515" name="Text Box 10"/>
+          <p:cNvSpPr txBox="1">
+            <a:spLocks noChangeArrowheads="1"/>
+          </p:cNvSpPr>
+          <p:nvPr/>
+        </p:nvSpPr>
+        <p:spPr bwMode="auto">
+          <a:xfrm>
+            <a:off x="5214730" y="2392017"/>
+            <a:ext cx="3520440" cy="634020"/>
+          </a:xfrm>
+          <a:prstGeom prst="rect">
+            <a:avLst/>
+          </a:prstGeom>
+          <a:solidFill>
+            <a:srgbClr val="FFFF00"/>
+          </a:solidFill>
+          <a:ln w="9525">
+            <a:solidFill>
+              <a:schemeClr val="accent2"/>
+            </a:solidFill>
+            <a:miter lim="800000"/>
+            <a:headEnd/>
+            <a:tailEnd type="none" w="med" len="lg"/>
+          </a:ln>
+        </p:spPr>
+        <p:txBody>
+          <a:bodyPr wrap="square">
+            <a:prstTxWarp prst="textNoShape">
+              <a:avLst/>
+            </a:prstTxWarp>
+            <a:spAutoFit/>
+          </a:bodyPr>
+          <a:lstStyle/>
+          <a:p>
+            <a:pPr>
+              <a:spcBef>
+                <a:spcPct val="20000"/>
+              </a:spcBef>
+              <a:buClr>
+                <a:schemeClr val="tx1"/>
+              </a:buClr>
+              <a:buSzPct val="50000"/>
+              <a:buFont typeface="Monotype Sorts" pitchFamily="-109" charset="2"/>
+              <a:buNone/>
+            </a:pPr>
+            <a:r>
+              <a:rPr lang="en-US" sz="1600" b="0" dirty="0" err="1">
+                <a:solidFill>
+                  <a:schemeClr val="accent2"/>
+                </a:solidFill>
+                <a:latin typeface="Malgun Gothic" panose="020B0503020000020004" pitchFamily="34" charset="-127"/>
+                <a:ea typeface="Malgun Gothic" panose="020B0503020000020004" pitchFamily="34" charset="-127"/>
+              </a:rPr>
+              <a:t>put_balance</a:t>
+            </a:r>
+            <a:r>
+              <a:rPr lang="en-US" sz="1600" b="0" dirty="0">
+                <a:solidFill>
+                  <a:schemeClr val="accent2"/>
+                </a:solidFill>
+                <a:latin typeface="Malgun Gothic" panose="020B0503020000020004" pitchFamily="34" charset="-127"/>
+                <a:ea typeface="Malgun Gothic" panose="020B0503020000020004" pitchFamily="34" charset="-127"/>
+              </a:rPr>
+              <a:t>(account, balance);</a:t>
+            </a:r>
+          </a:p>
+          <a:p>
+            <a:pPr>
+              <a:spcBef>
+                <a:spcPct val="20000"/>
+              </a:spcBef>
+              <a:buClr>
+                <a:schemeClr val="tx1"/>
+              </a:buClr>
+              <a:buSzPct val="50000"/>
+              <a:buFont typeface="Monotype Sorts" pitchFamily="-109" charset="2"/>
+              <a:buNone/>
+            </a:pPr>
+            <a:r>
+              <a:rPr lang="en-US" sz="1600" dirty="0">
+                <a:solidFill>
+                  <a:schemeClr val="accent2"/>
+                </a:solidFill>
+                <a:latin typeface="Malgun Gothic" panose="020B0503020000020004" pitchFamily="34" charset="-127"/>
+                <a:ea typeface="Malgun Gothic" panose="020B0503020000020004" pitchFamily="34" charset="-127"/>
+              </a:rPr>
+              <a:t>release(lock);</a:t>
+            </a:r>
+          </a:p>
+        </p:txBody>
+      </p:sp>
+      <p:sp>
+        <p:nvSpPr>
+          <p:cNvPr id="21516" name="Line 11"/>
+          <p:cNvSpPr>
+            <a:spLocks noChangeShapeType="1"/>
+          </p:cNvSpPr>
+          <p:nvPr/>
+        </p:nvSpPr>
+        <p:spPr bwMode="auto">
+          <a:xfrm>
+            <a:off x="4986130" y="868017"/>
+            <a:ext cx="0" cy="3505200"/>
+          </a:xfrm>
+          <a:prstGeom prst="line">
+            <a:avLst/>
+          </a:prstGeom>
+          <a:noFill/>
+          <a:ln w="9525">
+            <a:solidFill>
+              <a:schemeClr val="accent2"/>
+            </a:solidFill>
+            <a:round/>
+            <a:headEnd/>
+            <a:tailEnd type="stealth" w="med" len="lg"/>
+          </a:ln>
+        </p:spPr>
+        <p:txBody>
+          <a:bodyPr wrap="none" anchor="ctr">
+            <a:prstTxWarp prst="textNoShape">
+              <a:avLst/>
+            </a:prstTxWarp>
+          </a:bodyPr>
+          <a:lstStyle/>
+          <a:p>
+            <a:endParaRPr lang="en-US"/>
+          </a:p>
+        </p:txBody>
+      </p:sp>
+      <p:sp>
+        <p:nvSpPr>
+          <p:cNvPr id="21517" name="Text Box 12"/>
+          <p:cNvSpPr txBox="1">
+            <a:spLocks noChangeArrowheads="1"/>
+          </p:cNvSpPr>
+          <p:nvPr/>
+        </p:nvSpPr>
+        <p:spPr bwMode="auto">
+          <a:xfrm>
+            <a:off x="3988870" y="2163417"/>
+            <a:ext cx="990600" cy="646331"/>
+          </a:xfrm>
+          <a:prstGeom prst="rect">
+            <a:avLst/>
+          </a:prstGeom>
+          <a:noFill/>
+          <a:ln w="9525">
+            <a:noFill/>
+            <a:miter lim="800000"/>
+            <a:headEnd/>
+            <a:tailEnd type="none" w="med" len="lg"/>
+          </a:ln>
+        </p:spPr>
+        <p:txBody>
+          <a:bodyPr>
+            <a:prstTxWarp prst="textNoShape">
+              <a:avLst/>
+            </a:prstTxWarp>
+            <a:spAutoFit/>
+          </a:bodyPr>
+          <a:lstStyle/>
+          <a:p>
+            <a:pPr algn="ctr">
+              <a:spcBef>
+                <a:spcPct val="50000"/>
+              </a:spcBef>
+            </a:pPr>
+            <a:r>
+              <a:rPr lang="en-US" dirty="0">
+                <a:solidFill>
+                  <a:srgbClr val="009900"/>
+                </a:solidFill>
+                <a:latin typeface="Malgun Gothic" panose="020B0503020000020004" pitchFamily="34" charset="-127"/>
+                <a:ea typeface="Malgun Gothic" panose="020B0503020000020004" pitchFamily="34" charset="-127"/>
+              </a:rPr>
+              <a:t>Critical Region</a:t>
+            </a:r>
+          </a:p>
+        </p:txBody>
+      </p:sp>
+      <p:sp>
+        <p:nvSpPr>
+          <p:cNvPr id="21518" name="AutoShape 14"/>
+          <p:cNvSpPr>
+            <a:spLocks/>
+          </p:cNvSpPr>
+          <p:nvPr/>
+        </p:nvSpPr>
+        <p:spPr bwMode="auto">
+          <a:xfrm>
+            <a:off x="3974320" y="1934817"/>
+            <a:ext cx="76200" cy="1219200"/>
+          </a:xfrm>
+          <a:prstGeom prst="rightBrace">
+            <a:avLst>
+              <a:gd name="adj1" fmla="val 54167"/>
+              <a:gd name="adj2" fmla="val 50000"/>
+            </a:avLst>
+          </a:prstGeom>
+          <a:noFill/>
+          <a:ln w="9525">
+            <a:solidFill>
+              <a:schemeClr val="accent2"/>
+            </a:solidFill>
+            <a:round/>
+            <a:headEnd/>
+            <a:tailEnd type="none" w="med" len="lg"/>
+          </a:ln>
+        </p:spPr>
+        <p:txBody>
+          <a:bodyPr wrap="none" anchor="ctr">
+            <a:prstTxWarp prst="textNoShape">
+              <a:avLst/>
+            </a:prstTxWarp>
+          </a:bodyPr>
+          <a:lstStyle/>
+          <a:p>
+            <a:endParaRPr lang="en-US"/>
+          </a:p>
+        </p:txBody>
+      </p:sp>
+      <p:sp>
+        <p:nvSpPr>
+          <p:cNvPr id="7" name="TextBox 6">
+            <a:extLst>
+              <a:ext uri="{FF2B5EF4-FFF2-40B4-BE49-F238E27FC236}">
+                <a16:creationId xmlns:a16="http://schemas.microsoft.com/office/drawing/2014/main" id="{96200FF2-12B5-2B45-3F98-2EF3AF961EBD}"/>
+              </a:ext>
+            </a:extLst>
+          </p:cNvPr>
+          <p:cNvSpPr txBox="1"/>
+          <p:nvPr/>
+        </p:nvSpPr>
+        <p:spPr>
+          <a:xfrm>
+            <a:off x="447266" y="4709488"/>
+            <a:ext cx="7750966" cy="1081711"/>
+          </a:xfrm>
+          <a:prstGeom prst="rect">
+            <a:avLst/>
+          </a:prstGeom>
+          <a:noFill/>
+        </p:spPr>
+        <p:txBody>
+          <a:bodyPr wrap="square">
+            <a:noAutofit/>
+          </a:bodyPr>
+          <a:lstStyle/>
+          <a:p>
+            <a:pPr marL="742950" lvl="1" indent="-285750">
+              <a:buFont typeface="Arial" panose="020B0604020202020204" pitchFamily="34" charset="0"/>
+              <a:buChar char="•"/>
+            </a:pPr>
+            <a:r>
+              <a:rPr lang="en-US" sz="2000" dirty="0">
+                <a:solidFill>
+                  <a:srgbClr val="D60093"/>
+                </a:solidFill>
+                <a:latin typeface="Malgun Gothic" panose="020B0503020000020004" pitchFamily="34" charset="-127"/>
+                <a:ea typeface="Malgun Gothic" panose="020B0503020000020004" pitchFamily="34" charset="-127"/>
+              </a:rPr>
+              <a:t>What happens when blue tries to acquire the lock?</a:t>
+            </a:r>
+          </a:p>
+          <a:p>
+            <a:pPr marL="742950" lvl="1" indent="-285750">
+              <a:buFont typeface="Arial" panose="020B0604020202020204" pitchFamily="34" charset="0"/>
+              <a:buChar char="•"/>
+            </a:pPr>
+            <a:r>
+              <a:rPr lang="en-US" sz="2000" dirty="0">
+                <a:solidFill>
+                  <a:srgbClr val="D60093"/>
+                </a:solidFill>
+                <a:latin typeface="Malgun Gothic" panose="020B0503020000020004" pitchFamily="34" charset="-127"/>
+                <a:ea typeface="Malgun Gothic" panose="020B0503020000020004" pitchFamily="34" charset="-127"/>
+              </a:rPr>
+              <a:t>Why is the “return” outside the critical region? Is this OK?</a:t>
+            </a:r>
+          </a:p>
+          <a:p>
+            <a:pPr marL="742950" lvl="1" indent="-285750">
+              <a:buFont typeface="Arial" panose="020B0604020202020204" pitchFamily="34" charset="0"/>
+              <a:buChar char="•"/>
+            </a:pPr>
+            <a:r>
+              <a:rPr lang="en-US" sz="2000" dirty="0">
+                <a:solidFill>
+                  <a:srgbClr val="D60093"/>
+                </a:solidFill>
+                <a:latin typeface="Malgun Gothic" panose="020B0503020000020004" pitchFamily="34" charset="-127"/>
+                <a:ea typeface="Malgun Gothic" panose="020B0503020000020004" pitchFamily="34" charset="-127"/>
+              </a:rPr>
+              <a:t>What happens when a third thread calls acquire?</a:t>
+            </a:r>
           </a:p>
         </p:txBody>
       </p:sp>
@@ -11222,7 +11209,7 @@
       </p:grpSpPr>
       <p:sp>
         <p:nvSpPr>
-          <p:cNvPr id="353282" name="Rectangle 2"/>
+          <p:cNvPr id="355330" name="Rectangle 2"/>
           <p:cNvSpPr>
             <a:spLocks noGrp="1" noChangeArrowheads="1"/>
           </p:cNvSpPr>
@@ -11239,15 +11226,104 @@
               <a:defRPr/>
             </a:pPr>
             <a:r>
-              <a:rPr lang="en-US"/>
-              <a:t>Using Locks</a:t>
-            </a:r>
-          </a:p>
-        </p:txBody>
-      </p:sp>
-      <p:sp>
-        <p:nvSpPr>
-          <p:cNvPr id="21508" name="Slide Number Placeholder 5"/>
+              <a:rPr lang="en-US" dirty="0"/>
+              <a:t>Implementing Locks (1)</a:t>
+            </a:r>
+          </a:p>
+        </p:txBody>
+      </p:sp>
+      <p:sp>
+        <p:nvSpPr>
+          <p:cNvPr id="22533" name="Rectangle 6"/>
+          <p:cNvSpPr>
+            <a:spLocks noGrp="1" noChangeArrowheads="1"/>
+          </p:cNvSpPr>
+          <p:nvPr>
+            <p:ph idx="1"/>
+          </p:nvPr>
+        </p:nvSpPr>
+        <p:spPr>
+          <a:xfrm>
+            <a:off x="215999" y="878400"/>
+            <a:ext cx="8619887" cy="4800600"/>
+          </a:xfrm>
+          <a:noFill/>
+        </p:spPr>
+        <p:txBody>
+          <a:bodyPr>
+            <a:noAutofit/>
+          </a:bodyPr>
+          <a:lstStyle/>
+          <a:p>
+            <a:pPr latinLnBrk="0"/>
+            <a:r>
+              <a:rPr lang="en-US" dirty="0"/>
+              <a:t>How do we implement locks?  Here is one attempt:</a:t>
+            </a:r>
+          </a:p>
+          <a:p>
+            <a:pPr latinLnBrk="0"/>
+            <a:endParaRPr lang="en-US" dirty="0"/>
+          </a:p>
+          <a:p>
+            <a:pPr latinLnBrk="0"/>
+            <a:endParaRPr lang="en-US" dirty="0"/>
+          </a:p>
+          <a:p>
+            <a:pPr latinLnBrk="0"/>
+            <a:endParaRPr lang="en-US" dirty="0"/>
+          </a:p>
+          <a:p>
+            <a:pPr latinLnBrk="0"/>
+            <a:endParaRPr lang="en-US" dirty="0"/>
+          </a:p>
+          <a:p>
+            <a:pPr marL="0" indent="0" latinLnBrk="0">
+              <a:buNone/>
+            </a:pPr>
+            <a:endParaRPr lang="en-US" dirty="0"/>
+          </a:p>
+          <a:p>
+            <a:pPr marL="0" indent="0" latinLnBrk="0">
+              <a:buNone/>
+            </a:pPr>
+            <a:endParaRPr lang="en-US" dirty="0"/>
+          </a:p>
+          <a:p>
+            <a:pPr latinLnBrk="0"/>
+            <a:endParaRPr lang="en-US" dirty="0"/>
+          </a:p>
+          <a:p>
+            <a:pPr latinLnBrk="0"/>
+            <a:r>
+              <a:rPr lang="en-US" dirty="0"/>
+              <a:t>This is called a </a:t>
+            </a:r>
+            <a:r>
+              <a:rPr lang="en-US" dirty="0">
+                <a:solidFill>
+                  <a:srgbClr val="FF3300"/>
+                </a:solidFill>
+              </a:rPr>
+              <a:t>spinlock</a:t>
+            </a:r>
+            <a:r>
+              <a:rPr lang="en-US" dirty="0"/>
+              <a:t> because a thread spins waiting for the lock to be released</a:t>
+            </a:r>
+          </a:p>
+          <a:p>
+            <a:pPr lvl="1"/>
+            <a:r>
+              <a:rPr lang="en-US" dirty="0"/>
+              <a:t>Does this work?</a:t>
+            </a:r>
+          </a:p>
+        </p:txBody>
+      </p:sp>
+      <p:sp>
+        <p:nvSpPr>
+          <p:cNvPr id="22532" name="Slide Number Placeholder 5"/>
           <p:cNvSpPr>
             <a:spLocks noGrp="1"/>
           </p:cNvSpPr>
@@ -11262,7 +11338,7 @@
           <a:bodyPr/>
           <a:lstStyle/>
           <a:p>
-            <a:fld id="{4B4994FC-0F54-9840-8398-57CB2971676E}" type="slidenum">
+            <a:fld id="{8053042C-C875-4F48-ABDE-04023719311E}" type="slidenum">
               <a:rPr lang="en-US"/>
               <a:pPr/>
               <a:t>20</a:t>
@@ -11273,7 +11349,7 @@
       </p:sp>
       <p:sp>
         <p:nvSpPr>
-          <p:cNvPr id="21507" name="Footer Placeholder 4"/>
+          <p:cNvPr id="22531" name="Footer Placeholder 4"/>
           <p:cNvSpPr>
             <a:spLocks noGrp="1"/>
           </p:cNvSpPr>
@@ -11300,7 +11376,13 @@
       </p:sp>
       <p:sp>
         <p:nvSpPr>
-          <p:cNvPr id="21511" name="Text Box 4"/>
+          <p:cNvPr id="2" name="Text Box 5">
+            <a:extLst>
+              <a:ext uri="{FF2B5EF4-FFF2-40B4-BE49-F238E27FC236}">
+                <a16:creationId xmlns:a16="http://schemas.microsoft.com/office/drawing/2014/main" id="{CD0B3053-4A97-66C9-60DC-8839B01FB02E}"/>
+              </a:ext>
+            </a:extLst>
+          </p:cNvPr>
           <p:cNvSpPr txBox="1">
             <a:spLocks noChangeArrowheads="1"/>
           </p:cNvSpPr>
@@ -11308,8 +11390,8 @@
         </p:nvSpPr>
         <p:spPr bwMode="auto">
           <a:xfrm>
-            <a:off x="284170" y="1325217"/>
-            <a:ext cx="3657600" cy="2551468"/>
+            <a:off x="1781092" y="1487555"/>
+            <a:ext cx="4175038" cy="3360921"/>
           </a:xfrm>
           <a:prstGeom prst="rect">
             <a:avLst/>
@@ -11345,14 +11427,14 @@
               <a:buNone/>
             </a:pPr>
             <a:r>
-              <a:rPr lang="en-US" sz="1700" b="0" dirty="0">
+              <a:rPr lang="en-US" b="0">
                 <a:solidFill>
                   <a:schemeClr val="accent2"/>
                 </a:solidFill>
                 <a:latin typeface="Malgun Gothic" panose="020B0503020000020004" pitchFamily="34" charset="-127"/>
                 <a:ea typeface="Malgun Gothic" panose="020B0503020000020004" pitchFamily="34" charset="-127"/>
               </a:rPr>
-              <a:t>withdraw (account, amount) {</a:t>
+              <a:t>struct lock {</a:t>
             </a:r>
           </a:p>
           <a:p>
@@ -11368,24 +11450,14 @@
               <a:buNone/>
             </a:pPr>
             <a:r>
-              <a:rPr lang="en-US" sz="1700" b="0" dirty="0">
+              <a:rPr lang="en-US" b="0">
                 <a:solidFill>
                   <a:schemeClr val="accent2"/>
                 </a:solidFill>
                 <a:latin typeface="Malgun Gothic" panose="020B0503020000020004" pitchFamily="34" charset="-127"/>
                 <a:ea typeface="Malgun Gothic" panose="020B0503020000020004" pitchFamily="34" charset="-127"/>
               </a:rPr>
-              <a:t>    </a:t>
-            </a:r>
-            <a:r>
-              <a:rPr lang="en-US" sz="1700" dirty="0">
-                <a:solidFill>
-                  <a:schemeClr val="accent2"/>
-                </a:solidFill>
-                <a:latin typeface="Malgun Gothic" panose="020B0503020000020004" pitchFamily="34" charset="-127"/>
-                <a:ea typeface="Malgun Gothic" panose="020B0503020000020004" pitchFamily="34" charset="-127"/>
-              </a:rPr>
-              <a:t>acquire(lock);</a:t>
+              <a:t>    int held = 0;</a:t>
             </a:r>
           </a:p>
           <a:p>
@@ -11401,44 +11473,14 @@
               <a:buNone/>
             </a:pPr>
             <a:r>
-              <a:rPr lang="en-US" sz="1700" b="0" dirty="0">
+              <a:rPr lang="en-US" b="0">
                 <a:solidFill>
                   <a:schemeClr val="accent2"/>
                 </a:solidFill>
                 <a:latin typeface="Malgun Gothic" panose="020B0503020000020004" pitchFamily="34" charset="-127"/>
                 <a:ea typeface="Malgun Gothic" panose="020B0503020000020004" pitchFamily="34" charset="-127"/>
               </a:rPr>
-              <a:t>    </a:t>
-            </a:r>
-            <a:r>
-              <a:rPr lang="en-US" sz="1700" b="0" dirty="0">
-                <a:solidFill>
-                  <a:srgbClr val="FF3300"/>
-                </a:solidFill>
-                <a:latin typeface="Malgun Gothic" panose="020B0503020000020004" pitchFamily="34" charset="-127"/>
-                <a:ea typeface="Malgun Gothic" panose="020B0503020000020004" pitchFamily="34" charset="-127"/>
-              </a:rPr>
-              <a:t>balance = </a:t>
-            </a:r>
-            <a:r>
-              <a:rPr lang="en-US" sz="1700" b="0" dirty="0" err="1">
-                <a:solidFill>
-                  <a:srgbClr val="FF3300"/>
-                </a:solidFill>
-                <a:latin typeface="Malgun Gothic" panose="020B0503020000020004" pitchFamily="34" charset="-127"/>
-                <a:ea typeface="Malgun Gothic" panose="020B0503020000020004" pitchFamily="34" charset="-127"/>
-              </a:rPr>
-              <a:t>get_balance</a:t>
-            </a:r>
-            <a:r>
-              <a:rPr lang="en-US" sz="1700" b="0" dirty="0">
-                <a:solidFill>
-                  <a:srgbClr val="FF3300"/>
-                </a:solidFill>
-                <a:latin typeface="Malgun Gothic" panose="020B0503020000020004" pitchFamily="34" charset="-127"/>
-                <a:ea typeface="Malgun Gothic" panose="020B0503020000020004" pitchFamily="34" charset="-127"/>
-              </a:rPr>
-              <a:t>(account);</a:t>
+              <a:t>}</a:t>
             </a:r>
           </a:p>
           <a:p>
@@ -11454,14 +11496,34 @@
               <a:buNone/>
             </a:pPr>
             <a:r>
-              <a:rPr lang="en-US" sz="1700" b="0" dirty="0">
-                <a:solidFill>
-                  <a:srgbClr val="FF3300"/>
+              <a:rPr lang="en-US" b="0">
+                <a:solidFill>
+                  <a:schemeClr val="accent2"/>
                 </a:solidFill>
                 <a:latin typeface="Malgun Gothic" panose="020B0503020000020004" pitchFamily="34" charset="-127"/>
                 <a:ea typeface="Malgun Gothic" panose="020B0503020000020004" pitchFamily="34" charset="-127"/>
               </a:rPr>
-              <a:t>    balance = balance – amount;</a:t>
+              <a:t>void </a:t>
+            </a:r>
+            <a:r>
+              <a:rPr lang="en-US" b="0">
+                <a:solidFill>
+                  <a:srgbClr val="0000FF"/>
+                </a:solidFill>
+                <a:latin typeface="Malgun Gothic" panose="020B0503020000020004" pitchFamily="34" charset="-127"/>
+                <a:ea typeface="Malgun Gothic" panose="020B0503020000020004" pitchFamily="34" charset="-127"/>
+              </a:rPr>
+              <a:t>acquire</a:t>
+            </a:r>
+            <a:r>
+              <a:rPr lang="en-US" b="0">
+                <a:solidFill>
+                  <a:schemeClr val="accent2"/>
+                </a:solidFill>
+                <a:latin typeface="Malgun Gothic" panose="020B0503020000020004" pitchFamily="34" charset="-127"/>
+                <a:ea typeface="Malgun Gothic" panose="020B0503020000020004" pitchFamily="34" charset="-127"/>
+              </a:rPr>
+              <a:t> (lock) {</a:t>
             </a:r>
           </a:p>
           <a:p>
@@ -11477,34 +11539,14 @@
               <a:buNone/>
             </a:pPr>
             <a:r>
-              <a:rPr lang="en-US" sz="1700" b="0" dirty="0">
-                <a:solidFill>
-                  <a:srgbClr val="FF3300"/>
+              <a:rPr lang="en-US" b="0">
+                <a:solidFill>
+                  <a:schemeClr val="accent2"/>
                 </a:solidFill>
                 <a:latin typeface="Malgun Gothic" panose="020B0503020000020004" pitchFamily="34" charset="-127"/>
                 <a:ea typeface="Malgun Gothic" panose="020B0503020000020004" pitchFamily="34" charset="-127"/>
               </a:rPr>
-              <a:t>    </a:t>
-            </a:r>
-            <a:r>
-              <a:rPr lang="en-US" sz="1700" b="0" dirty="0" err="1">
-                <a:solidFill>
-                  <a:srgbClr val="FF3300"/>
-                </a:solidFill>
-                <a:latin typeface="Malgun Gothic" panose="020B0503020000020004" pitchFamily="34" charset="-127"/>
-                <a:ea typeface="Malgun Gothic" panose="020B0503020000020004" pitchFamily="34" charset="-127"/>
-              </a:rPr>
-              <a:t>put_balance</a:t>
-            </a:r>
-            <a:r>
-              <a:rPr lang="en-US" sz="1700" b="0" dirty="0">
-                <a:solidFill>
-                  <a:srgbClr val="FF3300"/>
-                </a:solidFill>
-                <a:latin typeface="Malgun Gothic" panose="020B0503020000020004" pitchFamily="34" charset="-127"/>
-                <a:ea typeface="Malgun Gothic" panose="020B0503020000020004" pitchFamily="34" charset="-127"/>
-              </a:rPr>
-              <a:t>(account, balance);</a:t>
+              <a:t>    while (lock-&gt;held);</a:t>
             </a:r>
           </a:p>
           <a:p>
@@ -11520,24 +11562,14 @@
               <a:buNone/>
             </a:pPr>
             <a:r>
-              <a:rPr lang="en-US" sz="1700" b="0" dirty="0">
+              <a:rPr lang="en-US" b="0">
                 <a:solidFill>
                   <a:schemeClr val="accent2"/>
                 </a:solidFill>
                 <a:latin typeface="Malgun Gothic" panose="020B0503020000020004" pitchFamily="34" charset="-127"/>
                 <a:ea typeface="Malgun Gothic" panose="020B0503020000020004" pitchFamily="34" charset="-127"/>
               </a:rPr>
-              <a:t>    </a:t>
-            </a:r>
-            <a:r>
-              <a:rPr lang="en-US" sz="1700" dirty="0">
-                <a:solidFill>
-                  <a:schemeClr val="accent2"/>
-                </a:solidFill>
-                <a:latin typeface="Malgun Gothic" panose="020B0503020000020004" pitchFamily="34" charset="-127"/>
-                <a:ea typeface="Malgun Gothic" panose="020B0503020000020004" pitchFamily="34" charset="-127"/>
-              </a:rPr>
-              <a:t>release(lock);</a:t>
+              <a:t>    lock-&gt;held = 1;</a:t>
             </a:r>
           </a:p>
           <a:p>
@@ -11553,14 +11585,14 @@
               <a:buNone/>
             </a:pPr>
             <a:r>
-              <a:rPr lang="en-US" sz="1700" b="0" dirty="0">
+              <a:rPr lang="en-US" b="0">
                 <a:solidFill>
                   <a:schemeClr val="accent2"/>
                 </a:solidFill>
                 <a:latin typeface="Malgun Gothic" panose="020B0503020000020004" pitchFamily="34" charset="-127"/>
                 <a:ea typeface="Malgun Gothic" panose="020B0503020000020004" pitchFamily="34" charset="-127"/>
               </a:rPr>
-              <a:t>    return amount;</a:t>
+              <a:t>}</a:t>
             </a:r>
           </a:p>
           <a:p>
@@ -11576,58 +11608,36 @@
               <a:buNone/>
             </a:pPr>
             <a:r>
-              <a:rPr lang="en-US" sz="1700" b="0" dirty="0">
+              <a:rPr lang="en-US" b="0">
                 <a:solidFill>
                   <a:schemeClr val="accent2"/>
                 </a:solidFill>
                 <a:latin typeface="Malgun Gothic" panose="020B0503020000020004" pitchFamily="34" charset="-127"/>
                 <a:ea typeface="Malgun Gothic" panose="020B0503020000020004" pitchFamily="34" charset="-127"/>
               </a:rPr>
-              <a:t>}</a:t>
-            </a:r>
-            <a:endParaRPr lang="en-US" sz="1700" dirty="0">
-              <a:latin typeface="Malgun Gothic" panose="020B0503020000020004" pitchFamily="34" charset="-127"/>
-              <a:ea typeface="Malgun Gothic" panose="020B0503020000020004" pitchFamily="34" charset="-127"/>
-            </a:endParaRPr>
-          </a:p>
-        </p:txBody>
-      </p:sp>
-      <p:sp>
-        <p:nvSpPr>
-          <p:cNvPr id="21512" name="Text Box 5"/>
-          <p:cNvSpPr txBox="1">
-            <a:spLocks noChangeArrowheads="1"/>
-          </p:cNvSpPr>
-          <p:nvPr/>
-        </p:nvSpPr>
-        <p:spPr bwMode="auto">
-          <a:xfrm>
-            <a:off x="5214730" y="868017"/>
-            <a:ext cx="3520440" cy="966418"/>
-          </a:xfrm>
-          <a:prstGeom prst="rect">
-            <a:avLst/>
-          </a:prstGeom>
-          <a:solidFill>
-            <a:srgbClr val="FFFF00"/>
-          </a:solidFill>
-          <a:ln w="9525">
-            <a:solidFill>
-              <a:schemeClr val="accent2"/>
-            </a:solidFill>
-            <a:miter lim="800000"/>
-            <a:headEnd/>
-            <a:tailEnd type="none" w="med" len="lg"/>
-          </a:ln>
-        </p:spPr>
-        <p:txBody>
-          <a:bodyPr wrap="square">
-            <a:prstTxWarp prst="textNoShape">
-              <a:avLst/>
-            </a:prstTxWarp>
-            <a:spAutoFit/>
-          </a:bodyPr>
-          <a:lstStyle/>
+              <a:t>void </a:t>
+            </a:r>
+            <a:r>
+              <a:rPr lang="en-US" b="0">
+                <a:solidFill>
+                  <a:srgbClr val="0000FF"/>
+                </a:solidFill>
+                <a:latin typeface="Malgun Gothic" panose="020B0503020000020004" pitchFamily="34" charset="-127"/>
+                <a:ea typeface="Malgun Gothic" panose="020B0503020000020004" pitchFamily="34" charset="-127"/>
+              </a:rPr>
+              <a:t>release</a:t>
+            </a:r>
+            <a:r>
+              <a:rPr lang="en-US" b="0">
+                <a:solidFill>
+                  <a:schemeClr val="accent2"/>
+                </a:solidFill>
+                <a:latin typeface="Malgun Gothic" panose="020B0503020000020004" pitchFamily="34" charset="-127"/>
+                <a:ea typeface="Malgun Gothic" panose="020B0503020000020004" pitchFamily="34" charset="-127"/>
+              </a:rPr>
+              <a:t> (lock) {</a:t>
+            </a:r>
+          </a:p>
           <a:p>
             <a:pPr>
               <a:spcBef>
@@ -11641,14 +11651,14 @@
               <a:buNone/>
             </a:pPr>
             <a:r>
-              <a:rPr lang="en-US" sz="1600" dirty="0">
+              <a:rPr lang="en-US" b="0">
                 <a:solidFill>
                   <a:schemeClr val="accent2"/>
                 </a:solidFill>
                 <a:latin typeface="Malgun Gothic" panose="020B0503020000020004" pitchFamily="34" charset="-127"/>
                 <a:ea typeface="Malgun Gothic" panose="020B0503020000020004" pitchFamily="34" charset="-127"/>
               </a:rPr>
-              <a:t>acquire(lock);</a:t>
+              <a:t>    lock-&gt;held = 0;</a:t>
             </a:r>
           </a:p>
           <a:p>
@@ -11664,39 +11674,16 @@
               <a:buNone/>
             </a:pPr>
             <a:r>
-              <a:rPr lang="en-US" sz="1600" b="0" dirty="0">
+              <a:rPr lang="en-US" b="0">
                 <a:solidFill>
                   <a:schemeClr val="accent2"/>
                 </a:solidFill>
                 <a:latin typeface="Malgun Gothic" panose="020B0503020000020004" pitchFamily="34" charset="-127"/>
                 <a:ea typeface="Malgun Gothic" panose="020B0503020000020004" pitchFamily="34" charset="-127"/>
               </a:rPr>
-              <a:t>balance = get_balance(account);</a:t>
-            </a:r>
-          </a:p>
-          <a:p>
-            <a:pPr>
-              <a:spcBef>
-                <a:spcPct val="20000"/>
-              </a:spcBef>
-              <a:buClr>
-                <a:schemeClr val="tx1"/>
-              </a:buClr>
-              <a:buSzPct val="50000"/>
-              <a:buFont typeface="Monotype Sorts" pitchFamily="-109" charset="2"/>
-              <a:buNone/>
-            </a:pPr>
-            <a:r>
-              <a:rPr lang="en-US" sz="1600" b="0" dirty="0">
-                <a:solidFill>
-                  <a:schemeClr val="accent2"/>
-                </a:solidFill>
-                <a:latin typeface="Malgun Gothic" panose="020B0503020000020004" pitchFamily="34" charset="-127"/>
-                <a:ea typeface="Malgun Gothic" panose="020B0503020000020004" pitchFamily="34" charset="-127"/>
-              </a:rPr>
-              <a:t>balance = balance – amount;</a:t>
-            </a:r>
-            <a:endParaRPr lang="en-US" sz="900" dirty="0">
+              <a:t>}</a:t>
+            </a:r>
+            <a:endParaRPr lang="en-US" sz="1000">
               <a:latin typeface="Malgun Gothic" panose="020B0503020000020004" pitchFamily="34" charset="-127"/>
               <a:ea typeface="Malgun Gothic" panose="020B0503020000020004" pitchFamily="34" charset="-127"/>
             </a:endParaRPr>
@@ -11705,395 +11692,31 @@
       </p:sp>
       <p:sp>
         <p:nvSpPr>
-          <p:cNvPr id="21513" name="Text Box 6"/>
-          <p:cNvSpPr txBox="1">
-            <a:spLocks noChangeArrowheads="1"/>
+          <p:cNvPr id="3" name="AutoShape 7">
+            <a:extLst>
+              <a:ext uri="{FF2B5EF4-FFF2-40B4-BE49-F238E27FC236}">
+                <a16:creationId xmlns:a16="http://schemas.microsoft.com/office/drawing/2014/main" id="{23BAA34B-8EC8-F1D4-459E-33D54453E112}"/>
+              </a:ext>
+            </a:extLst>
+          </p:cNvPr>
+          <p:cNvSpPr>
+            <a:spLocks/>
           </p:cNvSpPr>
           <p:nvPr/>
         </p:nvSpPr>
         <p:spPr bwMode="auto">
           <a:xfrm>
-            <a:off x="5214730" y="3154017"/>
-            <a:ext cx="3520440" cy="1261884"/>
+            <a:off x="5635487" y="2405267"/>
+            <a:ext cx="2769290" cy="685800"/>
           </a:xfrm>
-          <a:prstGeom prst="rect">
-            <a:avLst/>
-          </a:prstGeom>
-          <a:solidFill>
-            <a:srgbClr val="CCFFFF"/>
-          </a:solidFill>
-          <a:ln w="9525">
-            <a:solidFill>
-              <a:schemeClr val="accent2"/>
-            </a:solidFill>
-            <a:miter lim="800000"/>
-            <a:headEnd/>
-            <a:tailEnd type="none" w="med" len="lg"/>
-          </a:ln>
-        </p:spPr>
-        <p:txBody>
-          <a:bodyPr wrap="square">
-            <a:prstTxWarp prst="textNoShape">
-              <a:avLst/>
-            </a:prstTxWarp>
-            <a:spAutoFit/>
-          </a:bodyPr>
-          <a:lstStyle/>
-          <a:p>
-            <a:pPr>
-              <a:spcBef>
-                <a:spcPct val="20000"/>
-              </a:spcBef>
-              <a:buClr>
-                <a:schemeClr val="tx1"/>
-              </a:buClr>
-              <a:buSzPct val="50000"/>
-              <a:buFont typeface="Monotype Sorts" pitchFamily="-109" charset="2"/>
-              <a:buNone/>
-            </a:pPr>
-            <a:r>
-              <a:rPr lang="en-US" sz="1600" b="0" dirty="0">
-                <a:solidFill>
-                  <a:schemeClr val="accent2"/>
-                </a:solidFill>
-                <a:latin typeface="Malgun Gothic" panose="020B0503020000020004" pitchFamily="34" charset="-127"/>
-                <a:ea typeface="Malgun Gothic" panose="020B0503020000020004" pitchFamily="34" charset="-127"/>
-              </a:rPr>
-              <a:t>balance = get_balance(account);</a:t>
-            </a:r>
-          </a:p>
-          <a:p>
-            <a:pPr>
-              <a:spcBef>
-                <a:spcPct val="20000"/>
-              </a:spcBef>
-              <a:buClr>
-                <a:schemeClr val="tx1"/>
-              </a:buClr>
-              <a:buSzPct val="50000"/>
-              <a:buFont typeface="Monotype Sorts" pitchFamily="-109" charset="2"/>
-              <a:buNone/>
-            </a:pPr>
-            <a:r>
-              <a:rPr lang="en-US" sz="1600" b="0" dirty="0">
-                <a:solidFill>
-                  <a:schemeClr val="accent2"/>
-                </a:solidFill>
-                <a:latin typeface="Malgun Gothic" panose="020B0503020000020004" pitchFamily="34" charset="-127"/>
-                <a:ea typeface="Malgun Gothic" panose="020B0503020000020004" pitchFamily="34" charset="-127"/>
-              </a:rPr>
-              <a:t>balance = balance – amount;</a:t>
-            </a:r>
-          </a:p>
-          <a:p>
-            <a:pPr>
-              <a:spcBef>
-                <a:spcPct val="20000"/>
-              </a:spcBef>
-              <a:buClr>
-                <a:schemeClr val="tx1"/>
-              </a:buClr>
-              <a:buSzPct val="50000"/>
-              <a:buFont typeface="Monotype Sorts" pitchFamily="-109" charset="2"/>
-              <a:buNone/>
-            </a:pPr>
-            <a:r>
-              <a:rPr lang="en-US" sz="1600" b="0" dirty="0">
-                <a:solidFill>
-                  <a:schemeClr val="accent2"/>
-                </a:solidFill>
-                <a:latin typeface="Malgun Gothic" panose="020B0503020000020004" pitchFamily="34" charset="-127"/>
-                <a:ea typeface="Malgun Gothic" panose="020B0503020000020004" pitchFamily="34" charset="-127"/>
-              </a:rPr>
-              <a:t>put_balance(account, balance);</a:t>
-            </a:r>
-          </a:p>
-          <a:p>
-            <a:pPr>
-              <a:spcBef>
-                <a:spcPct val="20000"/>
-              </a:spcBef>
-              <a:buClr>
-                <a:schemeClr val="tx1"/>
-              </a:buClr>
-              <a:buSzPct val="50000"/>
-              <a:buFont typeface="Monotype Sorts" pitchFamily="-109" charset="2"/>
-              <a:buNone/>
-            </a:pPr>
-            <a:r>
-              <a:rPr lang="en-US" sz="1600" dirty="0">
-                <a:solidFill>
-                  <a:schemeClr val="accent2"/>
-                </a:solidFill>
-                <a:latin typeface="Malgun Gothic" panose="020B0503020000020004" pitchFamily="34" charset="-127"/>
-                <a:ea typeface="Malgun Gothic" panose="020B0503020000020004" pitchFamily="34" charset="-127"/>
-              </a:rPr>
-              <a:t>release(lock);</a:t>
-            </a:r>
-          </a:p>
-        </p:txBody>
-      </p:sp>
-      <p:sp>
-        <p:nvSpPr>
-          <p:cNvPr id="21514" name="Text Box 8"/>
-          <p:cNvSpPr txBox="1">
-            <a:spLocks noChangeArrowheads="1"/>
-          </p:cNvSpPr>
-          <p:nvPr/>
-        </p:nvSpPr>
-        <p:spPr bwMode="auto">
-          <a:xfrm>
-            <a:off x="5214730" y="1934817"/>
-            <a:ext cx="3520440" cy="338554"/>
-          </a:xfrm>
-          <a:prstGeom prst="rect">
-            <a:avLst/>
-          </a:prstGeom>
-          <a:solidFill>
-            <a:srgbClr val="CCFFFF"/>
-          </a:solidFill>
-          <a:ln w="9525">
-            <a:solidFill>
-              <a:schemeClr val="accent2"/>
-            </a:solidFill>
-            <a:miter lim="800000"/>
-            <a:headEnd/>
-            <a:tailEnd type="none" w="med" len="lg"/>
-          </a:ln>
-        </p:spPr>
-        <p:txBody>
-          <a:bodyPr wrap="square">
-            <a:prstTxWarp prst="textNoShape">
-              <a:avLst/>
-            </a:prstTxWarp>
-            <a:spAutoFit/>
-          </a:bodyPr>
-          <a:lstStyle/>
-          <a:p>
-            <a:pPr>
-              <a:spcBef>
-                <a:spcPct val="20000"/>
-              </a:spcBef>
-              <a:buClr>
-                <a:schemeClr val="tx1"/>
-              </a:buClr>
-              <a:buSzPct val="50000"/>
-              <a:buFont typeface="Monotype Sorts" pitchFamily="-109" charset="2"/>
-              <a:buNone/>
-            </a:pPr>
-            <a:r>
-              <a:rPr lang="en-US" sz="1600" dirty="0">
-                <a:solidFill>
-                  <a:schemeClr val="accent2"/>
-                </a:solidFill>
-                <a:latin typeface="Malgun Gothic" panose="020B0503020000020004" pitchFamily="34" charset="-127"/>
-                <a:ea typeface="Malgun Gothic" panose="020B0503020000020004" pitchFamily="34" charset="-127"/>
-              </a:rPr>
-              <a:t>acquire(lock);</a:t>
-            </a:r>
-          </a:p>
-        </p:txBody>
-      </p:sp>
-      <p:sp>
-        <p:nvSpPr>
-          <p:cNvPr id="21515" name="Text Box 10"/>
-          <p:cNvSpPr txBox="1">
-            <a:spLocks noChangeArrowheads="1"/>
-          </p:cNvSpPr>
-          <p:nvPr/>
-        </p:nvSpPr>
-        <p:spPr bwMode="auto">
-          <a:xfrm>
-            <a:off x="5214730" y="2392017"/>
-            <a:ext cx="3520440" cy="634020"/>
-          </a:xfrm>
-          <a:prstGeom prst="rect">
-            <a:avLst/>
-          </a:prstGeom>
-          <a:solidFill>
-            <a:srgbClr val="FFFF00"/>
-          </a:solidFill>
-          <a:ln w="9525">
-            <a:solidFill>
-              <a:schemeClr val="accent2"/>
-            </a:solidFill>
-            <a:miter lim="800000"/>
-            <a:headEnd/>
-            <a:tailEnd type="none" w="med" len="lg"/>
-          </a:ln>
-        </p:spPr>
-        <p:txBody>
-          <a:bodyPr wrap="square">
-            <a:prstTxWarp prst="textNoShape">
-              <a:avLst/>
-            </a:prstTxWarp>
-            <a:spAutoFit/>
-          </a:bodyPr>
-          <a:lstStyle/>
-          <a:p>
-            <a:pPr>
-              <a:spcBef>
-                <a:spcPct val="20000"/>
-              </a:spcBef>
-              <a:buClr>
-                <a:schemeClr val="tx1"/>
-              </a:buClr>
-              <a:buSzPct val="50000"/>
-              <a:buFont typeface="Monotype Sorts" pitchFamily="-109" charset="2"/>
-              <a:buNone/>
-            </a:pPr>
-            <a:r>
-              <a:rPr lang="en-US" sz="1600" b="0" dirty="0" err="1">
-                <a:solidFill>
-                  <a:schemeClr val="accent2"/>
-                </a:solidFill>
-                <a:latin typeface="Malgun Gothic" panose="020B0503020000020004" pitchFamily="34" charset="-127"/>
-                <a:ea typeface="Malgun Gothic" panose="020B0503020000020004" pitchFamily="34" charset="-127"/>
-              </a:rPr>
-              <a:t>put_balance</a:t>
-            </a:r>
-            <a:r>
-              <a:rPr lang="en-US" sz="1600" b="0" dirty="0">
-                <a:solidFill>
-                  <a:schemeClr val="accent2"/>
-                </a:solidFill>
-                <a:latin typeface="Malgun Gothic" panose="020B0503020000020004" pitchFamily="34" charset="-127"/>
-                <a:ea typeface="Malgun Gothic" panose="020B0503020000020004" pitchFamily="34" charset="-127"/>
-              </a:rPr>
-              <a:t>(account, balance);</a:t>
-            </a:r>
-          </a:p>
-          <a:p>
-            <a:pPr>
-              <a:spcBef>
-                <a:spcPct val="20000"/>
-              </a:spcBef>
-              <a:buClr>
-                <a:schemeClr val="tx1"/>
-              </a:buClr>
-              <a:buSzPct val="50000"/>
-              <a:buFont typeface="Monotype Sorts" pitchFamily="-109" charset="2"/>
-              <a:buNone/>
-            </a:pPr>
-            <a:r>
-              <a:rPr lang="en-US" sz="1600" dirty="0">
-                <a:solidFill>
-                  <a:schemeClr val="accent2"/>
-                </a:solidFill>
-                <a:latin typeface="Malgun Gothic" panose="020B0503020000020004" pitchFamily="34" charset="-127"/>
-                <a:ea typeface="Malgun Gothic" panose="020B0503020000020004" pitchFamily="34" charset="-127"/>
-              </a:rPr>
-              <a:t>release(lock);</a:t>
-            </a:r>
-          </a:p>
-        </p:txBody>
-      </p:sp>
-      <p:sp>
-        <p:nvSpPr>
-          <p:cNvPr id="21516" name="Line 11"/>
-          <p:cNvSpPr>
-            <a:spLocks noChangeShapeType="1"/>
-          </p:cNvSpPr>
-          <p:nvPr/>
-        </p:nvSpPr>
-        <p:spPr bwMode="auto">
-          <a:xfrm>
-            <a:off x="4986130" y="868017"/>
-            <a:ext cx="0" cy="3505200"/>
-          </a:xfrm>
-          <a:prstGeom prst="line">
-            <a:avLst/>
-          </a:prstGeom>
-          <a:noFill/>
-          <a:ln w="9525">
-            <a:solidFill>
-              <a:schemeClr val="accent2"/>
-            </a:solidFill>
-            <a:round/>
-            <a:headEnd/>
-            <a:tailEnd type="stealth" w="med" len="lg"/>
-          </a:ln>
-        </p:spPr>
-        <p:txBody>
-          <a:bodyPr wrap="none" anchor="ctr">
-            <a:prstTxWarp prst="textNoShape">
-              <a:avLst/>
-            </a:prstTxWarp>
-          </a:bodyPr>
-          <a:lstStyle/>
-          <a:p>
-            <a:endParaRPr lang="en-US"/>
-          </a:p>
-        </p:txBody>
-      </p:sp>
-      <p:sp>
-        <p:nvSpPr>
-          <p:cNvPr id="21517" name="Text Box 12"/>
-          <p:cNvSpPr txBox="1">
-            <a:spLocks noChangeArrowheads="1"/>
-          </p:cNvSpPr>
-          <p:nvPr/>
-        </p:nvSpPr>
-        <p:spPr bwMode="auto">
-          <a:xfrm>
-            <a:off x="3988870" y="2163417"/>
-            <a:ext cx="990600" cy="646331"/>
-          </a:xfrm>
-          <a:prstGeom prst="rect">
-            <a:avLst/>
-          </a:prstGeom>
-          <a:noFill/>
-          <a:ln w="9525">
-            <a:noFill/>
-            <a:miter lim="800000"/>
-            <a:headEnd/>
-            <a:tailEnd type="none" w="med" len="lg"/>
-          </a:ln>
-        </p:spPr>
-        <p:txBody>
-          <a:bodyPr>
-            <a:prstTxWarp prst="textNoShape">
-              <a:avLst/>
-            </a:prstTxWarp>
-            <a:spAutoFit/>
-          </a:bodyPr>
-          <a:lstStyle/>
-          <a:p>
-            <a:pPr algn="ctr">
-              <a:spcBef>
-                <a:spcPct val="50000"/>
-              </a:spcBef>
-            </a:pPr>
-            <a:r>
-              <a:rPr lang="en-US" dirty="0">
-                <a:solidFill>
-                  <a:srgbClr val="009900"/>
-                </a:solidFill>
-                <a:latin typeface="Malgun Gothic" panose="020B0503020000020004" pitchFamily="34" charset="-127"/>
-                <a:ea typeface="Malgun Gothic" panose="020B0503020000020004" pitchFamily="34" charset="-127"/>
-              </a:rPr>
-              <a:t>Critical Region</a:t>
-            </a:r>
-          </a:p>
-        </p:txBody>
-      </p:sp>
-      <p:sp>
-        <p:nvSpPr>
-          <p:cNvPr id="21518" name="AutoShape 14"/>
-          <p:cNvSpPr>
-            <a:spLocks/>
-          </p:cNvSpPr>
-          <p:nvPr/>
-        </p:nvSpPr>
-        <p:spPr bwMode="auto">
-          <a:xfrm>
-            <a:off x="3974320" y="1934817"/>
-            <a:ext cx="76200" cy="1219200"/>
-          </a:xfrm>
-          <a:prstGeom prst="rightBrace">
+          <a:prstGeom prst="borderCallout2">
             <a:avLst>
-              <a:gd name="adj1" fmla="val 54167"/>
-              <a:gd name="adj2" fmla="val 50000"/>
+              <a:gd name="adj1" fmla="val 16667"/>
+              <a:gd name="adj2" fmla="val -3449"/>
+              <a:gd name="adj3" fmla="val 16667"/>
+              <a:gd name="adj4" fmla="val -40014"/>
+              <a:gd name="adj5" fmla="val 73843"/>
+              <a:gd name="adj6" fmla="val -78019"/>
             </a:avLst>
           </a:prstGeom>
           <a:noFill/>
@@ -12101,96 +11724,28 @@
             <a:solidFill>
               <a:schemeClr val="accent2"/>
             </a:solidFill>
-            <a:round/>
-            <a:headEnd/>
-            <a:tailEnd type="none" w="med" len="lg"/>
+            <a:miter lim="800000"/>
+            <a:headEnd type="none" w="med" len="lg"/>
+            <a:tailEnd type="stealth" w="med" len="lg"/>
           </a:ln>
         </p:spPr>
         <p:txBody>
-          <a:bodyPr wrap="none" anchor="ctr">
+          <a:bodyPr anchor="ctr">
             <a:prstTxWarp prst="textNoShape">
               <a:avLst/>
             </a:prstTxWarp>
           </a:bodyPr>
           <a:lstStyle/>
           <a:p>
-            <a:endParaRPr lang="en-US"/>
-          </a:p>
-        </p:txBody>
-      </p:sp>
-      <p:sp>
-        <p:nvSpPr>
-          <p:cNvPr id="7" name="TextBox 6">
-            <a:extLst>
-              <a:ext uri="{FF2B5EF4-FFF2-40B4-BE49-F238E27FC236}">
-                <a16:creationId xmlns:a16="http://schemas.microsoft.com/office/drawing/2014/main" id="{96200FF2-12B5-2B45-3F98-2EF3AF961EBD}"/>
-              </a:ext>
-            </a:extLst>
-          </p:cNvPr>
-          <p:cNvSpPr txBox="1"/>
-          <p:nvPr/>
-        </p:nvSpPr>
-        <p:spPr>
-          <a:xfrm>
-            <a:off x="447266" y="4709488"/>
-            <a:ext cx="7750966" cy="1081711"/>
-          </a:xfrm>
-          <a:prstGeom prst="rect">
-            <a:avLst/>
-          </a:prstGeom>
-          <a:noFill/>
-        </p:spPr>
-        <p:txBody>
-          <a:bodyPr wrap="square">
-            <a:noAutofit/>
-          </a:bodyPr>
-          <a:lstStyle/>
-          <a:p>
-            <a:pPr marL="742950" lvl="1" indent="-285750">
-              <a:buFont typeface="Arial" panose="020B0604020202020204" pitchFamily="34" charset="0"/>
-              <a:buChar char="•"/>
-            </a:pPr>
-            <a:r>
-              <a:rPr lang="en-US" sz="2000" dirty="0">
+            <a:r>
+              <a:rPr lang="en-US" b="0" dirty="0">
                 <a:solidFill>
                   <a:srgbClr val="D60093"/>
                 </a:solidFill>
                 <a:latin typeface="Malgun Gothic" panose="020B0503020000020004" pitchFamily="34" charset="-127"/>
                 <a:ea typeface="Malgun Gothic" panose="020B0503020000020004" pitchFamily="34" charset="-127"/>
               </a:rPr>
-              <a:t>What happens when blue tries to acquire the lock?</a:t>
-            </a:r>
-          </a:p>
-          <a:p>
-            <a:pPr marL="742950" lvl="1" indent="-285750">
-              <a:buFont typeface="Arial" panose="020B0604020202020204" pitchFamily="34" charset="0"/>
-              <a:buChar char="•"/>
-            </a:pPr>
-            <a:r>
-              <a:rPr lang="en-US" sz="2000" dirty="0">
-                <a:solidFill>
-                  <a:srgbClr val="D60093"/>
-                </a:solidFill>
-                <a:latin typeface="Malgun Gothic" panose="020B0503020000020004" pitchFamily="34" charset="-127"/>
-                <a:ea typeface="Malgun Gothic" panose="020B0503020000020004" pitchFamily="34" charset="-127"/>
-              </a:rPr>
-              <a:t>Why is the “return” outside the critical region? Is this OK?</a:t>
-            </a:r>
-          </a:p>
-          <a:p>
-            <a:pPr marL="742950" lvl="1" indent="-285750">
-              <a:buFont typeface="Arial" panose="020B0604020202020204" pitchFamily="34" charset="0"/>
-              <a:buChar char="•"/>
-            </a:pPr>
-            <a:r>
-              <a:rPr lang="en-US" sz="2000" dirty="0">
-                <a:solidFill>
-                  <a:srgbClr val="D60093"/>
-                </a:solidFill>
-                <a:latin typeface="Malgun Gothic" panose="020B0503020000020004" pitchFamily="34" charset="-127"/>
-                <a:ea typeface="Malgun Gothic" panose="020B0503020000020004" pitchFamily="34" charset="-127"/>
-              </a:rPr>
-              <a:t>What happens when a third thread calls acquire?</a:t>
+              <a:t>busy-wait (spin-wait) for lock to be released</a:t>
             </a:r>
           </a:p>
         </p:txBody>
@@ -12222,7 +11777,7 @@
       </p:grpSpPr>
       <p:sp>
         <p:nvSpPr>
-          <p:cNvPr id="355330" name="Rectangle 2"/>
+          <p:cNvPr id="356354" name="Rectangle 2"/>
           <p:cNvSpPr>
             <a:spLocks noGrp="1" noChangeArrowheads="1"/>
           </p:cNvSpPr>
@@ -12239,15 +11794,15 @@
               <a:defRPr/>
             </a:pPr>
             <a:r>
-              <a:rPr lang="en-US" dirty="0"/>
-              <a:t>Implementing Locks (1)</a:t>
-            </a:r>
-          </a:p>
-        </p:txBody>
-      </p:sp>
-      <p:sp>
-        <p:nvSpPr>
-          <p:cNvPr id="22533" name="Rectangle 6"/>
+              <a:rPr lang="en-US"/>
+              <a:t>Implementing Locks (2)</a:t>
+            </a:r>
+          </a:p>
+        </p:txBody>
+      </p:sp>
+      <p:sp>
+        <p:nvSpPr>
+          <p:cNvPr id="23558" name="Rectangle 3"/>
           <p:cNvSpPr>
             <a:spLocks noGrp="1" noChangeArrowheads="1"/>
           </p:cNvSpPr>
@@ -12257,86 +11812,33 @@
         </p:nvSpPr>
         <p:spPr>
           <a:xfrm>
-            <a:off x="215999" y="878400"/>
-            <a:ext cx="8619887" cy="4800600"/>
+            <a:off x="216000" y="878400"/>
+            <a:ext cx="8659643" cy="1538326"/>
           </a:xfrm>
-          <a:noFill/>
         </p:spPr>
         <p:txBody>
-          <a:bodyPr>
-            <a:noAutofit/>
-          </a:bodyPr>
+          <a:bodyPr/>
           <a:lstStyle/>
           <a:p>
             <a:pPr latinLnBrk="0"/>
             <a:r>
               <a:rPr lang="en-US" dirty="0"/>
-              <a:t>How do we implement locks?  Here is one attempt:</a:t>
-            </a:r>
-          </a:p>
-          <a:p>
-            <a:pPr latinLnBrk="0"/>
-            <a:endParaRPr lang="en-US" dirty="0"/>
-          </a:p>
-          <a:p>
-            <a:pPr latinLnBrk="0"/>
-            <a:endParaRPr lang="en-US" dirty="0"/>
-          </a:p>
-          <a:p>
-            <a:pPr latinLnBrk="0"/>
-            <a:endParaRPr lang="en-US" dirty="0"/>
-          </a:p>
-          <a:p>
-            <a:pPr latinLnBrk="0"/>
-            <a:endParaRPr lang="en-US" dirty="0"/>
-          </a:p>
-          <a:p>
-            <a:pPr marL="0" indent="0" latinLnBrk="0">
-              <a:buNone/>
-            </a:pPr>
-            <a:endParaRPr lang="en-US" dirty="0"/>
-          </a:p>
-          <a:p>
-            <a:pPr marL="0" indent="0" latinLnBrk="0">
-              <a:buNone/>
-            </a:pPr>
-            <a:endParaRPr lang="en-US" dirty="0"/>
-          </a:p>
-          <a:p>
-            <a:pPr latinLnBrk="0"/>
-            <a:endParaRPr lang="en-US" dirty="0"/>
-          </a:p>
-          <a:p>
-            <a:pPr latinLnBrk="0"/>
+              <a:t>No</a:t>
+            </a:r>
+            <a:r>
+              <a:rPr lang="en-US" altLang="zh-CN" dirty="0"/>
+              <a:t>!</a:t>
+            </a:r>
             <a:r>
               <a:rPr lang="en-US" dirty="0"/>
-              <a:t>This is called a </a:t>
-            </a:r>
-            <a:r>
-              <a:rPr lang="en-US" dirty="0">
-                <a:solidFill>
-                  <a:srgbClr val="FF3300"/>
-                </a:solidFill>
-              </a:rPr>
-              <a:t>spinlock</a:t>
-            </a:r>
-            <a:r>
-              <a:rPr lang="en-US" dirty="0"/>
-              <a:t> because a thread spins waiting for the lock to be released</a:t>
-            </a:r>
-          </a:p>
-          <a:p>
-            <a:pPr lvl="1"/>
-            <a:r>
-              <a:rPr lang="en-US" dirty="0"/>
-              <a:t>Does this work?</a:t>
-            </a:r>
-          </a:p>
-        </p:txBody>
-      </p:sp>
-      <p:sp>
-        <p:nvSpPr>
-          <p:cNvPr id="22532" name="Slide Number Placeholder 5"/>
+              <a:t> Two independent threads may both notice that a lock has been released and thereby acquire it.</a:t>
+            </a:r>
+          </a:p>
+        </p:txBody>
+      </p:sp>
+      <p:sp>
+        <p:nvSpPr>
+          <p:cNvPr id="23556" name="Slide Number Placeholder 5"/>
           <p:cNvSpPr>
             <a:spLocks noGrp="1"/>
           </p:cNvSpPr>
@@ -12351,7 +11853,7 @@
           <a:bodyPr/>
           <a:lstStyle/>
           <a:p>
-            <a:fld id="{8053042C-C875-4F48-ABDE-04023719311E}" type="slidenum">
+            <a:fld id="{2ECEA1DB-796E-F847-A58B-BC6A5B008F73}" type="slidenum">
               <a:rPr lang="en-US"/>
               <a:pPr/>
               <a:t>21</a:t>
@@ -12362,7 +11864,7 @@
       </p:sp>
       <p:sp>
         <p:nvSpPr>
-          <p:cNvPr id="22531" name="Footer Placeholder 4"/>
+          <p:cNvPr id="23555" name="Footer Placeholder 4"/>
           <p:cNvSpPr>
             <a:spLocks noGrp="1"/>
           </p:cNvSpPr>
@@ -12389,13 +11891,7 @@
       </p:sp>
       <p:sp>
         <p:nvSpPr>
-          <p:cNvPr id="2" name="Text Box 5">
-            <a:extLst>
-              <a:ext uri="{FF2B5EF4-FFF2-40B4-BE49-F238E27FC236}">
-                <a16:creationId xmlns:a16="http://schemas.microsoft.com/office/drawing/2014/main" id="{CD0B3053-4A97-66C9-60DC-8839B01FB02E}"/>
-              </a:ext>
-            </a:extLst>
-          </p:cNvPr>
+          <p:cNvPr id="23559" name="Text Box 4"/>
           <p:cNvSpPr txBox="1">
             <a:spLocks noChangeArrowheads="1"/>
           </p:cNvSpPr>
@@ -12403,8 +11899,8 @@
         </p:nvSpPr>
         <p:spPr bwMode="auto">
           <a:xfrm>
-            <a:off x="1781092" y="1487555"/>
-            <a:ext cx="4175038" cy="3360921"/>
+            <a:off x="1156253" y="2272751"/>
+            <a:ext cx="3429000" cy="3360921"/>
           </a:xfrm>
           <a:prstGeom prst="rect">
             <a:avLst/>
@@ -12440,14 +11936,24 @@
               <a:buNone/>
             </a:pPr>
             <a:r>
-              <a:rPr lang="en-US" b="0">
+              <a:rPr lang="en-US" b="0" dirty="0" err="1">
                 <a:solidFill>
                   <a:schemeClr val="accent2"/>
                 </a:solidFill>
                 <a:latin typeface="Malgun Gothic" panose="020B0503020000020004" pitchFamily="34" charset="-127"/>
                 <a:ea typeface="Malgun Gothic" panose="020B0503020000020004" pitchFamily="34" charset="-127"/>
               </a:rPr>
-              <a:t>struct lock {</a:t>
+              <a:t>struct</a:t>
+            </a:r>
+            <a:r>
+              <a:rPr lang="en-US" b="0" dirty="0">
+                <a:solidFill>
+                  <a:schemeClr val="accent2"/>
+                </a:solidFill>
+                <a:latin typeface="Malgun Gothic" panose="020B0503020000020004" pitchFamily="34" charset="-127"/>
+                <a:ea typeface="Malgun Gothic" panose="020B0503020000020004" pitchFamily="34" charset="-127"/>
+              </a:rPr>
+              <a:t> lock {</a:t>
             </a:r>
           </a:p>
           <a:p>
@@ -12463,14 +11969,34 @@
               <a:buNone/>
             </a:pPr>
             <a:r>
-              <a:rPr lang="en-US" b="0">
+              <a:rPr lang="en-US" b="0" dirty="0">
                 <a:solidFill>
                   <a:schemeClr val="accent2"/>
                 </a:solidFill>
                 <a:latin typeface="Malgun Gothic" panose="020B0503020000020004" pitchFamily="34" charset="-127"/>
                 <a:ea typeface="Malgun Gothic" panose="020B0503020000020004" pitchFamily="34" charset="-127"/>
               </a:rPr>
-              <a:t>    int held = 0;</a:t>
+              <a:t>    </a:t>
+            </a:r>
+            <a:r>
+              <a:rPr lang="en-US" b="0" dirty="0" err="1">
+                <a:solidFill>
+                  <a:schemeClr val="accent2"/>
+                </a:solidFill>
+                <a:latin typeface="Malgun Gothic" panose="020B0503020000020004" pitchFamily="34" charset="-127"/>
+                <a:ea typeface="Malgun Gothic" panose="020B0503020000020004" pitchFamily="34" charset="-127"/>
+              </a:rPr>
+              <a:t>int</a:t>
+            </a:r>
+            <a:r>
+              <a:rPr lang="en-US" b="0" dirty="0">
+                <a:solidFill>
+                  <a:schemeClr val="accent2"/>
+                </a:solidFill>
+                <a:latin typeface="Malgun Gothic" panose="020B0503020000020004" pitchFamily="34" charset="-127"/>
+                <a:ea typeface="Malgun Gothic" panose="020B0503020000020004" pitchFamily="34" charset="-127"/>
+              </a:rPr>
+              <a:t> held = 0;</a:t>
             </a:r>
           </a:p>
           <a:p>
@@ -12486,7 +12012,7 @@
               <a:buNone/>
             </a:pPr>
             <a:r>
-              <a:rPr lang="en-US" b="0">
+              <a:rPr lang="en-US" b="0" dirty="0">
                 <a:solidFill>
                   <a:schemeClr val="accent2"/>
                 </a:solidFill>
@@ -12509,7 +12035,7 @@
               <a:buNone/>
             </a:pPr>
             <a:r>
-              <a:rPr lang="en-US" b="0">
+              <a:rPr lang="en-US" b="0" dirty="0">
                 <a:solidFill>
                   <a:schemeClr val="accent2"/>
                 </a:solidFill>
@@ -12519,7 +12045,7 @@
               <a:t>void </a:t>
             </a:r>
             <a:r>
-              <a:rPr lang="en-US" b="0">
+              <a:rPr lang="en-US" b="0" dirty="0">
                 <a:solidFill>
                   <a:srgbClr val="0000FF"/>
                 </a:solidFill>
@@ -12529,7 +12055,7 @@
               <a:t>acquire</a:t>
             </a:r>
             <a:r>
-              <a:rPr lang="en-US" b="0">
+              <a:rPr lang="en-US" b="0" dirty="0">
                 <a:solidFill>
                   <a:schemeClr val="accent2"/>
                 </a:solidFill>
@@ -12552,7 +12078,7 @@
               <a:buNone/>
             </a:pPr>
             <a:r>
-              <a:rPr lang="en-US" b="0">
+              <a:rPr lang="en-US" b="0" dirty="0">
                 <a:solidFill>
                   <a:schemeClr val="accent2"/>
                 </a:solidFill>
@@ -12575,7 +12101,7 @@
               <a:buNone/>
             </a:pPr>
             <a:r>
-              <a:rPr lang="en-US" b="0">
+              <a:rPr lang="en-US" b="0" dirty="0">
                 <a:solidFill>
                   <a:schemeClr val="accent2"/>
                 </a:solidFill>
@@ -12598,7 +12124,7 @@
               <a:buNone/>
             </a:pPr>
             <a:r>
-              <a:rPr lang="en-US" b="0">
+              <a:rPr lang="en-US" b="0" dirty="0">
                 <a:solidFill>
                   <a:schemeClr val="accent2"/>
                 </a:solidFill>
@@ -12621,7 +12147,7 @@
               <a:buNone/>
             </a:pPr>
             <a:r>
-              <a:rPr lang="en-US" b="0">
+              <a:rPr lang="en-US" b="0" dirty="0">
                 <a:solidFill>
                   <a:schemeClr val="accent2"/>
                 </a:solidFill>
@@ -12631,7 +12157,7 @@
               <a:t>void </a:t>
             </a:r>
             <a:r>
-              <a:rPr lang="en-US" b="0">
+              <a:rPr lang="en-US" b="0" dirty="0">
                 <a:solidFill>
                   <a:srgbClr val="0000FF"/>
                 </a:solidFill>
@@ -12641,7 +12167,7 @@
               <a:t>release</a:t>
             </a:r>
             <a:r>
-              <a:rPr lang="en-US" b="0">
+              <a:rPr lang="en-US" b="0" dirty="0">
                 <a:solidFill>
                   <a:schemeClr val="accent2"/>
                 </a:solidFill>
@@ -12664,7 +12190,7 @@
               <a:buNone/>
             </a:pPr>
             <a:r>
-              <a:rPr lang="en-US" b="0">
+              <a:rPr lang="en-US" b="0" dirty="0">
                 <a:solidFill>
                   <a:schemeClr val="accent2"/>
                 </a:solidFill>
@@ -12687,7 +12213,7 @@
               <a:buNone/>
             </a:pPr>
             <a:r>
-              <a:rPr lang="en-US" b="0">
+              <a:rPr lang="en-US" b="0" dirty="0">
                 <a:solidFill>
                   <a:schemeClr val="accent2"/>
                 </a:solidFill>
@@ -12696,7 +12222,7 @@
               </a:rPr>
               <a:t>}</a:t>
             </a:r>
-            <a:endParaRPr lang="en-US" sz="1000">
+            <a:endParaRPr lang="en-US" sz="1000" dirty="0">
               <a:latin typeface="Malgun Gothic" panose="020B0503020000020004" pitchFamily="34" charset="-127"/>
               <a:ea typeface="Malgun Gothic" panose="020B0503020000020004" pitchFamily="34" charset="-127"/>
             </a:endParaRPr>
@@ -12705,13 +12231,7 @@
       </p:sp>
       <p:sp>
         <p:nvSpPr>
-          <p:cNvPr id="3" name="AutoShape 7">
-            <a:extLst>
-              <a:ext uri="{FF2B5EF4-FFF2-40B4-BE49-F238E27FC236}">
-                <a16:creationId xmlns:a16="http://schemas.microsoft.com/office/drawing/2014/main" id="{23BAA34B-8EC8-F1D4-459E-33D54453E112}"/>
-              </a:ext>
-            </a:extLst>
-          </p:cNvPr>
+          <p:cNvPr id="23560" name="AutoShape 5"/>
           <p:cNvSpPr>
             <a:spLocks/>
           </p:cNvSpPr>
@@ -12719,17 +12239,17 @@
         </p:nvSpPr>
         <p:spPr bwMode="auto">
           <a:xfrm>
-            <a:off x="5635487" y="2405267"/>
-            <a:ext cx="2769290" cy="685800"/>
+            <a:off x="4860239" y="3034751"/>
+            <a:ext cx="3683690" cy="685800"/>
           </a:xfrm>
           <a:prstGeom prst="borderCallout2">
             <a:avLst>
               <a:gd name="adj1" fmla="val 16667"/>
-              <a:gd name="adj2" fmla="val -3449"/>
+              <a:gd name="adj2" fmla="val -2500"/>
               <a:gd name="adj3" fmla="val 16667"/>
-              <a:gd name="adj4" fmla="val -40014"/>
-              <a:gd name="adj5" fmla="val 73843"/>
-              <a:gd name="adj6" fmla="val -78019"/>
+              <a:gd name="adj4" fmla="val -16981"/>
+              <a:gd name="adj5" fmla="val 131787"/>
+              <a:gd name="adj6" fmla="val -67549"/>
             </a:avLst>
           </a:prstGeom>
           <a:noFill/>
@@ -12758,7 +12278,7 @@
                 <a:latin typeface="Malgun Gothic" panose="020B0503020000020004" pitchFamily="34" charset="-127"/>
                 <a:ea typeface="Malgun Gothic" panose="020B0503020000020004" pitchFamily="34" charset="-127"/>
               </a:rPr>
-              <a:t>busy-wait (spin-wait) for lock to be released</a:t>
+              <a:t>A context switch can occur here, causing a race condition</a:t>
             </a:r>
           </a:p>
         </p:txBody>
@@ -12790,7 +12310,7 @@
       </p:grpSpPr>
       <p:sp>
         <p:nvSpPr>
-          <p:cNvPr id="356354" name="Rectangle 2"/>
+          <p:cNvPr id="354306" name="Rectangle 2"/>
           <p:cNvSpPr>
             <a:spLocks noGrp="1" noChangeArrowheads="1"/>
           </p:cNvSpPr>
@@ -12808,14 +12328,14 @@
             </a:pPr>
             <a:r>
               <a:rPr lang="en-US"/>
-              <a:t>Implementing Locks (2)</a:t>
-            </a:r>
-          </a:p>
-        </p:txBody>
-      </p:sp>
-      <p:sp>
-        <p:nvSpPr>
-          <p:cNvPr id="23558" name="Rectangle 3"/>
+              <a:t>Implementing Locks (3)</a:t>
+            </a:r>
+          </a:p>
+        </p:txBody>
+      </p:sp>
+      <p:sp>
+        <p:nvSpPr>
+          <p:cNvPr id="24582" name="Rectangle 3"/>
           <p:cNvSpPr>
             <a:spLocks noGrp="1" noChangeArrowheads="1"/>
           </p:cNvSpPr>
@@ -12826,32 +12346,95 @@
         <p:spPr>
           <a:xfrm>
             <a:off x="216000" y="878400"/>
-            <a:ext cx="8659643" cy="1538326"/>
+            <a:ext cx="8679522" cy="4419600"/>
           </a:xfrm>
         </p:spPr>
         <p:txBody>
-          <a:bodyPr/>
+          <a:bodyPr>
+            <a:noAutofit/>
+          </a:bodyPr>
           <a:lstStyle/>
           <a:p>
             <a:pPr latinLnBrk="0"/>
             <a:r>
               <a:rPr lang="en-US" dirty="0"/>
-              <a:t>No</a:t>
+              <a:t>The problem is that the implementation of locks has critical sections, too</a:t>
+            </a:r>
+          </a:p>
+          <a:p>
+            <a:pPr lvl="1"/>
+            <a:r>
+              <a:rPr lang="en-US" dirty="0"/>
+              <a:t>How do we stop the recursion?</a:t>
+            </a:r>
+          </a:p>
+          <a:p>
+            <a:pPr latinLnBrk="0"/>
+            <a:r>
+              <a:rPr lang="en-US" dirty="0"/>
+              <a:t>The implementation of acquire/release must be </a:t>
+            </a:r>
+            <a:r>
+              <a:rPr lang="en-US" dirty="0">
+                <a:solidFill>
+                  <a:srgbClr val="FF3300"/>
+                </a:solidFill>
+              </a:rPr>
+              <a:t>atomic</a:t>
+            </a:r>
+          </a:p>
+          <a:p>
+            <a:pPr lvl="1"/>
+            <a:r>
+              <a:rPr lang="en-US" dirty="0"/>
+              <a:t>“</a:t>
             </a:r>
             <a:r>
               <a:rPr lang="en-US" altLang="zh-CN" dirty="0"/>
-              <a:t>!</a:t>
+              <a:t>A</a:t>
             </a:r>
             <a:r>
               <a:rPr lang="en-US" dirty="0"/>
-              <a:t> Two independent threads may both notice that a lock has been released and thereby acquire it.</a:t>
-            </a:r>
-          </a:p>
-        </p:txBody>
-      </p:sp>
-      <p:sp>
-        <p:nvSpPr>
-          <p:cNvPr id="23556" name="Slide Number Placeholder 5"/>
+              <a:t>ll or nothing”</a:t>
+            </a:r>
+          </a:p>
+          <a:p>
+            <a:pPr latinLnBrk="0"/>
+            <a:r>
+              <a:rPr lang="en-US" dirty="0"/>
+              <a:t>How do we make them atomic?</a:t>
+            </a:r>
+          </a:p>
+          <a:p>
+            <a:pPr latinLnBrk="0"/>
+            <a:r>
+              <a:rPr lang="en-US" dirty="0"/>
+              <a:t>Need help from </a:t>
+            </a:r>
+            <a:r>
+              <a:rPr lang="en-US" u="sng" dirty="0"/>
+              <a:t>hardware</a:t>
+            </a:r>
+          </a:p>
+          <a:p>
+            <a:pPr lvl="1"/>
+            <a:r>
+              <a:rPr lang="en-US" dirty="0"/>
+              <a:t>Atomic instructions (e.g., test-and-set)</a:t>
+            </a:r>
+          </a:p>
+          <a:p>
+            <a:pPr lvl="1"/>
+            <a:r>
+              <a:rPr lang="en-US" dirty="0"/>
+              <a:t>Disable/enable interrupts (prevents context switches)</a:t>
+            </a:r>
+          </a:p>
+        </p:txBody>
+      </p:sp>
+      <p:sp>
+        <p:nvSpPr>
+          <p:cNvPr id="24580" name="Slide Number Placeholder 5"/>
           <p:cNvSpPr>
             <a:spLocks noGrp="1"/>
           </p:cNvSpPr>
@@ -12866,7 +12449,7 @@
           <a:bodyPr/>
           <a:lstStyle/>
           <a:p>
-            <a:fld id="{2ECEA1DB-796E-F847-A58B-BC6A5B008F73}" type="slidenum">
+            <a:fld id="{A6E14533-0240-B64D-9C62-0C4AB5C85C3B}" type="slidenum">
               <a:rPr lang="en-US"/>
               <a:pPr/>
               <a:t>22</a:t>
@@ -12877,7 +12460,7 @@
       </p:sp>
       <p:sp>
         <p:nvSpPr>
-          <p:cNvPr id="23555" name="Footer Placeholder 4"/>
+          <p:cNvPr id="24579" name="Footer Placeholder 4"/>
           <p:cNvSpPr>
             <a:spLocks noGrp="1"/>
           </p:cNvSpPr>
@@ -12899,400 +12482,6 @@
             <a:endParaRPr lang="en-US" sz="1400" b="0">
               <a:latin typeface="Times New Roman" pitchFamily="-109" charset="0"/>
             </a:endParaRPr>
-          </a:p>
-        </p:txBody>
-      </p:sp>
-      <p:sp>
-        <p:nvSpPr>
-          <p:cNvPr id="23559" name="Text Box 4"/>
-          <p:cNvSpPr txBox="1">
-            <a:spLocks noChangeArrowheads="1"/>
-          </p:cNvSpPr>
-          <p:nvPr/>
-        </p:nvSpPr>
-        <p:spPr bwMode="auto">
-          <a:xfrm>
-            <a:off x="1156253" y="2272751"/>
-            <a:ext cx="3429000" cy="3360921"/>
-          </a:xfrm>
-          <a:prstGeom prst="rect">
-            <a:avLst/>
-          </a:prstGeom>
-          <a:noFill/>
-          <a:ln w="9525">
-            <a:solidFill>
-              <a:schemeClr val="accent2"/>
-            </a:solidFill>
-            <a:miter lim="800000"/>
-            <a:headEnd/>
-            <a:tailEnd type="none" w="med" len="lg"/>
-          </a:ln>
-        </p:spPr>
-        <p:txBody>
-          <a:bodyPr wrap="square">
-            <a:prstTxWarp prst="textNoShape">
-              <a:avLst/>
-            </a:prstTxWarp>
-            <a:spAutoFit/>
-          </a:bodyPr>
-          <a:lstStyle/>
-          <a:p>
-            <a:pPr>
-              <a:spcBef>
-                <a:spcPct val="20000"/>
-              </a:spcBef>
-              <a:buClr>
-                <a:schemeClr val="tx1"/>
-              </a:buClr>
-              <a:buSzPct val="50000"/>
-              <a:buFont typeface="Monotype Sorts" pitchFamily="-109" charset="2"/>
-              <a:buNone/>
-            </a:pPr>
-            <a:r>
-              <a:rPr lang="en-US" b="0" dirty="0" err="1">
-                <a:solidFill>
-                  <a:schemeClr val="accent2"/>
-                </a:solidFill>
-                <a:latin typeface="Malgun Gothic" panose="020B0503020000020004" pitchFamily="34" charset="-127"/>
-                <a:ea typeface="Malgun Gothic" panose="020B0503020000020004" pitchFamily="34" charset="-127"/>
-              </a:rPr>
-              <a:t>struct</a:t>
-            </a:r>
-            <a:r>
-              <a:rPr lang="en-US" b="0" dirty="0">
-                <a:solidFill>
-                  <a:schemeClr val="accent2"/>
-                </a:solidFill>
-                <a:latin typeface="Malgun Gothic" panose="020B0503020000020004" pitchFamily="34" charset="-127"/>
-                <a:ea typeface="Malgun Gothic" panose="020B0503020000020004" pitchFamily="34" charset="-127"/>
-              </a:rPr>
-              <a:t> lock {</a:t>
-            </a:r>
-          </a:p>
-          <a:p>
-            <a:pPr>
-              <a:spcBef>
-                <a:spcPct val="20000"/>
-              </a:spcBef>
-              <a:buClr>
-                <a:schemeClr val="tx1"/>
-              </a:buClr>
-              <a:buSzPct val="50000"/>
-              <a:buFont typeface="Monotype Sorts" pitchFamily="-109" charset="2"/>
-              <a:buNone/>
-            </a:pPr>
-            <a:r>
-              <a:rPr lang="en-US" b="0" dirty="0">
-                <a:solidFill>
-                  <a:schemeClr val="accent2"/>
-                </a:solidFill>
-                <a:latin typeface="Malgun Gothic" panose="020B0503020000020004" pitchFamily="34" charset="-127"/>
-                <a:ea typeface="Malgun Gothic" panose="020B0503020000020004" pitchFamily="34" charset="-127"/>
-              </a:rPr>
-              <a:t>    </a:t>
-            </a:r>
-            <a:r>
-              <a:rPr lang="en-US" b="0" dirty="0" err="1">
-                <a:solidFill>
-                  <a:schemeClr val="accent2"/>
-                </a:solidFill>
-                <a:latin typeface="Malgun Gothic" panose="020B0503020000020004" pitchFamily="34" charset="-127"/>
-                <a:ea typeface="Malgun Gothic" panose="020B0503020000020004" pitchFamily="34" charset="-127"/>
-              </a:rPr>
-              <a:t>int</a:t>
-            </a:r>
-            <a:r>
-              <a:rPr lang="en-US" b="0" dirty="0">
-                <a:solidFill>
-                  <a:schemeClr val="accent2"/>
-                </a:solidFill>
-                <a:latin typeface="Malgun Gothic" panose="020B0503020000020004" pitchFamily="34" charset="-127"/>
-                <a:ea typeface="Malgun Gothic" panose="020B0503020000020004" pitchFamily="34" charset="-127"/>
-              </a:rPr>
-              <a:t> held = 0;</a:t>
-            </a:r>
-          </a:p>
-          <a:p>
-            <a:pPr>
-              <a:spcBef>
-                <a:spcPct val="20000"/>
-              </a:spcBef>
-              <a:buClr>
-                <a:schemeClr val="tx1"/>
-              </a:buClr>
-              <a:buSzPct val="50000"/>
-              <a:buFont typeface="Monotype Sorts" pitchFamily="-109" charset="2"/>
-              <a:buNone/>
-            </a:pPr>
-            <a:r>
-              <a:rPr lang="en-US" b="0" dirty="0">
-                <a:solidFill>
-                  <a:schemeClr val="accent2"/>
-                </a:solidFill>
-                <a:latin typeface="Malgun Gothic" panose="020B0503020000020004" pitchFamily="34" charset="-127"/>
-                <a:ea typeface="Malgun Gothic" panose="020B0503020000020004" pitchFamily="34" charset="-127"/>
-              </a:rPr>
-              <a:t>}</a:t>
-            </a:r>
-          </a:p>
-          <a:p>
-            <a:pPr>
-              <a:spcBef>
-                <a:spcPct val="20000"/>
-              </a:spcBef>
-              <a:buClr>
-                <a:schemeClr val="tx1"/>
-              </a:buClr>
-              <a:buSzPct val="50000"/>
-              <a:buFont typeface="Monotype Sorts" pitchFamily="-109" charset="2"/>
-              <a:buNone/>
-            </a:pPr>
-            <a:r>
-              <a:rPr lang="en-US" b="0" dirty="0">
-                <a:solidFill>
-                  <a:schemeClr val="accent2"/>
-                </a:solidFill>
-                <a:latin typeface="Malgun Gothic" panose="020B0503020000020004" pitchFamily="34" charset="-127"/>
-                <a:ea typeface="Malgun Gothic" panose="020B0503020000020004" pitchFamily="34" charset="-127"/>
-              </a:rPr>
-              <a:t>void </a:t>
-            </a:r>
-            <a:r>
-              <a:rPr lang="en-US" b="0" dirty="0">
-                <a:solidFill>
-                  <a:srgbClr val="0000FF"/>
-                </a:solidFill>
-                <a:latin typeface="Malgun Gothic" panose="020B0503020000020004" pitchFamily="34" charset="-127"/>
-                <a:ea typeface="Malgun Gothic" panose="020B0503020000020004" pitchFamily="34" charset="-127"/>
-              </a:rPr>
-              <a:t>acquire</a:t>
-            </a:r>
-            <a:r>
-              <a:rPr lang="en-US" b="0" dirty="0">
-                <a:solidFill>
-                  <a:schemeClr val="accent2"/>
-                </a:solidFill>
-                <a:latin typeface="Malgun Gothic" panose="020B0503020000020004" pitchFamily="34" charset="-127"/>
-                <a:ea typeface="Malgun Gothic" panose="020B0503020000020004" pitchFamily="34" charset="-127"/>
-              </a:rPr>
-              <a:t> (lock) {</a:t>
-            </a:r>
-          </a:p>
-          <a:p>
-            <a:pPr>
-              <a:spcBef>
-                <a:spcPct val="20000"/>
-              </a:spcBef>
-              <a:buClr>
-                <a:schemeClr val="tx1"/>
-              </a:buClr>
-              <a:buSzPct val="50000"/>
-              <a:buFont typeface="Monotype Sorts" pitchFamily="-109" charset="2"/>
-              <a:buNone/>
-            </a:pPr>
-            <a:r>
-              <a:rPr lang="en-US" b="0" dirty="0">
-                <a:solidFill>
-                  <a:schemeClr val="accent2"/>
-                </a:solidFill>
-                <a:latin typeface="Malgun Gothic" panose="020B0503020000020004" pitchFamily="34" charset="-127"/>
-                <a:ea typeface="Malgun Gothic" panose="020B0503020000020004" pitchFamily="34" charset="-127"/>
-              </a:rPr>
-              <a:t>    while (lock-&gt;held);</a:t>
-            </a:r>
-          </a:p>
-          <a:p>
-            <a:pPr>
-              <a:spcBef>
-                <a:spcPct val="20000"/>
-              </a:spcBef>
-              <a:buClr>
-                <a:schemeClr val="tx1"/>
-              </a:buClr>
-              <a:buSzPct val="50000"/>
-              <a:buFont typeface="Monotype Sorts" pitchFamily="-109" charset="2"/>
-              <a:buNone/>
-            </a:pPr>
-            <a:r>
-              <a:rPr lang="en-US" b="0" dirty="0">
-                <a:solidFill>
-                  <a:schemeClr val="accent2"/>
-                </a:solidFill>
-                <a:latin typeface="Malgun Gothic" panose="020B0503020000020004" pitchFamily="34" charset="-127"/>
-                <a:ea typeface="Malgun Gothic" panose="020B0503020000020004" pitchFamily="34" charset="-127"/>
-              </a:rPr>
-              <a:t>    lock-&gt;held = 1;</a:t>
-            </a:r>
-          </a:p>
-          <a:p>
-            <a:pPr>
-              <a:spcBef>
-                <a:spcPct val="20000"/>
-              </a:spcBef>
-              <a:buClr>
-                <a:schemeClr val="tx1"/>
-              </a:buClr>
-              <a:buSzPct val="50000"/>
-              <a:buFont typeface="Monotype Sorts" pitchFamily="-109" charset="2"/>
-              <a:buNone/>
-            </a:pPr>
-            <a:r>
-              <a:rPr lang="en-US" b="0" dirty="0">
-                <a:solidFill>
-                  <a:schemeClr val="accent2"/>
-                </a:solidFill>
-                <a:latin typeface="Malgun Gothic" panose="020B0503020000020004" pitchFamily="34" charset="-127"/>
-                <a:ea typeface="Malgun Gothic" panose="020B0503020000020004" pitchFamily="34" charset="-127"/>
-              </a:rPr>
-              <a:t>}</a:t>
-            </a:r>
-          </a:p>
-          <a:p>
-            <a:pPr>
-              <a:spcBef>
-                <a:spcPct val="20000"/>
-              </a:spcBef>
-              <a:buClr>
-                <a:schemeClr val="tx1"/>
-              </a:buClr>
-              <a:buSzPct val="50000"/>
-              <a:buFont typeface="Monotype Sorts" pitchFamily="-109" charset="2"/>
-              <a:buNone/>
-            </a:pPr>
-            <a:r>
-              <a:rPr lang="en-US" b="0" dirty="0">
-                <a:solidFill>
-                  <a:schemeClr val="accent2"/>
-                </a:solidFill>
-                <a:latin typeface="Malgun Gothic" panose="020B0503020000020004" pitchFamily="34" charset="-127"/>
-                <a:ea typeface="Malgun Gothic" panose="020B0503020000020004" pitchFamily="34" charset="-127"/>
-              </a:rPr>
-              <a:t>void </a:t>
-            </a:r>
-            <a:r>
-              <a:rPr lang="en-US" b="0" dirty="0">
-                <a:solidFill>
-                  <a:srgbClr val="0000FF"/>
-                </a:solidFill>
-                <a:latin typeface="Malgun Gothic" panose="020B0503020000020004" pitchFamily="34" charset="-127"/>
-                <a:ea typeface="Malgun Gothic" panose="020B0503020000020004" pitchFamily="34" charset="-127"/>
-              </a:rPr>
-              <a:t>release</a:t>
-            </a:r>
-            <a:r>
-              <a:rPr lang="en-US" b="0" dirty="0">
-                <a:solidFill>
-                  <a:schemeClr val="accent2"/>
-                </a:solidFill>
-                <a:latin typeface="Malgun Gothic" panose="020B0503020000020004" pitchFamily="34" charset="-127"/>
-                <a:ea typeface="Malgun Gothic" panose="020B0503020000020004" pitchFamily="34" charset="-127"/>
-              </a:rPr>
-              <a:t> (lock) {</a:t>
-            </a:r>
-          </a:p>
-          <a:p>
-            <a:pPr>
-              <a:spcBef>
-                <a:spcPct val="20000"/>
-              </a:spcBef>
-              <a:buClr>
-                <a:schemeClr val="tx1"/>
-              </a:buClr>
-              <a:buSzPct val="50000"/>
-              <a:buFont typeface="Monotype Sorts" pitchFamily="-109" charset="2"/>
-              <a:buNone/>
-            </a:pPr>
-            <a:r>
-              <a:rPr lang="en-US" b="0" dirty="0">
-                <a:solidFill>
-                  <a:schemeClr val="accent2"/>
-                </a:solidFill>
-                <a:latin typeface="Malgun Gothic" panose="020B0503020000020004" pitchFamily="34" charset="-127"/>
-                <a:ea typeface="Malgun Gothic" panose="020B0503020000020004" pitchFamily="34" charset="-127"/>
-              </a:rPr>
-              <a:t>    lock-&gt;held = 0;</a:t>
-            </a:r>
-          </a:p>
-          <a:p>
-            <a:pPr>
-              <a:spcBef>
-                <a:spcPct val="20000"/>
-              </a:spcBef>
-              <a:buClr>
-                <a:schemeClr val="tx1"/>
-              </a:buClr>
-              <a:buSzPct val="50000"/>
-              <a:buFont typeface="Monotype Sorts" pitchFamily="-109" charset="2"/>
-              <a:buNone/>
-            </a:pPr>
-            <a:r>
-              <a:rPr lang="en-US" b="0" dirty="0">
-                <a:solidFill>
-                  <a:schemeClr val="accent2"/>
-                </a:solidFill>
-                <a:latin typeface="Malgun Gothic" panose="020B0503020000020004" pitchFamily="34" charset="-127"/>
-                <a:ea typeface="Malgun Gothic" panose="020B0503020000020004" pitchFamily="34" charset="-127"/>
-              </a:rPr>
-              <a:t>}</a:t>
-            </a:r>
-            <a:endParaRPr lang="en-US" sz="1000" dirty="0">
-              <a:latin typeface="Malgun Gothic" panose="020B0503020000020004" pitchFamily="34" charset="-127"/>
-              <a:ea typeface="Malgun Gothic" panose="020B0503020000020004" pitchFamily="34" charset="-127"/>
-            </a:endParaRPr>
-          </a:p>
-        </p:txBody>
-      </p:sp>
-      <p:sp>
-        <p:nvSpPr>
-          <p:cNvPr id="23560" name="AutoShape 5"/>
-          <p:cNvSpPr>
-            <a:spLocks/>
-          </p:cNvSpPr>
-          <p:nvPr/>
-        </p:nvSpPr>
-        <p:spPr bwMode="auto">
-          <a:xfrm>
-            <a:off x="4860239" y="3034751"/>
-            <a:ext cx="3683690" cy="685800"/>
-          </a:xfrm>
-          <a:prstGeom prst="borderCallout2">
-            <a:avLst>
-              <a:gd name="adj1" fmla="val 16667"/>
-              <a:gd name="adj2" fmla="val -2500"/>
-              <a:gd name="adj3" fmla="val 16667"/>
-              <a:gd name="adj4" fmla="val -16981"/>
-              <a:gd name="adj5" fmla="val 131787"/>
-              <a:gd name="adj6" fmla="val -67549"/>
-            </a:avLst>
-          </a:prstGeom>
-          <a:noFill/>
-          <a:ln w="9525">
-            <a:solidFill>
-              <a:schemeClr val="accent2"/>
-            </a:solidFill>
-            <a:miter lim="800000"/>
-            <a:headEnd type="none" w="med" len="lg"/>
-            <a:tailEnd type="stealth" w="med" len="lg"/>
-          </a:ln>
-        </p:spPr>
-        <p:txBody>
-          <a:bodyPr anchor="ctr">
-            <a:prstTxWarp prst="textNoShape">
-              <a:avLst/>
-            </a:prstTxWarp>
-          </a:bodyPr>
-          <a:lstStyle/>
-          <a:p>
-            <a:r>
-              <a:rPr lang="en-US" b="0" dirty="0">
-                <a:solidFill>
-                  <a:srgbClr val="D60093"/>
-                </a:solidFill>
-                <a:latin typeface="Malgun Gothic" panose="020B0503020000020004" pitchFamily="34" charset="-127"/>
-                <a:ea typeface="Malgun Gothic" panose="020B0503020000020004" pitchFamily="34" charset="-127"/>
-              </a:rPr>
-              <a:t>A context switch can occur here, causing a race condition</a:t>
-            </a:r>
           </a:p>
         </p:txBody>
       </p:sp>
@@ -13323,7 +12512,7 @@
       </p:grpSpPr>
       <p:sp>
         <p:nvSpPr>
-          <p:cNvPr id="354306" name="Rectangle 2"/>
+          <p:cNvPr id="359426" name="Rectangle 2"/>
           <p:cNvSpPr>
             <a:spLocks noGrp="1" noChangeArrowheads="1"/>
           </p:cNvSpPr>
@@ -13333,22 +12522,24 @@
         </p:nvSpPr>
         <p:spPr/>
         <p:txBody>
-          <a:bodyPr/>
+          <a:bodyPr>
+            <a:normAutofit/>
+          </a:bodyPr>
           <a:lstStyle/>
           <a:p>
             <a:pPr>
               <a:defRPr/>
             </a:pPr>
             <a:r>
-              <a:rPr lang="en-US"/>
-              <a:t>Implementing Locks (3)</a:t>
-            </a:r>
-          </a:p>
-        </p:txBody>
-      </p:sp>
-      <p:sp>
-        <p:nvSpPr>
-          <p:cNvPr id="24582" name="Rectangle 3"/>
+              <a:rPr lang="en-US" dirty="0"/>
+              <a:t>Atomic Instructions: Test-And-Set</a:t>
+            </a:r>
+          </a:p>
+        </p:txBody>
+      </p:sp>
+      <p:sp>
+        <p:nvSpPr>
+          <p:cNvPr id="25606" name="Rectangle 3"/>
           <p:cNvSpPr>
             <a:spLocks noGrp="1" noChangeArrowheads="1"/>
           </p:cNvSpPr>
@@ -13359,7 +12550,7 @@
         <p:spPr>
           <a:xfrm>
             <a:off x="216000" y="878400"/>
-            <a:ext cx="8679522" cy="4419600"/>
+            <a:ext cx="8609948" cy="4876800"/>
           </a:xfrm>
         </p:spPr>
         <p:txBody>
@@ -13368,86 +12559,115 @@
           </a:bodyPr>
           <a:lstStyle/>
           <a:p>
-            <a:pPr latinLnBrk="0"/>
             <a:r>
               <a:rPr lang="en-US" dirty="0"/>
-              <a:t>The problem is that the implementation of locks has critical sections, too</a:t>
+              <a:t>The semantics of test-and-set are:</a:t>
             </a:r>
           </a:p>
           <a:p>
             <a:pPr lvl="1"/>
             <a:r>
               <a:rPr lang="en-US" dirty="0"/>
-              <a:t>How do we stop the recursion?</a:t>
-            </a:r>
-          </a:p>
-          <a:p>
-            <a:pPr latinLnBrk="0"/>
+              <a:t>Record the old value</a:t>
+            </a:r>
+          </a:p>
+          <a:p>
+            <a:pPr lvl="1"/>
             <a:r>
               <a:rPr lang="en-US" dirty="0"/>
-              <a:t>The implementation of acquire/release must be </a:t>
+              <a:t>Set the value to </a:t>
             </a:r>
             <a:r>
               <a:rPr lang="en-US" dirty="0">
                 <a:solidFill>
-                  <a:srgbClr val="FF3300"/>
-                </a:solidFill>
-              </a:rPr>
-              <a:t>atomic</a:t>
+                  <a:srgbClr val="FF0000"/>
+                </a:solidFill>
+              </a:rPr>
+              <a:t>TRUE</a:t>
             </a:r>
           </a:p>
           <a:p>
             <a:pPr lvl="1"/>
             <a:r>
               <a:rPr lang="en-US" dirty="0"/>
-              <a:t>“</a:t>
+              <a:t>Return the old value </a:t>
+            </a:r>
+          </a:p>
+          <a:p>
+            <a:r>
+              <a:rPr lang="en-US" dirty="0"/>
+              <a:t>Hardware executes it </a:t>
+            </a:r>
+            <a:r>
+              <a:rPr lang="en-US" b="1" dirty="0">
+                <a:solidFill>
+                  <a:srgbClr val="FF0000"/>
+                </a:solidFill>
+              </a:rPr>
+              <a:t>atomically</a:t>
+            </a:r>
+            <a:r>
+              <a:rPr lang="en-US" dirty="0"/>
+              <a:t>!</a:t>
+            </a:r>
+          </a:p>
+          <a:p>
+            <a:r>
+              <a:rPr lang="en-US" dirty="0"/>
+              <a:t>When executing test-and-set on “flag”</a:t>
+            </a:r>
+          </a:p>
+          <a:p>
+            <a:pPr lvl="1"/>
+            <a:r>
+              <a:rPr lang="en-US" dirty="0"/>
+              <a:t>What is th</a:t>
             </a:r>
             <a:r>
               <a:rPr lang="en-US" altLang="zh-CN" dirty="0"/>
-              <a:t>A</a:t>
+              <a:t>e</a:t>
+            </a:r>
+            <a:r>
+              <a:rPr lang="zh-CN" altLang="en-US" dirty="0"/>
+              <a:t> </a:t>
+            </a:r>
+            <a:r>
+              <a:rPr lang="en-US" dirty="0">
+                <a:solidFill>
+                  <a:srgbClr val="0000FF"/>
+                </a:solidFill>
+              </a:rPr>
+              <a:t>value of flag</a:t>
             </a:r>
             <a:r>
               <a:rPr lang="en-US" dirty="0"/>
-              <a:t>ll or nothing”</a:t>
-            </a:r>
-          </a:p>
-          <a:p>
-            <a:pPr latinLnBrk="0"/>
+              <a:t> afterwards if it was initially False?</a:t>
+            </a:r>
+          </a:p>
+          <a:p>
+            <a:pPr lvl="1"/>
             <a:r>
               <a:rPr lang="en-US" dirty="0"/>
-              <a:t>How do we make them atomic?</a:t>
-            </a:r>
-          </a:p>
-          <a:p>
-            <a:pPr latinLnBrk="0"/>
+              <a:t>What is the </a:t>
+            </a:r>
+            <a:r>
+              <a:rPr lang="en-US" dirty="0">
+                <a:solidFill>
+                  <a:srgbClr val="0000FF"/>
+                </a:solidFill>
+              </a:rPr>
+              <a:t>return result</a:t>
+            </a:r>
             <a:r>
               <a:rPr lang="en-US" dirty="0"/>
-              <a:t>Need help from </a:t>
-            </a:r>
-            <a:r>
-              <a:rPr lang="en-US" u="sng" dirty="0"/>
-              <a:t>hardware</a:t>
-            </a:r>
-          </a:p>
-          <a:p>
-            <a:pPr lvl="1"/>
-            <a:r>
-              <a:rPr lang="en-US" dirty="0"/>
-              <a:t>Atomic instructions (e.g., test-and-set)</a:t>
-            </a:r>
-          </a:p>
-          <a:p>
-            <a:pPr lvl="1"/>
-            <a:r>
-              <a:rPr lang="en-US" dirty="0"/>
-              <a:t>Disable/enable interrupts (prevents context switches)</a:t>
-            </a:r>
-          </a:p>
-        </p:txBody>
-      </p:sp>
-      <p:sp>
-        <p:nvSpPr>
-          <p:cNvPr id="24580" name="Slide Number Placeholder 5"/>
+              <a:t> if flag was initially False?</a:t>
+            </a:r>
+          </a:p>
+        </p:txBody>
+      </p:sp>
+      <p:sp>
+        <p:nvSpPr>
+          <p:cNvPr id="25604" name="Slide Number Placeholder 5"/>
           <p:cNvSpPr>
             <a:spLocks noGrp="1"/>
           </p:cNvSpPr>
@@ -13462,7 +12682,7 @@
           <a:bodyPr/>
           <a:lstStyle/>
           <a:p>
-            <a:fld id="{A6E14533-0240-B64D-9C62-0C4AB5C85C3B}" type="slidenum">
+            <a:fld id="{E797659D-BFEB-E74B-A44D-D63FBDFA0448}" type="slidenum">
               <a:rPr lang="en-US"/>
               <a:pPr/>
               <a:t>23</a:t>
@@ -13473,7 +12693,7 @@
       </p:sp>
       <p:sp>
         <p:nvSpPr>
-          <p:cNvPr id="24579" name="Footer Placeholder 4"/>
+          <p:cNvPr id="25603" name="Footer Placeholder 4"/>
           <p:cNvSpPr>
             <a:spLocks noGrp="1"/>
           </p:cNvSpPr>
@@ -13495,6 +12715,183 @@
             <a:endParaRPr lang="en-US" sz="1400" b="0">
               <a:latin typeface="Times New Roman" pitchFamily="-109" charset="0"/>
             </a:endParaRPr>
+          </a:p>
+        </p:txBody>
+      </p:sp>
+      <p:sp>
+        <p:nvSpPr>
+          <p:cNvPr id="2" name="Text Box 5">
+            <a:extLst>
+              <a:ext uri="{FF2B5EF4-FFF2-40B4-BE49-F238E27FC236}">
+                <a16:creationId xmlns:a16="http://schemas.microsoft.com/office/drawing/2014/main" id="{7062980C-2655-2298-53AE-EC99FAAC58E4}"/>
+              </a:ext>
+            </a:extLst>
+          </p:cNvPr>
+          <p:cNvSpPr txBox="1">
+            <a:spLocks noChangeArrowheads="1"/>
+          </p:cNvSpPr>
+          <p:nvPr/>
+        </p:nvSpPr>
+        <p:spPr bwMode="auto">
+          <a:xfrm>
+            <a:off x="5204783" y="1326637"/>
+            <a:ext cx="3723217" cy="1698927"/>
+          </a:xfrm>
+          <a:prstGeom prst="rect">
+            <a:avLst/>
+          </a:prstGeom>
+          <a:noFill/>
+          <a:ln w="9525">
+            <a:solidFill>
+              <a:schemeClr val="accent2"/>
+            </a:solidFill>
+            <a:miter lim="800000"/>
+            <a:headEnd/>
+            <a:tailEnd type="none" w="med" len="lg"/>
+          </a:ln>
+        </p:spPr>
+        <p:txBody>
+          <a:bodyPr wrap="square">
+            <a:prstTxWarp prst="textNoShape">
+              <a:avLst/>
+            </a:prstTxWarp>
+            <a:spAutoFit/>
+          </a:bodyPr>
+          <a:lstStyle/>
+          <a:p>
+            <a:pPr>
+              <a:spcBef>
+                <a:spcPct val="20000"/>
+              </a:spcBef>
+              <a:buClr>
+                <a:schemeClr val="tx1"/>
+              </a:buClr>
+              <a:buSzPct val="50000"/>
+              <a:buFont typeface="Monotype Sorts" pitchFamily="-109" charset="2"/>
+              <a:buNone/>
+            </a:pPr>
+            <a:r>
+              <a:rPr lang="en-US" b="0" dirty="0">
+                <a:solidFill>
+                  <a:schemeClr val="accent2"/>
+                </a:solidFill>
+                <a:latin typeface="Malgun Gothic" panose="020B0503020000020004" pitchFamily="34" charset="-127"/>
+                <a:ea typeface="Malgun Gothic" panose="020B0503020000020004" pitchFamily="34" charset="-127"/>
+              </a:rPr>
+              <a:t>bool </a:t>
+            </a:r>
+            <a:r>
+              <a:rPr lang="en-US" b="0" dirty="0" err="1">
+                <a:solidFill>
+                  <a:srgbClr val="0000FF"/>
+                </a:solidFill>
+                <a:latin typeface="Malgun Gothic" panose="020B0503020000020004" pitchFamily="34" charset="-127"/>
+                <a:ea typeface="Malgun Gothic" panose="020B0503020000020004" pitchFamily="34" charset="-127"/>
+              </a:rPr>
+              <a:t>test_and_set</a:t>
+            </a:r>
+            <a:r>
+              <a:rPr lang="en-US" b="0" dirty="0">
+                <a:solidFill>
+                  <a:schemeClr val="accent2"/>
+                </a:solidFill>
+                <a:latin typeface="Malgun Gothic" panose="020B0503020000020004" pitchFamily="34" charset="-127"/>
+                <a:ea typeface="Malgun Gothic" panose="020B0503020000020004" pitchFamily="34" charset="-127"/>
+              </a:rPr>
+              <a:t> (bool *flag) {</a:t>
+            </a:r>
+          </a:p>
+          <a:p>
+            <a:pPr>
+              <a:spcBef>
+                <a:spcPct val="20000"/>
+              </a:spcBef>
+              <a:buClr>
+                <a:schemeClr val="tx1"/>
+              </a:buClr>
+              <a:buSzPct val="50000"/>
+              <a:buFont typeface="Monotype Sorts" pitchFamily="-109" charset="2"/>
+              <a:buNone/>
+            </a:pPr>
+            <a:r>
+              <a:rPr lang="en-US" b="0" dirty="0">
+                <a:solidFill>
+                  <a:schemeClr val="accent2"/>
+                </a:solidFill>
+                <a:latin typeface="Malgun Gothic" panose="020B0503020000020004" pitchFamily="34" charset="-127"/>
+                <a:ea typeface="Malgun Gothic" panose="020B0503020000020004" pitchFamily="34" charset="-127"/>
+              </a:rPr>
+              <a:t>    bool old = *flag;</a:t>
+            </a:r>
+          </a:p>
+          <a:p>
+            <a:pPr>
+              <a:spcBef>
+                <a:spcPct val="20000"/>
+              </a:spcBef>
+              <a:buClr>
+                <a:schemeClr val="tx1"/>
+              </a:buClr>
+              <a:buSzPct val="50000"/>
+              <a:buFont typeface="Monotype Sorts" pitchFamily="-109" charset="2"/>
+              <a:buNone/>
+            </a:pPr>
+            <a:r>
+              <a:rPr lang="en-US" b="0" dirty="0">
+                <a:solidFill>
+                  <a:schemeClr val="accent2"/>
+                </a:solidFill>
+                <a:latin typeface="Malgun Gothic" panose="020B0503020000020004" pitchFamily="34" charset="-127"/>
+                <a:ea typeface="Malgun Gothic" panose="020B0503020000020004" pitchFamily="34" charset="-127"/>
+              </a:rPr>
+              <a:t>    *flag = True;</a:t>
+            </a:r>
+          </a:p>
+          <a:p>
+            <a:pPr>
+              <a:spcBef>
+                <a:spcPct val="20000"/>
+              </a:spcBef>
+              <a:buClr>
+                <a:schemeClr val="tx1"/>
+              </a:buClr>
+              <a:buSzPct val="50000"/>
+              <a:buFont typeface="Monotype Sorts" pitchFamily="-109" charset="2"/>
+              <a:buNone/>
+            </a:pPr>
+            <a:r>
+              <a:rPr lang="en-US" b="0" dirty="0">
+                <a:solidFill>
+                  <a:schemeClr val="accent2"/>
+                </a:solidFill>
+                <a:latin typeface="Malgun Gothic" panose="020B0503020000020004" pitchFamily="34" charset="-127"/>
+                <a:ea typeface="Malgun Gothic" panose="020B0503020000020004" pitchFamily="34" charset="-127"/>
+              </a:rPr>
+              <a:t>    return old;</a:t>
+            </a:r>
+          </a:p>
+          <a:p>
+            <a:pPr>
+              <a:spcBef>
+                <a:spcPct val="20000"/>
+              </a:spcBef>
+              <a:buClr>
+                <a:schemeClr val="tx1"/>
+              </a:buClr>
+              <a:buSzPct val="50000"/>
+              <a:buFont typeface="Monotype Sorts" pitchFamily="-109" charset="2"/>
+              <a:buNone/>
+            </a:pPr>
+            <a:r>
+              <a:rPr lang="en-US" b="0" dirty="0">
+                <a:solidFill>
+                  <a:schemeClr val="accent2"/>
+                </a:solidFill>
+                <a:latin typeface="Malgun Gothic" panose="020B0503020000020004" pitchFamily="34" charset="-127"/>
+                <a:ea typeface="Malgun Gothic" panose="020B0503020000020004" pitchFamily="34" charset="-127"/>
+              </a:rPr>
+              <a:t>}</a:t>
+            </a:r>
           </a:p>
         </p:txBody>
       </p:sp>
@@ -13525,7 +12922,7 @@
       </p:grpSpPr>
       <p:sp>
         <p:nvSpPr>
-          <p:cNvPr id="359426" name="Rectangle 2"/>
+          <p:cNvPr id="368642" name="Rectangle 2"/>
           <p:cNvSpPr>
             <a:spLocks noGrp="1" noChangeArrowheads="1"/>
           </p:cNvSpPr>
@@ -13535,24 +12932,22 @@
         </p:nvSpPr>
         <p:spPr/>
         <p:txBody>
-          <a:bodyPr>
-            <a:normAutofit/>
-          </a:bodyPr>
+          <a:bodyPr/>
           <a:lstStyle/>
           <a:p>
             <a:pPr>
               <a:defRPr/>
             </a:pPr>
             <a:r>
-              <a:rPr lang="en-US" dirty="0"/>
-              <a:t>Atomic Instructions: Test-And-Set</a:t>
-            </a:r>
-          </a:p>
-        </p:txBody>
-      </p:sp>
-      <p:sp>
-        <p:nvSpPr>
-          <p:cNvPr id="25606" name="Rectangle 3"/>
+              <a:rPr lang="en-US"/>
+              <a:t>Using Test-And-Set</a:t>
+            </a:r>
+          </a:p>
+        </p:txBody>
+      </p:sp>
+      <p:sp>
+        <p:nvSpPr>
+          <p:cNvPr id="26630" name="Rectangle 3"/>
           <p:cNvSpPr>
             <a:spLocks noGrp="1" noChangeArrowheads="1"/>
           </p:cNvSpPr>
@@ -13562,8 +12957,8 @@
         </p:nvSpPr>
         <p:spPr>
           <a:xfrm>
-            <a:off x="216000" y="878400"/>
-            <a:ext cx="8609948" cy="4876800"/>
+            <a:off x="215999" y="878400"/>
+            <a:ext cx="8460861" cy="4648200"/>
           </a:xfrm>
         </p:spPr>
         <p:txBody>
@@ -13573,114 +12968,60 @@
           <a:lstStyle/>
           <a:p>
             <a:r>
-              <a:rPr lang="en-US" dirty="0"/>
-              <a:t>The semantics of test-and-set are:</a:t>
-            </a:r>
-          </a:p>
-          <a:p>
-            <a:pPr lvl="1"/>
-            <a:r>
-              <a:rPr lang="en-US" dirty="0"/>
-              <a:t>Record the old value</a:t>
-            </a:r>
-          </a:p>
-          <a:p>
-            <a:pPr lvl="1"/>
-            <a:r>
-              <a:rPr lang="en-US" dirty="0"/>
-              <a:t>Set the value to </a:t>
-            </a:r>
-            <a:r>
-              <a:rPr lang="en-US" dirty="0">
-                <a:solidFill>
-                  <a:srgbClr val="FF0000"/>
-                </a:solidFill>
-              </a:rPr>
-              <a:t>TRUE</a:t>
-            </a:r>
-          </a:p>
-          <a:p>
-            <a:pPr lvl="1"/>
-            <a:r>
-              <a:rPr lang="en-US" dirty="0"/>
-              <a:t>Return the old value </a:t>
-            </a:r>
-          </a:p>
-          <a:p>
-            <a:r>
-              <a:rPr lang="en-US" dirty="0"/>
-              <a:t>Hardware executes it </a:t>
-            </a:r>
-            <a:r>
-              <a:rPr lang="en-US" b="1" dirty="0">
-                <a:solidFill>
-                  <a:srgbClr val="FF0000"/>
-                </a:solidFill>
-              </a:rPr>
-              <a:t>atomically</a:t>
-            </a:r>
-            <a:r>
-              <a:rPr lang="en-US" dirty="0"/>
-              <a:t>!</a:t>
-            </a:r>
-          </a:p>
-          <a:p>
-            <a:r>
-              <a:rPr lang="en-US" dirty="0"/>
-              <a:t>When executing test-and-set on “flag”</a:t>
-            </a:r>
-          </a:p>
-          <a:p>
-            <a:pPr lvl="1"/>
-            <a:r>
-              <a:rPr lang="en-US" dirty="0"/>
-              <a:t>What is th</a:t>
-            </a:r>
-            <a:r>
-              <a:rPr lang="en-US" altLang="zh-CN" dirty="0"/>
-              <a:t>e</a:t>
-            </a:r>
-            <a:r>
-              <a:rPr lang="zh-CN" altLang="en-US" dirty="0"/>
-              <a:t> </a:t>
-            </a:r>
-            <a:r>
-              <a:rPr lang="en-US" dirty="0">
-                <a:solidFill>
-                  <a:srgbClr val="0000FF"/>
-                </a:solidFill>
-              </a:rPr>
-              <a:t>value of flag</a:t>
-            </a:r>
-            <a:r>
-              <a:rPr lang="en-US" dirty="0"/>
-              <a:t> afterwards if it was initially False?</a:t>
-            </a:r>
-          </a:p>
-          <a:p>
-            <a:pPr lvl="1"/>
-            <a:r>
-              <a:rPr lang="en-US" dirty="0"/>
-              <a:t>What is the </a:t>
-            </a:r>
-            <a:r>
-              <a:rPr lang="en-US" dirty="0">
-                <a:solidFill>
-                  <a:srgbClr val="0000FF"/>
-                </a:solidFill>
-              </a:rPr>
-              <a:t>return result</a:t>
-            </a:r>
-            <a:r>
-              <a:rPr lang="en-US" dirty="0"/>
-              <a:t> if flag was initially False?</a:t>
-            </a:r>
-          </a:p>
-        </p:txBody>
-      </p:sp>
-      <p:sp>
-        <p:nvSpPr>
-          <p:cNvPr id="25604" name="Slide Number Placeholder 5"/>
+              <a:rPr lang="en-US" sz="2000" dirty="0"/>
+              <a:t>Here is our lock implementation with test-and-set:</a:t>
+            </a:r>
+          </a:p>
+          <a:p>
+            <a:pPr>
+              <a:buNone/>
+            </a:pPr>
+            <a:endParaRPr lang="en-US" sz="2000" dirty="0"/>
+          </a:p>
+          <a:p>
+            <a:endParaRPr lang="en-US" sz="2000" dirty="0"/>
+          </a:p>
+          <a:p>
+            <a:endParaRPr lang="en-US" sz="2000" dirty="0"/>
+          </a:p>
+          <a:p>
+            <a:endParaRPr lang="en-US" sz="2000" dirty="0"/>
+          </a:p>
+          <a:p>
+            <a:endParaRPr lang="en-US" sz="2000" dirty="0"/>
+          </a:p>
+          <a:p>
+            <a:endParaRPr lang="en-US" sz="2000" dirty="0">
+              <a:solidFill>
+                <a:srgbClr val="D60093"/>
+              </a:solidFill>
+            </a:endParaRPr>
+          </a:p>
+          <a:p>
+            <a:r>
+              <a:rPr lang="en-US" sz="2000" dirty="0">
+                <a:solidFill>
+                  <a:srgbClr val="D60093"/>
+                </a:solidFill>
+              </a:rPr>
+              <a:t>When will the while return?  What is the value of held? </a:t>
+            </a:r>
+          </a:p>
+          <a:p>
+            <a:r>
+              <a:rPr lang="en-US" sz="2000" dirty="0">
+                <a:solidFill>
+                  <a:srgbClr val="D60093"/>
+                </a:solidFill>
+              </a:rPr>
+              <a:t>Does it work? What about multiprocessors?</a:t>
+            </a:r>
+          </a:p>
+        </p:txBody>
+      </p:sp>
+      <p:sp>
+        <p:nvSpPr>
+          <p:cNvPr id="26628" name="Slide Number Placeholder 5"/>
           <p:cNvSpPr>
             <a:spLocks noGrp="1"/>
           </p:cNvSpPr>
@@ -13695,7 +13036,7 @@
           <a:bodyPr/>
           <a:lstStyle/>
           <a:p>
-            <a:fld id="{E797659D-BFEB-E74B-A44D-D63FBDFA0448}" type="slidenum">
+            <a:fld id="{6923D4CC-30E6-1042-B2BE-019F3F116C60}" type="slidenum">
               <a:rPr lang="en-US"/>
               <a:pPr/>
               <a:t>24</a:t>
@@ -13706,7 +13047,7 @@
       </p:sp>
       <p:sp>
         <p:nvSpPr>
-          <p:cNvPr id="25603" name="Footer Placeholder 4"/>
+          <p:cNvPr id="26627" name="Footer Placeholder 4"/>
           <p:cNvSpPr>
             <a:spLocks noGrp="1"/>
           </p:cNvSpPr>
@@ -13733,10 +13074,10 @@
       </p:sp>
       <p:sp>
         <p:nvSpPr>
-          <p:cNvPr id="2" name="Text Box 5">
+          <p:cNvPr id="2" name="Text Box 4">
             <a:extLst>
               <a:ext uri="{FF2B5EF4-FFF2-40B4-BE49-F238E27FC236}">
-                <a16:creationId xmlns:a16="http://schemas.microsoft.com/office/drawing/2014/main" id="{7062980C-2655-2298-53AE-EC99FAAC58E4}"/>
+                <a16:creationId xmlns:a16="http://schemas.microsoft.com/office/drawing/2014/main" id="{04A23D46-41E1-0AAE-DFE7-6D0A34065C5F}"/>
               </a:ext>
             </a:extLst>
           </p:cNvPr>
@@ -13747,8 +13088,8 @@
         </p:nvSpPr>
         <p:spPr bwMode="auto">
           <a:xfrm>
-            <a:off x="5204783" y="1326637"/>
-            <a:ext cx="3723217" cy="1698927"/>
+            <a:off x="2243532" y="1410270"/>
+            <a:ext cx="4405793" cy="3028522"/>
           </a:xfrm>
           <a:prstGeom prst="rect">
             <a:avLst/>
@@ -13791,27 +13132,7 @@
                 <a:latin typeface="Malgun Gothic" panose="020B0503020000020004" pitchFamily="34" charset="-127"/>
                 <a:ea typeface="Malgun Gothic" panose="020B0503020000020004" pitchFamily="34" charset="-127"/>
               </a:rPr>
-              <a:t>bool </a:t>
-            </a:r>
-            <a:r>
-              <a:rPr lang="en-US" b="0" dirty="0" err="1">
-                <a:solidFill>
-                  <a:srgbClr val="0000FF"/>
-                </a:solidFill>
-                <a:latin typeface="Malgun Gothic" panose="020B0503020000020004" pitchFamily="34" charset="-127"/>
-                <a:ea typeface="Malgun Gothic" panose="020B0503020000020004" pitchFamily="34" charset="-127"/>
-              </a:rPr>
-              <a:t>test_and_set</a:t>
-            </a:r>
-            <a:r>
-              <a:rPr lang="en-US" b="0" dirty="0">
-                <a:solidFill>
-                  <a:schemeClr val="accent2"/>
-                </a:solidFill>
-                <a:latin typeface="Malgun Gothic" panose="020B0503020000020004" pitchFamily="34" charset="-127"/>
-                <a:ea typeface="Malgun Gothic" panose="020B0503020000020004" pitchFamily="34" charset="-127"/>
-              </a:rPr>
-              <a:t> (bool *flag) {</a:t>
+              <a:t>struct lock {</a:t>
             </a:r>
           </a:p>
           <a:p>
@@ -13834,7 +13155,7 @@
                 <a:latin typeface="Malgun Gothic" panose="020B0503020000020004" pitchFamily="34" charset="-127"/>
                 <a:ea typeface="Malgun Gothic" panose="020B0503020000020004" pitchFamily="34" charset="-127"/>
               </a:rPr>
-              <a:t>    bool old = *flag;</a:t>
+              <a:t>    int held = 0;</a:t>
             </a:r>
           </a:p>
           <a:p>
@@ -13857,7 +13178,7 @@
                 <a:latin typeface="Malgun Gothic" panose="020B0503020000020004" pitchFamily="34" charset="-127"/>
                 <a:ea typeface="Malgun Gothic" panose="020B0503020000020004" pitchFamily="34" charset="-127"/>
               </a:rPr>
-              <a:t>    *flag = True;</a:t>
+              <a:t>}</a:t>
             </a:r>
           </a:p>
           <a:p>
@@ -13880,7 +13201,27 @@
                 <a:latin typeface="Malgun Gothic" panose="020B0503020000020004" pitchFamily="34" charset="-127"/>
                 <a:ea typeface="Malgun Gothic" panose="020B0503020000020004" pitchFamily="34" charset="-127"/>
               </a:rPr>
-              <a:t>    return old;</a:t>
+              <a:t>void </a:t>
+            </a:r>
+            <a:r>
+              <a:rPr lang="en-US" b="0" dirty="0">
+                <a:solidFill>
+                  <a:srgbClr val="0000FF"/>
+                </a:solidFill>
+                <a:latin typeface="Malgun Gothic" panose="020B0503020000020004" pitchFamily="34" charset="-127"/>
+                <a:ea typeface="Malgun Gothic" panose="020B0503020000020004" pitchFamily="34" charset="-127"/>
+              </a:rPr>
+              <a:t>acquire</a:t>
+            </a:r>
+            <a:r>
+              <a:rPr lang="en-US" b="0" dirty="0">
+                <a:solidFill>
+                  <a:schemeClr val="accent2"/>
+                </a:solidFill>
+                <a:latin typeface="Malgun Gothic" panose="020B0503020000020004" pitchFamily="34" charset="-127"/>
+                <a:ea typeface="Malgun Gothic" panose="020B0503020000020004" pitchFamily="34" charset="-127"/>
+              </a:rPr>
+              <a:t> (lock) {</a:t>
             </a:r>
           </a:p>
           <a:p>
@@ -13903,8 +13244,144 @@
                 <a:latin typeface="Malgun Gothic" panose="020B0503020000020004" pitchFamily="34" charset="-127"/>
                 <a:ea typeface="Malgun Gothic" panose="020B0503020000020004" pitchFamily="34" charset="-127"/>
               </a:rPr>
+              <a:t>    while (</a:t>
+            </a:r>
+            <a:r>
+              <a:rPr lang="en-US" dirty="0">
+                <a:solidFill>
+                  <a:schemeClr val="accent2"/>
+                </a:solidFill>
+                <a:latin typeface="Malgun Gothic" panose="020B0503020000020004" pitchFamily="34" charset="-127"/>
+                <a:ea typeface="Malgun Gothic" panose="020B0503020000020004" pitchFamily="34" charset="-127"/>
+              </a:rPr>
+              <a:t>test-and-set(&amp;lock-&gt;held)</a:t>
+            </a:r>
+            <a:r>
+              <a:rPr lang="en-US" b="0" dirty="0">
+                <a:solidFill>
+                  <a:schemeClr val="accent2"/>
+                </a:solidFill>
+                <a:latin typeface="Malgun Gothic" panose="020B0503020000020004" pitchFamily="34" charset="-127"/>
+                <a:ea typeface="Malgun Gothic" panose="020B0503020000020004" pitchFamily="34" charset="-127"/>
+              </a:rPr>
+              <a:t>);</a:t>
+            </a:r>
+          </a:p>
+          <a:p>
+            <a:pPr>
+              <a:spcBef>
+                <a:spcPct val="20000"/>
+              </a:spcBef>
+              <a:buClr>
+                <a:schemeClr val="tx1"/>
+              </a:buClr>
+              <a:buSzPct val="50000"/>
+              <a:buFont typeface="Monotype Sorts" pitchFamily="-109" charset="2"/>
+              <a:buNone/>
+            </a:pPr>
+            <a:r>
+              <a:rPr lang="en-US" b="0" dirty="0">
+                <a:solidFill>
+                  <a:schemeClr val="accent2"/>
+                </a:solidFill>
+                <a:latin typeface="Malgun Gothic" panose="020B0503020000020004" pitchFamily="34" charset="-127"/>
+                <a:ea typeface="Malgun Gothic" panose="020B0503020000020004" pitchFamily="34" charset="-127"/>
+              </a:rPr>
               <a:t>}</a:t>
             </a:r>
+          </a:p>
+          <a:p>
+            <a:pPr>
+              <a:spcBef>
+                <a:spcPct val="20000"/>
+              </a:spcBef>
+              <a:buClr>
+                <a:schemeClr val="tx1"/>
+              </a:buClr>
+              <a:buSzPct val="50000"/>
+              <a:buFont typeface="Monotype Sorts" pitchFamily="-109" charset="2"/>
+              <a:buNone/>
+            </a:pPr>
+            <a:r>
+              <a:rPr lang="en-US" b="0" dirty="0">
+                <a:solidFill>
+                  <a:schemeClr val="accent2"/>
+                </a:solidFill>
+                <a:latin typeface="Malgun Gothic" panose="020B0503020000020004" pitchFamily="34" charset="-127"/>
+                <a:ea typeface="Malgun Gothic" panose="020B0503020000020004" pitchFamily="34" charset="-127"/>
+              </a:rPr>
+              <a:t>void </a:t>
+            </a:r>
+            <a:r>
+              <a:rPr lang="en-US" b="0" dirty="0">
+                <a:solidFill>
+                  <a:srgbClr val="0000FF"/>
+                </a:solidFill>
+                <a:latin typeface="Malgun Gothic" panose="020B0503020000020004" pitchFamily="34" charset="-127"/>
+                <a:ea typeface="Malgun Gothic" panose="020B0503020000020004" pitchFamily="34" charset="-127"/>
+              </a:rPr>
+              <a:t>release</a:t>
+            </a:r>
+            <a:r>
+              <a:rPr lang="en-US" b="0" dirty="0">
+                <a:solidFill>
+                  <a:schemeClr val="accent2"/>
+                </a:solidFill>
+                <a:latin typeface="Malgun Gothic" panose="020B0503020000020004" pitchFamily="34" charset="-127"/>
+                <a:ea typeface="Malgun Gothic" panose="020B0503020000020004" pitchFamily="34" charset="-127"/>
+              </a:rPr>
+              <a:t> (lock) {</a:t>
+            </a:r>
+          </a:p>
+          <a:p>
+            <a:pPr>
+              <a:spcBef>
+                <a:spcPct val="20000"/>
+              </a:spcBef>
+              <a:buClr>
+                <a:schemeClr val="tx1"/>
+              </a:buClr>
+              <a:buSzPct val="50000"/>
+              <a:buFont typeface="Monotype Sorts" pitchFamily="-109" charset="2"/>
+              <a:buNone/>
+            </a:pPr>
+            <a:r>
+              <a:rPr lang="en-US" b="0" dirty="0">
+                <a:solidFill>
+                  <a:schemeClr val="accent2"/>
+                </a:solidFill>
+                <a:latin typeface="Malgun Gothic" panose="020B0503020000020004" pitchFamily="34" charset="-127"/>
+                <a:ea typeface="Malgun Gothic" panose="020B0503020000020004" pitchFamily="34" charset="-127"/>
+              </a:rPr>
+              <a:t>    lock-&gt;held = 0;</a:t>
+            </a:r>
+          </a:p>
+          <a:p>
+            <a:pPr>
+              <a:spcBef>
+                <a:spcPct val="20000"/>
+              </a:spcBef>
+              <a:buClr>
+                <a:schemeClr val="tx1"/>
+              </a:buClr>
+              <a:buSzPct val="50000"/>
+              <a:buFont typeface="Monotype Sorts" pitchFamily="-109" charset="2"/>
+              <a:buNone/>
+            </a:pPr>
+            <a:r>
+              <a:rPr lang="en-US" b="0" dirty="0">
+                <a:solidFill>
+                  <a:schemeClr val="accent2"/>
+                </a:solidFill>
+                <a:latin typeface="Malgun Gothic" panose="020B0503020000020004" pitchFamily="34" charset="-127"/>
+                <a:ea typeface="Malgun Gothic" panose="020B0503020000020004" pitchFamily="34" charset="-127"/>
+              </a:rPr>
+              <a:t>}</a:t>
+            </a:r>
+            <a:endParaRPr lang="en-US" dirty="0">
+              <a:latin typeface="Malgun Gothic" panose="020B0503020000020004" pitchFamily="34" charset="-127"/>
+              <a:ea typeface="Malgun Gothic" panose="020B0503020000020004" pitchFamily="34" charset="-127"/>
+            </a:endParaRPr>
           </a:p>
         </p:txBody>
       </p:sp>
@@ -13935,7 +13412,7 @@
       </p:grpSpPr>
       <p:sp>
         <p:nvSpPr>
-          <p:cNvPr id="368642" name="Rectangle 2"/>
+          <p:cNvPr id="360450" name="Rectangle 2"/>
           <p:cNvSpPr>
             <a:spLocks noGrp="1" noChangeArrowheads="1"/>
           </p:cNvSpPr>
@@ -13953,14 +13430,14 @@
             </a:pPr>
             <a:r>
               <a:rPr lang="en-US"/>
-              <a:t>Using Test-And-Set</a:t>
-            </a:r>
-          </a:p>
-        </p:txBody>
-      </p:sp>
-      <p:sp>
-        <p:nvSpPr>
-          <p:cNvPr id="26630" name="Rectangle 3"/>
+              <a:t>Problems with Spinlocks</a:t>
+            </a:r>
+          </a:p>
+        </p:txBody>
+      </p:sp>
+      <p:sp>
+        <p:nvSpPr>
+          <p:cNvPr id="27654" name="Rectangle 3"/>
           <p:cNvSpPr>
             <a:spLocks noGrp="1" noChangeArrowheads="1"/>
           </p:cNvSpPr>
@@ -13970,71 +13447,66 @@
         </p:nvSpPr>
         <p:spPr>
           <a:xfrm>
-            <a:off x="215999" y="878400"/>
-            <a:ext cx="8460861" cy="4648200"/>
+            <a:off x="216000" y="878399"/>
+            <a:ext cx="8629826" cy="5333557"/>
           </a:xfrm>
         </p:spPr>
         <p:txBody>
-          <a:bodyPr>
+          <a:bodyPr lIns="90000">
             <a:noAutofit/>
           </a:bodyPr>
           <a:lstStyle/>
           <a:p>
             <a:r>
-              <a:rPr lang="en-US" sz="2000" dirty="0"/>
-              <a:t>Here is our lock implementation with test-and-set:</a:t>
-            </a:r>
-          </a:p>
-          <a:p>
-            <a:pPr>
-              <a:buNone/>
-            </a:pPr>
-            <a:endParaRPr lang="en-US" sz="2000" dirty="0"/>
-          </a:p>
-          <a:p>
-            <a:endParaRPr lang="en-US" sz="2000" dirty="0"/>
-          </a:p>
-          <a:p>
-            <a:endParaRPr lang="en-US" sz="2000" dirty="0"/>
-          </a:p>
-          <a:p>
-            <a:endParaRPr lang="en-US" sz="2000" dirty="0"/>
-          </a:p>
-          <a:p>
-            <a:endParaRPr lang="en-US" sz="2000" dirty="0"/>
-          </a:p>
-          <a:p>
-            <a:endParaRPr lang="en-US" sz="2000" dirty="0">
-              <a:solidFill>
-                <a:srgbClr val="D60093"/>
-              </a:solidFill>
-            </a:endParaRPr>
-          </a:p>
-          <a:p>
-            <a:r>
-              <a:rPr lang="en-US" sz="2000" dirty="0">
-                <a:solidFill>
-                  <a:srgbClr val="D60093"/>
-                </a:solidFill>
-              </a:rPr>
-              <a:t>When will the while return?  What is the value of held? </a:t>
-            </a:r>
-          </a:p>
-          <a:p>
-            <a:r>
-              <a:rPr lang="en-US" sz="2000" dirty="0">
-                <a:solidFill>
-                  <a:srgbClr val="D60093"/>
-                </a:solidFill>
-              </a:rPr>
-              <a:t>Does it work? What about multiprocessors?</a:t>
-            </a:r>
-          </a:p>
-        </p:txBody>
-      </p:sp>
-      <p:sp>
-        <p:nvSpPr>
-          <p:cNvPr id="26628" name="Slide Number Placeholder 5"/>
+              <a:rPr lang="en-US" dirty="0"/>
+              <a:t>The problem with spinlocks is that they are wasteful</a:t>
+            </a:r>
+          </a:p>
+          <a:p>
+            <a:pPr lvl="1"/>
+            <a:r>
+              <a:rPr lang="en-US" dirty="0"/>
+              <a:t>If a thread is spinning on a lock, then the thread holding the lock cannot make progress</a:t>
+            </a:r>
+          </a:p>
+          <a:p>
+            <a:r>
+              <a:rPr lang="en-US" dirty="0"/>
+              <a:t>Solution 1:</a:t>
+            </a:r>
+          </a:p>
+          <a:p>
+            <a:pPr lvl="1"/>
+            <a:r>
+              <a:rPr lang="en-US" dirty="0"/>
+              <a:t>If cannot get the lock, call thread_yield to give up the CPU </a:t>
+            </a:r>
+          </a:p>
+          <a:p>
+            <a:r>
+              <a:rPr lang="en-US" dirty="0"/>
+              <a:t>Solution 2: sleep and wakeup</a:t>
+            </a:r>
+          </a:p>
+          <a:p>
+            <a:pPr lvl="1"/>
+            <a:r>
+              <a:rPr lang="en-US" dirty="0"/>
+              <a:t>When blocked, go to sleep</a:t>
+            </a:r>
+          </a:p>
+          <a:p>
+            <a:pPr lvl="1"/>
+            <a:r>
+              <a:rPr lang="en-US" dirty="0"/>
+              <a:t>Wakeup when it is OK to retry entering the critical region</a:t>
+            </a:r>
+          </a:p>
+        </p:txBody>
+      </p:sp>
+      <p:sp>
+        <p:nvSpPr>
+          <p:cNvPr id="27652" name="Slide Number Placeholder 5"/>
           <p:cNvSpPr>
             <a:spLocks noGrp="1"/>
           </p:cNvSpPr>
@@ -14049,7 +13521,7 @@
           <a:bodyPr/>
           <a:lstStyle/>
           <a:p>
-            <a:fld id="{6923D4CC-30E6-1042-B2BE-019F3F116C60}" type="slidenum">
+            <a:fld id="{C9F05579-266A-044E-87CA-4FC0408014BB}" type="slidenum">
               <a:rPr lang="en-US"/>
               <a:pPr/>
               <a:t>25</a:t>
@@ -14060,7 +13532,7 @@
       </p:sp>
       <p:sp>
         <p:nvSpPr>
-          <p:cNvPr id="26627" name="Footer Placeholder 4"/>
+          <p:cNvPr id="27651" name="Footer Placeholder 4"/>
           <p:cNvSpPr>
             <a:spLocks noGrp="1"/>
           </p:cNvSpPr>
@@ -14081,319 +13553,6 @@
             </a:r>
             <a:endParaRPr lang="en-US" sz="1400" b="0">
               <a:latin typeface="Times New Roman" pitchFamily="-109" charset="0"/>
-            </a:endParaRPr>
-          </a:p>
-        </p:txBody>
-      </p:sp>
-      <p:sp>
-        <p:nvSpPr>
-          <p:cNvPr id="2" name="Text Box 4">
-            <a:extLst>
-              <a:ext uri="{FF2B5EF4-FFF2-40B4-BE49-F238E27FC236}">
-                <a16:creationId xmlns:a16="http://schemas.microsoft.com/office/drawing/2014/main" id="{04A23D46-41E1-0AAE-DFE7-6D0A34065C5F}"/>
-              </a:ext>
-            </a:extLst>
-          </p:cNvPr>
-          <p:cNvSpPr txBox="1">
-            <a:spLocks noChangeArrowheads="1"/>
-          </p:cNvSpPr>
-          <p:nvPr/>
-        </p:nvSpPr>
-        <p:spPr bwMode="auto">
-          <a:xfrm>
-            <a:off x="2243532" y="1410270"/>
-            <a:ext cx="4405793" cy="3028522"/>
-          </a:xfrm>
-          <a:prstGeom prst="rect">
-            <a:avLst/>
-          </a:prstGeom>
-          <a:noFill/>
-          <a:ln w="9525">
-            <a:solidFill>
-              <a:schemeClr val="accent2"/>
-            </a:solidFill>
-            <a:miter lim="800000"/>
-            <a:headEnd/>
-            <a:tailEnd type="none" w="med" len="lg"/>
-          </a:ln>
-        </p:spPr>
-        <p:txBody>
-          <a:bodyPr wrap="square">
-            <a:prstTxWarp prst="textNoShape">
-              <a:avLst/>
-            </a:prstTxWarp>
-            <a:spAutoFit/>
-          </a:bodyPr>
-          <a:lstStyle/>
-          <a:p>
-            <a:pPr>
-              <a:spcBef>
-                <a:spcPct val="20000"/>
-              </a:spcBef>
-              <a:buClr>
-                <a:schemeClr val="tx1"/>
-              </a:buClr>
-              <a:buSzPct val="50000"/>
-              <a:buFont typeface="Monotype Sorts" pitchFamily="-109" charset="2"/>
-              <a:buNone/>
-            </a:pPr>
-            <a:r>
-              <a:rPr lang="en-US" b="0" dirty="0">
-                <a:solidFill>
-                  <a:schemeClr val="accent2"/>
-                </a:solidFill>
-                <a:latin typeface="Malgun Gothic" panose="020B0503020000020004" pitchFamily="34" charset="-127"/>
-                <a:ea typeface="Malgun Gothic" panose="020B0503020000020004" pitchFamily="34" charset="-127"/>
-              </a:rPr>
-              <a:t>struct lock {</a:t>
-            </a:r>
-          </a:p>
-          <a:p>
-            <a:pPr>
-              <a:spcBef>
-                <a:spcPct val="20000"/>
-              </a:spcBef>
-              <a:buClr>
-                <a:schemeClr val="tx1"/>
-              </a:buClr>
-              <a:buSzPct val="50000"/>
-              <a:buFont typeface="Monotype Sorts" pitchFamily="-109" charset="2"/>
-              <a:buNone/>
-            </a:pPr>
-            <a:r>
-              <a:rPr lang="en-US" b="0" dirty="0">
-                <a:solidFill>
-                  <a:schemeClr val="accent2"/>
-                </a:solidFill>
-                <a:latin typeface="Malgun Gothic" panose="020B0503020000020004" pitchFamily="34" charset="-127"/>
-                <a:ea typeface="Malgun Gothic" panose="020B0503020000020004" pitchFamily="34" charset="-127"/>
-              </a:rPr>
-              <a:t>    int held = 0;</a:t>
-            </a:r>
-          </a:p>
-          <a:p>
-            <a:pPr>
-              <a:spcBef>
-                <a:spcPct val="20000"/>
-              </a:spcBef>
-              <a:buClr>
-                <a:schemeClr val="tx1"/>
-              </a:buClr>
-              <a:buSzPct val="50000"/>
-              <a:buFont typeface="Monotype Sorts" pitchFamily="-109" charset="2"/>
-              <a:buNone/>
-            </a:pPr>
-            <a:r>
-              <a:rPr lang="en-US" b="0" dirty="0">
-                <a:solidFill>
-                  <a:schemeClr val="accent2"/>
-                </a:solidFill>
-                <a:latin typeface="Malgun Gothic" panose="020B0503020000020004" pitchFamily="34" charset="-127"/>
-                <a:ea typeface="Malgun Gothic" panose="020B0503020000020004" pitchFamily="34" charset="-127"/>
-              </a:rPr>
-              <a:t>}</a:t>
-            </a:r>
-          </a:p>
-          <a:p>
-            <a:pPr>
-              <a:spcBef>
-                <a:spcPct val="20000"/>
-              </a:spcBef>
-              <a:buClr>
-                <a:schemeClr val="tx1"/>
-              </a:buClr>
-              <a:buSzPct val="50000"/>
-              <a:buFont typeface="Monotype Sorts" pitchFamily="-109" charset="2"/>
-              <a:buNone/>
-            </a:pPr>
-            <a:r>
-              <a:rPr lang="en-US" b="0" dirty="0">
-                <a:solidFill>
-                  <a:schemeClr val="accent2"/>
-                </a:solidFill>
-                <a:latin typeface="Malgun Gothic" panose="020B0503020000020004" pitchFamily="34" charset="-127"/>
-                <a:ea typeface="Malgun Gothic" panose="020B0503020000020004" pitchFamily="34" charset="-127"/>
-              </a:rPr>
-              <a:t>void </a:t>
-            </a:r>
-            <a:r>
-              <a:rPr lang="en-US" b="0" dirty="0">
-                <a:solidFill>
-                  <a:srgbClr val="0000FF"/>
-                </a:solidFill>
-                <a:latin typeface="Malgun Gothic" panose="020B0503020000020004" pitchFamily="34" charset="-127"/>
-                <a:ea typeface="Malgun Gothic" panose="020B0503020000020004" pitchFamily="34" charset="-127"/>
-              </a:rPr>
-              <a:t>acquire</a:t>
-            </a:r>
-            <a:r>
-              <a:rPr lang="en-US" b="0" dirty="0">
-                <a:solidFill>
-                  <a:schemeClr val="accent2"/>
-                </a:solidFill>
-                <a:latin typeface="Malgun Gothic" panose="020B0503020000020004" pitchFamily="34" charset="-127"/>
-                <a:ea typeface="Malgun Gothic" panose="020B0503020000020004" pitchFamily="34" charset="-127"/>
-              </a:rPr>
-              <a:t> (lock) {</a:t>
-            </a:r>
-          </a:p>
-          <a:p>
-            <a:pPr>
-              <a:spcBef>
-                <a:spcPct val="20000"/>
-              </a:spcBef>
-              <a:buClr>
-                <a:schemeClr val="tx1"/>
-              </a:buClr>
-              <a:buSzPct val="50000"/>
-              <a:buFont typeface="Monotype Sorts" pitchFamily="-109" charset="2"/>
-              <a:buNone/>
-            </a:pPr>
-            <a:r>
-              <a:rPr lang="en-US" b="0" dirty="0">
-                <a:solidFill>
-                  <a:schemeClr val="accent2"/>
-                </a:solidFill>
-                <a:latin typeface="Malgun Gothic" panose="020B0503020000020004" pitchFamily="34" charset="-127"/>
-                <a:ea typeface="Malgun Gothic" panose="020B0503020000020004" pitchFamily="34" charset="-127"/>
-              </a:rPr>
-              <a:t>    while (</a:t>
-            </a:r>
-            <a:r>
-              <a:rPr lang="en-US" dirty="0">
-                <a:solidFill>
-                  <a:schemeClr val="accent2"/>
-                </a:solidFill>
-                <a:latin typeface="Malgun Gothic" panose="020B0503020000020004" pitchFamily="34" charset="-127"/>
-                <a:ea typeface="Malgun Gothic" panose="020B0503020000020004" pitchFamily="34" charset="-127"/>
-              </a:rPr>
-              <a:t>test-and-set(&amp;lock-&gt;held)</a:t>
-            </a:r>
-            <a:r>
-              <a:rPr lang="en-US" b="0" dirty="0">
-                <a:solidFill>
-                  <a:schemeClr val="accent2"/>
-                </a:solidFill>
-                <a:latin typeface="Malgun Gothic" panose="020B0503020000020004" pitchFamily="34" charset="-127"/>
-                <a:ea typeface="Malgun Gothic" panose="020B0503020000020004" pitchFamily="34" charset="-127"/>
-              </a:rPr>
-              <a:t>);</a:t>
-            </a:r>
-          </a:p>
-          <a:p>
-            <a:pPr>
-              <a:spcBef>
-                <a:spcPct val="20000"/>
-              </a:spcBef>
-              <a:buClr>
-                <a:schemeClr val="tx1"/>
-              </a:buClr>
-              <a:buSzPct val="50000"/>
-              <a:buFont typeface="Monotype Sorts" pitchFamily="-109" charset="2"/>
-              <a:buNone/>
-            </a:pPr>
-            <a:r>
-              <a:rPr lang="en-US" b="0" dirty="0">
-                <a:solidFill>
-                  <a:schemeClr val="accent2"/>
-                </a:solidFill>
-                <a:latin typeface="Malgun Gothic" panose="020B0503020000020004" pitchFamily="34" charset="-127"/>
-                <a:ea typeface="Malgun Gothic" panose="020B0503020000020004" pitchFamily="34" charset="-127"/>
-              </a:rPr>
-              <a:t>}</a:t>
-            </a:r>
-          </a:p>
-          <a:p>
-            <a:pPr>
-              <a:spcBef>
-                <a:spcPct val="20000"/>
-              </a:spcBef>
-              <a:buClr>
-                <a:schemeClr val="tx1"/>
-              </a:buClr>
-              <a:buSzPct val="50000"/>
-              <a:buFont typeface="Monotype Sorts" pitchFamily="-109" charset="2"/>
-              <a:buNone/>
-            </a:pPr>
-            <a:r>
-              <a:rPr lang="en-US" b="0" dirty="0">
-                <a:solidFill>
-                  <a:schemeClr val="accent2"/>
-                </a:solidFill>
-                <a:latin typeface="Malgun Gothic" panose="020B0503020000020004" pitchFamily="34" charset="-127"/>
-                <a:ea typeface="Malgun Gothic" panose="020B0503020000020004" pitchFamily="34" charset="-127"/>
-              </a:rPr>
-              <a:t>void </a:t>
-            </a:r>
-            <a:r>
-              <a:rPr lang="en-US" b="0" dirty="0">
-                <a:solidFill>
-                  <a:srgbClr val="0000FF"/>
-                </a:solidFill>
-                <a:latin typeface="Malgun Gothic" panose="020B0503020000020004" pitchFamily="34" charset="-127"/>
-                <a:ea typeface="Malgun Gothic" panose="020B0503020000020004" pitchFamily="34" charset="-127"/>
-              </a:rPr>
-              <a:t>release</a:t>
-            </a:r>
-            <a:r>
-              <a:rPr lang="en-US" b="0" dirty="0">
-                <a:solidFill>
-                  <a:schemeClr val="accent2"/>
-                </a:solidFill>
-                <a:latin typeface="Malgun Gothic" panose="020B0503020000020004" pitchFamily="34" charset="-127"/>
-                <a:ea typeface="Malgun Gothic" panose="020B0503020000020004" pitchFamily="34" charset="-127"/>
-              </a:rPr>
-              <a:t> (lock) {</a:t>
-            </a:r>
-          </a:p>
-          <a:p>
-            <a:pPr>
-              <a:spcBef>
-                <a:spcPct val="20000"/>
-              </a:spcBef>
-              <a:buClr>
-                <a:schemeClr val="tx1"/>
-              </a:buClr>
-              <a:buSzPct val="50000"/>
-              <a:buFont typeface="Monotype Sorts" pitchFamily="-109" charset="2"/>
-              <a:buNone/>
-            </a:pPr>
-            <a:r>
-              <a:rPr lang="en-US" b="0" dirty="0">
-                <a:solidFill>
-                  <a:schemeClr val="accent2"/>
-                </a:solidFill>
-                <a:latin typeface="Malgun Gothic" panose="020B0503020000020004" pitchFamily="34" charset="-127"/>
-                <a:ea typeface="Malgun Gothic" panose="020B0503020000020004" pitchFamily="34" charset="-127"/>
-              </a:rPr>
-              <a:t>    lock-&gt;held = 0;</a:t>
-            </a:r>
-          </a:p>
-          <a:p>
-            <a:pPr>
-              <a:spcBef>
-                <a:spcPct val="20000"/>
-              </a:spcBef>
-              <a:buClr>
-                <a:schemeClr val="tx1"/>
-              </a:buClr>
-              <a:buSzPct val="50000"/>
-              <a:buFont typeface="Monotype Sorts" pitchFamily="-109" charset="2"/>
-              <a:buNone/>
-            </a:pPr>
-            <a:r>
-              <a:rPr lang="en-US" b="0" dirty="0">
-                <a:solidFill>
-                  <a:schemeClr val="accent2"/>
-                </a:solidFill>
-                <a:latin typeface="Malgun Gothic" panose="020B0503020000020004" pitchFamily="34" charset="-127"/>
-                <a:ea typeface="Malgun Gothic" panose="020B0503020000020004" pitchFamily="34" charset="-127"/>
-              </a:rPr>
-              <a:t>}</a:t>
-            </a:r>
-            <a:endParaRPr lang="en-US" dirty="0">
-              <a:latin typeface="Malgun Gothic" panose="020B0503020000020004" pitchFamily="34" charset="-127"/>
-              <a:ea typeface="Malgun Gothic" panose="020B0503020000020004" pitchFamily="34" charset="-127"/>
             </a:endParaRPr>
           </a:p>
         </p:txBody>
@@ -14425,7 +13584,7 @@
       </p:grpSpPr>
       <p:sp>
         <p:nvSpPr>
-          <p:cNvPr id="360450" name="Rectangle 2"/>
+          <p:cNvPr id="361474" name="Rectangle 2"/>
           <p:cNvSpPr>
             <a:spLocks noGrp="1" noChangeArrowheads="1"/>
           </p:cNvSpPr>
@@ -14443,14 +13602,14 @@
             </a:pPr>
             <a:r>
               <a:rPr lang="en-US"/>
-              <a:t>Problems with Spinlocks</a:t>
-            </a:r>
-          </a:p>
-        </p:txBody>
-      </p:sp>
-      <p:sp>
-        <p:nvSpPr>
-          <p:cNvPr id="27654" name="Rectangle 3"/>
+              <a:t>Disabling Interrupts</a:t>
+            </a:r>
+          </a:p>
+        </p:txBody>
+      </p:sp>
+      <p:sp>
+        <p:nvSpPr>
+          <p:cNvPr id="28678" name="Rectangle 3"/>
           <p:cNvSpPr>
             <a:spLocks noGrp="1" noChangeArrowheads="1"/>
           </p:cNvSpPr>
@@ -14460,66 +13619,63 @@
         </p:nvSpPr>
         <p:spPr>
           <a:xfrm>
-            <a:off x="216000" y="878399"/>
-            <a:ext cx="8629826" cy="5333557"/>
+            <a:off x="216000" y="878400"/>
+            <a:ext cx="8699400" cy="4481513"/>
           </a:xfrm>
         </p:spPr>
         <p:txBody>
-          <a:bodyPr lIns="90000">
+          <a:bodyPr>
             <a:noAutofit/>
           </a:bodyPr>
           <a:lstStyle/>
           <a:p>
             <a:r>
               <a:rPr lang="en-US" dirty="0"/>
-              <a:t>The problem with spinlocks is that they are wasteful</a:t>
-            </a:r>
-          </a:p>
-          <a:p>
-            <a:pPr lvl="1"/>
+              <a:t>Another implementation of acquire/release is to disable interrupts:</a:t>
+            </a:r>
+          </a:p>
+          <a:p>
+            <a:endParaRPr lang="en-US" dirty="0"/>
+          </a:p>
+          <a:p>
+            <a:pPr>
+              <a:buNone/>
+            </a:pPr>
+            <a:endParaRPr lang="en-US" dirty="0"/>
+          </a:p>
+          <a:p>
+            <a:endParaRPr lang="en-US" dirty="0"/>
+          </a:p>
+          <a:p>
+            <a:endParaRPr lang="en-US" dirty="0"/>
+          </a:p>
+          <a:p>
+            <a:endParaRPr lang="en-US" dirty="0"/>
+          </a:p>
+          <a:p>
+            <a:endParaRPr lang="en-US" dirty="0"/>
+          </a:p>
+          <a:p>
             <a:r>
               <a:rPr lang="en-US" dirty="0"/>
-              <a:t>If a thread is spinning on a lock, then the thread holding the lock cannot make progress</a:t>
-            </a:r>
-          </a:p>
-          <a:p>
-            <a:r>
-              <a:rPr lang="en-US" dirty="0"/>
-              <a:t>Solution 1:</a:t>
-            </a:r>
-          </a:p>
-          <a:p>
-            <a:pPr lvl="1"/>
-            <a:r>
-              <a:rPr lang="en-US" dirty="0"/>
-              <a:t>If cannot get the lock, call thread_yield to give up the CPU </a:t>
-            </a:r>
-          </a:p>
-          <a:p>
-            <a:r>
-              <a:rPr lang="en-US" dirty="0"/>
-              <a:t>Solution 2: sleep and wakeup</a:t>
-            </a:r>
-          </a:p>
-          <a:p>
-            <a:pPr lvl="1"/>
-            <a:r>
-              <a:rPr lang="en-US" dirty="0"/>
-              <a:t>When blocked, go to sleep</a:t>
-            </a:r>
-          </a:p>
-          <a:p>
-            <a:pPr lvl="1"/>
-            <a:r>
-              <a:rPr lang="en-US" dirty="0"/>
-              <a:t>Wakeup when it is OK to retry entering the critical region</a:t>
-            </a:r>
-          </a:p>
-        </p:txBody>
-      </p:sp>
-      <p:sp>
-        <p:nvSpPr>
-          <p:cNvPr id="27652" name="Slide Number Placeholder 5"/>
+              <a:t>Note that there is no state associated with the lock</a:t>
+            </a:r>
+          </a:p>
+          <a:p>
+            <a:r>
+              <a:rPr lang="en-US" dirty="0">
+                <a:solidFill>
+                  <a:srgbClr val="D60093"/>
+                </a:solidFill>
+              </a:rPr>
+              <a:t>Can two threads disable interrupts simultaneously?</a:t>
+            </a:r>
+          </a:p>
+        </p:txBody>
+      </p:sp>
+      <p:sp>
+        <p:nvSpPr>
+          <p:cNvPr id="28676" name="Slide Number Placeholder 5"/>
           <p:cNvSpPr>
             <a:spLocks noGrp="1"/>
           </p:cNvSpPr>
@@ -14534,7 +13690,7 @@
           <a:bodyPr/>
           <a:lstStyle/>
           <a:p>
-            <a:fld id="{C9F05579-266A-044E-87CA-4FC0408014BB}" type="slidenum">
+            <a:fld id="{5BBE97F1-C262-4A4B-A910-95EA7D7916A1}" type="slidenum">
               <a:rPr lang="en-US"/>
               <a:pPr/>
               <a:t>26</a:t>
@@ -14545,7 +13701,7 @@
       </p:sp>
       <p:sp>
         <p:nvSpPr>
-          <p:cNvPr id="27651" name="Footer Placeholder 4"/>
+          <p:cNvPr id="28675" name="Footer Placeholder 4"/>
           <p:cNvSpPr>
             <a:spLocks noGrp="1"/>
           </p:cNvSpPr>
@@ -14566,6 +13722,320 @@
             </a:r>
             <a:endParaRPr lang="en-US" sz="1400" b="0">
               <a:latin typeface="Times New Roman" pitchFamily="-109" charset="0"/>
+            </a:endParaRPr>
+          </a:p>
+        </p:txBody>
+      </p:sp>
+      <p:sp>
+        <p:nvSpPr>
+          <p:cNvPr id="28679" name="Text Box 4"/>
+          <p:cNvSpPr txBox="1">
+            <a:spLocks noChangeArrowheads="1"/>
+          </p:cNvSpPr>
+          <p:nvPr/>
+        </p:nvSpPr>
+        <p:spPr bwMode="auto">
+          <a:xfrm>
+            <a:off x="2556721" y="1460988"/>
+            <a:ext cx="4101995" cy="2696123"/>
+          </a:xfrm>
+          <a:prstGeom prst="rect">
+            <a:avLst/>
+          </a:prstGeom>
+          <a:noFill/>
+          <a:ln w="9525">
+            <a:solidFill>
+              <a:schemeClr val="accent2"/>
+            </a:solidFill>
+            <a:miter lim="800000"/>
+            <a:headEnd/>
+            <a:tailEnd type="none" w="med" len="lg"/>
+          </a:ln>
+        </p:spPr>
+        <p:txBody>
+          <a:bodyPr wrap="square">
+            <a:prstTxWarp prst="textNoShape">
+              <a:avLst/>
+            </a:prstTxWarp>
+            <a:spAutoFit/>
+          </a:bodyPr>
+          <a:lstStyle/>
+          <a:p>
+            <a:pPr>
+              <a:spcBef>
+                <a:spcPct val="20000"/>
+              </a:spcBef>
+              <a:buClr>
+                <a:schemeClr val="tx1"/>
+              </a:buClr>
+              <a:buSzPct val="50000"/>
+              <a:buFont typeface="Monotype Sorts" pitchFamily="-109" charset="2"/>
+              <a:buNone/>
+            </a:pPr>
+            <a:r>
+              <a:rPr lang="en-US" b="0" dirty="0" err="1">
+                <a:solidFill>
+                  <a:schemeClr val="accent2"/>
+                </a:solidFill>
+                <a:latin typeface="Malgun Gothic" panose="020B0503020000020004" pitchFamily="34" charset="-127"/>
+                <a:ea typeface="Malgun Gothic" panose="020B0503020000020004" pitchFamily="34" charset="-127"/>
+              </a:rPr>
+              <a:t>struct</a:t>
+            </a:r>
+            <a:r>
+              <a:rPr lang="en-US" b="0" dirty="0">
+                <a:solidFill>
+                  <a:schemeClr val="accent2"/>
+                </a:solidFill>
+                <a:latin typeface="Malgun Gothic" panose="020B0503020000020004" pitchFamily="34" charset="-127"/>
+                <a:ea typeface="Malgun Gothic" panose="020B0503020000020004" pitchFamily="34" charset="-127"/>
+              </a:rPr>
+              <a:t> lock {</a:t>
+            </a:r>
+          </a:p>
+          <a:p>
+            <a:pPr>
+              <a:spcBef>
+                <a:spcPct val="20000"/>
+              </a:spcBef>
+              <a:buClr>
+                <a:schemeClr val="tx1"/>
+              </a:buClr>
+              <a:buSzPct val="50000"/>
+              <a:buFont typeface="Monotype Sorts" pitchFamily="-109" charset="2"/>
+              <a:buNone/>
+            </a:pPr>
+            <a:r>
+              <a:rPr lang="en-US" b="0" dirty="0">
+                <a:solidFill>
+                  <a:schemeClr val="accent2"/>
+                </a:solidFill>
+                <a:latin typeface="Malgun Gothic" panose="020B0503020000020004" pitchFamily="34" charset="-127"/>
+                <a:ea typeface="Malgun Gothic" panose="020B0503020000020004" pitchFamily="34" charset="-127"/>
+              </a:rPr>
+              <a:t>}</a:t>
+            </a:r>
+          </a:p>
+          <a:p>
+            <a:pPr>
+              <a:spcBef>
+                <a:spcPct val="20000"/>
+              </a:spcBef>
+              <a:buClr>
+                <a:schemeClr val="tx1"/>
+              </a:buClr>
+              <a:buSzPct val="50000"/>
+              <a:buFont typeface="Monotype Sorts" pitchFamily="-109" charset="2"/>
+              <a:buNone/>
+            </a:pPr>
+            <a:r>
+              <a:rPr lang="en-US" b="0" dirty="0">
+                <a:solidFill>
+                  <a:schemeClr val="accent2"/>
+                </a:solidFill>
+                <a:latin typeface="Malgun Gothic" panose="020B0503020000020004" pitchFamily="34" charset="-127"/>
+                <a:ea typeface="Malgun Gothic" panose="020B0503020000020004" pitchFamily="34" charset="-127"/>
+              </a:rPr>
+              <a:t>void </a:t>
+            </a:r>
+            <a:r>
+              <a:rPr lang="en-US" b="0" dirty="0">
+                <a:solidFill>
+                  <a:srgbClr val="0000FF"/>
+                </a:solidFill>
+                <a:latin typeface="Malgun Gothic" panose="020B0503020000020004" pitchFamily="34" charset="-127"/>
+                <a:ea typeface="Malgun Gothic" panose="020B0503020000020004" pitchFamily="34" charset="-127"/>
+              </a:rPr>
+              <a:t>acquire</a:t>
+            </a:r>
+            <a:r>
+              <a:rPr lang="en-US" b="0" dirty="0">
+                <a:solidFill>
+                  <a:schemeClr val="accent2"/>
+                </a:solidFill>
+                <a:latin typeface="Malgun Gothic" panose="020B0503020000020004" pitchFamily="34" charset="-127"/>
+                <a:ea typeface="Malgun Gothic" panose="020B0503020000020004" pitchFamily="34" charset="-127"/>
+              </a:rPr>
+              <a:t> (lock) {</a:t>
+            </a:r>
+          </a:p>
+          <a:p>
+            <a:pPr>
+              <a:spcBef>
+                <a:spcPct val="20000"/>
+              </a:spcBef>
+              <a:buClr>
+                <a:schemeClr val="tx1"/>
+              </a:buClr>
+              <a:buSzPct val="50000"/>
+              <a:buFont typeface="Monotype Sorts" pitchFamily="-109" charset="2"/>
+              <a:buNone/>
+            </a:pPr>
+            <a:r>
+              <a:rPr lang="en-US" b="0" dirty="0">
+                <a:solidFill>
+                  <a:schemeClr val="accent2"/>
+                </a:solidFill>
+                <a:latin typeface="Malgun Gothic" panose="020B0503020000020004" pitchFamily="34" charset="-127"/>
+                <a:ea typeface="Malgun Gothic" panose="020B0503020000020004" pitchFamily="34" charset="-127"/>
+              </a:rPr>
+              <a:t>    </a:t>
+            </a:r>
+            <a:r>
+              <a:rPr lang="en-US" b="0" i="1" dirty="0">
+                <a:solidFill>
+                  <a:schemeClr val="accent2"/>
+                </a:solidFill>
+                <a:latin typeface="Malgun Gothic" panose="020B0503020000020004" pitchFamily="34" charset="-127"/>
+                <a:ea typeface="Malgun Gothic" panose="020B0503020000020004" pitchFamily="34" charset="-127"/>
+              </a:rPr>
+              <a:t>disable interrupts</a:t>
+            </a:r>
+            <a:r>
+              <a:rPr lang="en-US" b="0" dirty="0">
+                <a:solidFill>
+                  <a:schemeClr val="accent2"/>
+                </a:solidFill>
+                <a:latin typeface="Malgun Gothic" panose="020B0503020000020004" pitchFamily="34" charset="-127"/>
+                <a:ea typeface="Malgun Gothic" panose="020B0503020000020004" pitchFamily="34" charset="-127"/>
+              </a:rPr>
+              <a:t>;</a:t>
+            </a:r>
+          </a:p>
+          <a:p>
+            <a:pPr>
+              <a:spcBef>
+                <a:spcPct val="20000"/>
+              </a:spcBef>
+              <a:buClr>
+                <a:schemeClr val="tx1"/>
+              </a:buClr>
+              <a:buSzPct val="50000"/>
+              <a:buFont typeface="Monotype Sorts" pitchFamily="-109" charset="2"/>
+              <a:buNone/>
+            </a:pPr>
+            <a:r>
+              <a:rPr lang="en-US" b="0" dirty="0">
+                <a:solidFill>
+                  <a:schemeClr val="accent2"/>
+                </a:solidFill>
+                <a:latin typeface="Malgun Gothic" panose="020B0503020000020004" pitchFamily="34" charset="-127"/>
+                <a:ea typeface="Malgun Gothic" panose="020B0503020000020004" pitchFamily="34" charset="-127"/>
+              </a:rPr>
+              <a:t>}</a:t>
+            </a:r>
+          </a:p>
+          <a:p>
+            <a:pPr>
+              <a:spcBef>
+                <a:spcPct val="20000"/>
+              </a:spcBef>
+              <a:buClr>
+                <a:schemeClr val="tx1"/>
+              </a:buClr>
+              <a:buSzPct val="50000"/>
+              <a:buFont typeface="Monotype Sorts" pitchFamily="-109" charset="2"/>
+              <a:buNone/>
+            </a:pPr>
+            <a:r>
+              <a:rPr lang="en-US" b="0" dirty="0">
+                <a:solidFill>
+                  <a:schemeClr val="accent2"/>
+                </a:solidFill>
+                <a:latin typeface="Malgun Gothic" panose="020B0503020000020004" pitchFamily="34" charset="-127"/>
+                <a:ea typeface="Malgun Gothic" panose="020B0503020000020004" pitchFamily="34" charset="-127"/>
+              </a:rPr>
+              <a:t>void </a:t>
+            </a:r>
+            <a:r>
+              <a:rPr lang="en-US" b="0" dirty="0">
+                <a:solidFill>
+                  <a:srgbClr val="0000FF"/>
+                </a:solidFill>
+                <a:latin typeface="Malgun Gothic" panose="020B0503020000020004" pitchFamily="34" charset="-127"/>
+                <a:ea typeface="Malgun Gothic" panose="020B0503020000020004" pitchFamily="34" charset="-127"/>
+              </a:rPr>
+              <a:t>release</a:t>
+            </a:r>
+            <a:r>
+              <a:rPr lang="en-US" b="0" dirty="0">
+                <a:solidFill>
+                  <a:schemeClr val="accent2"/>
+                </a:solidFill>
+                <a:latin typeface="Malgun Gothic" panose="020B0503020000020004" pitchFamily="34" charset="-127"/>
+                <a:ea typeface="Malgun Gothic" panose="020B0503020000020004" pitchFamily="34" charset="-127"/>
+              </a:rPr>
+              <a:t> (lock) {</a:t>
+            </a:r>
+          </a:p>
+          <a:p>
+            <a:pPr>
+              <a:spcBef>
+                <a:spcPct val="20000"/>
+              </a:spcBef>
+              <a:buClr>
+                <a:schemeClr val="tx1"/>
+              </a:buClr>
+              <a:buSzPct val="50000"/>
+              <a:buFont typeface="Monotype Sorts" pitchFamily="-109" charset="2"/>
+              <a:buNone/>
+            </a:pPr>
+            <a:r>
+              <a:rPr lang="en-US" b="0" dirty="0">
+                <a:solidFill>
+                  <a:schemeClr val="accent2"/>
+                </a:solidFill>
+                <a:latin typeface="Malgun Gothic" panose="020B0503020000020004" pitchFamily="34" charset="-127"/>
+                <a:ea typeface="Malgun Gothic" panose="020B0503020000020004" pitchFamily="34" charset="-127"/>
+              </a:rPr>
+              <a:t>    </a:t>
+            </a:r>
+            <a:r>
+              <a:rPr lang="en-US" b="0" i="1" dirty="0">
+                <a:solidFill>
+                  <a:schemeClr val="accent2"/>
+                </a:solidFill>
+                <a:latin typeface="Malgun Gothic" panose="020B0503020000020004" pitchFamily="34" charset="-127"/>
+                <a:ea typeface="Malgun Gothic" panose="020B0503020000020004" pitchFamily="34" charset="-127"/>
+              </a:rPr>
+              <a:t>enable interrupts</a:t>
+            </a:r>
+            <a:r>
+              <a:rPr lang="en-US" b="0" dirty="0">
+                <a:solidFill>
+                  <a:schemeClr val="accent2"/>
+                </a:solidFill>
+                <a:latin typeface="Malgun Gothic" panose="020B0503020000020004" pitchFamily="34" charset="-127"/>
+                <a:ea typeface="Malgun Gothic" panose="020B0503020000020004" pitchFamily="34" charset="-127"/>
+              </a:rPr>
+              <a:t>;</a:t>
+            </a:r>
+          </a:p>
+          <a:p>
+            <a:pPr>
+              <a:spcBef>
+                <a:spcPct val="20000"/>
+              </a:spcBef>
+              <a:buClr>
+                <a:schemeClr val="tx1"/>
+              </a:buClr>
+              <a:buSzPct val="50000"/>
+              <a:buFont typeface="Monotype Sorts" pitchFamily="-109" charset="2"/>
+              <a:buNone/>
+            </a:pPr>
+            <a:r>
+              <a:rPr lang="en-US" b="0" dirty="0">
+                <a:solidFill>
+                  <a:schemeClr val="accent2"/>
+                </a:solidFill>
+                <a:latin typeface="Malgun Gothic" panose="020B0503020000020004" pitchFamily="34" charset="-127"/>
+                <a:ea typeface="Malgun Gothic" panose="020B0503020000020004" pitchFamily="34" charset="-127"/>
+              </a:rPr>
+              <a:t>}</a:t>
+            </a:r>
+            <a:endParaRPr lang="en-US" sz="1000" dirty="0">
+              <a:latin typeface="Malgun Gothic" panose="020B0503020000020004" pitchFamily="34" charset="-127"/>
+              <a:ea typeface="Malgun Gothic" panose="020B0503020000020004" pitchFamily="34" charset="-127"/>
             </a:endParaRPr>
           </a:p>
         </p:txBody>
@@ -14597,7 +14067,7 @@
       </p:grpSpPr>
       <p:sp>
         <p:nvSpPr>
-          <p:cNvPr id="361474" name="Rectangle 2"/>
+          <p:cNvPr id="362498" name="Rectangle 2"/>
           <p:cNvSpPr>
             <a:spLocks noGrp="1" noChangeArrowheads="1"/>
           </p:cNvSpPr>
@@ -14615,14 +14085,14 @@
             </a:pPr>
             <a:r>
               <a:rPr lang="en-US"/>
-              <a:t>Disabling Interrupts</a:t>
-            </a:r>
-          </a:p>
-        </p:txBody>
-      </p:sp>
-      <p:sp>
-        <p:nvSpPr>
-          <p:cNvPr id="28678" name="Rectangle 3"/>
+              <a:t>On Disabling Interrupts</a:t>
+            </a:r>
+          </a:p>
+        </p:txBody>
+      </p:sp>
+      <p:sp>
+        <p:nvSpPr>
+          <p:cNvPr id="29702" name="Rectangle 3"/>
           <p:cNvSpPr>
             <a:spLocks noGrp="1" noChangeArrowheads="1"/>
           </p:cNvSpPr>
@@ -14633,7 +14103,7 @@
         <p:spPr>
           <a:xfrm>
             <a:off x="216000" y="878400"/>
-            <a:ext cx="8699400" cy="4481513"/>
+            <a:ext cx="8649704" cy="4648200"/>
           </a:xfrm>
         </p:spPr>
         <p:txBody>
@@ -14642,53 +14112,49 @@
           </a:bodyPr>
           <a:lstStyle/>
           <a:p>
+            <a:pPr latinLnBrk="0"/>
             <a:r>
               <a:rPr lang="en-US" dirty="0"/>
-              <a:t>Another implementation of acquire/release is to disable interrupts:</a:t>
-            </a:r>
-          </a:p>
-          <a:p>
-            <a:endParaRPr lang="en-US" dirty="0"/>
-          </a:p>
-          <a:p>
-            <a:pPr>
-              <a:buNone/>
-            </a:pPr>
-            <a:endParaRPr lang="en-US" dirty="0"/>
-          </a:p>
-          <a:p>
-            <a:endParaRPr lang="en-US" dirty="0"/>
-          </a:p>
-          <a:p>
-            <a:endParaRPr lang="en-US" dirty="0"/>
-          </a:p>
-          <a:p>
-            <a:endParaRPr lang="en-US" dirty="0"/>
-          </a:p>
-          <a:p>
-            <a:endParaRPr lang="en-US" dirty="0"/>
-          </a:p>
-          <a:p>
+              <a:t>Disabling interrupts blocks notifications of external events that could trigger a context switch (e.g., timer)</a:t>
+            </a:r>
+          </a:p>
+          <a:p>
+            <a:pPr latinLnBrk="0"/>
             <a:r>
               <a:rPr lang="en-US" dirty="0"/>
-              <a:t>Note that there is no state associated with the lock</a:t>
-            </a:r>
-          </a:p>
-          <a:p>
+              <a:t>In a “real” system, this is only available to the kernel</a:t>
+            </a:r>
+          </a:p>
+          <a:p>
+            <a:pPr lvl="1"/>
+            <a:r>
+              <a:rPr lang="en-US" dirty="0"/>
+              <a:t>Why?</a:t>
+            </a:r>
+          </a:p>
+          <a:p>
+            <a:pPr latinLnBrk="0"/>
             <a:r>
               <a:rPr lang="en-US" dirty="0">
                 <a:solidFill>
-                  <a:srgbClr val="D60093"/>
-                </a:solidFill>
-              </a:rPr>
-              <a:t>Can two threads disable interrupts simultaneously?</a:t>
-            </a:r>
-          </a:p>
-        </p:txBody>
-      </p:sp>
-      <p:sp>
-        <p:nvSpPr>
-          <p:cNvPr id="28676" name="Slide Number Placeholder 5"/>
+                  <a:srgbClr val="FF3300"/>
+                </a:solidFill>
+              </a:rPr>
+              <a:t>Disabling interrupts is insufficient on a multiprocessor</a:t>
+            </a:r>
+          </a:p>
+          <a:p>
+            <a:pPr lvl="1"/>
+            <a:r>
+              <a:rPr lang="en-US" dirty="0"/>
+              <a:t>Back to atomic instructions</a:t>
+            </a:r>
+          </a:p>
+        </p:txBody>
+      </p:sp>
+      <p:sp>
+        <p:nvSpPr>
+          <p:cNvPr id="29700" name="Slide Number Placeholder 5"/>
           <p:cNvSpPr>
             <a:spLocks noGrp="1"/>
           </p:cNvSpPr>
@@ -14703,7 +14169,7 @@
           <a:bodyPr/>
           <a:lstStyle/>
           <a:p>
-            <a:fld id="{5BBE97F1-C262-4A4B-A910-95EA7D7916A1}" type="slidenum">
+            <a:fld id="{DD60B4A6-9B36-8B44-A072-98248B48FCFB}" type="slidenum">
               <a:rPr lang="en-US"/>
               <a:pPr/>
               <a:t>27</a:t>
@@ -14714,7 +14180,7 @@
       </p:sp>
       <p:sp>
         <p:nvSpPr>
-          <p:cNvPr id="28675" name="Footer Placeholder 4"/>
+          <p:cNvPr id="29699" name="Footer Placeholder 4"/>
           <p:cNvSpPr>
             <a:spLocks noGrp="1"/>
           </p:cNvSpPr>
@@ -14735,320 +14201,6 @@
             </a:r>
             <a:endParaRPr lang="en-US" sz="1400" b="0">
               <a:latin typeface="Times New Roman" pitchFamily="-109" charset="0"/>
-            </a:endParaRPr>
-          </a:p>
-        </p:txBody>
-      </p:sp>
-      <p:sp>
-        <p:nvSpPr>
-          <p:cNvPr id="28679" name="Text Box 4"/>
-          <p:cNvSpPr txBox="1">
-            <a:spLocks noChangeArrowheads="1"/>
-          </p:cNvSpPr>
-          <p:nvPr/>
-        </p:nvSpPr>
-        <p:spPr bwMode="auto">
-          <a:xfrm>
-            <a:off x="2556721" y="1460988"/>
-            <a:ext cx="4101995" cy="2696123"/>
-          </a:xfrm>
-          <a:prstGeom prst="rect">
-            <a:avLst/>
-          </a:prstGeom>
-          <a:noFill/>
-          <a:ln w="9525">
-            <a:solidFill>
-              <a:schemeClr val="accent2"/>
-            </a:solidFill>
-            <a:miter lim="800000"/>
-            <a:headEnd/>
-            <a:tailEnd type="none" w="med" len="lg"/>
-          </a:ln>
-        </p:spPr>
-        <p:txBody>
-          <a:bodyPr wrap="square">
-            <a:prstTxWarp prst="textNoShape">
-              <a:avLst/>
-            </a:prstTxWarp>
-            <a:spAutoFit/>
-          </a:bodyPr>
-          <a:lstStyle/>
-          <a:p>
-            <a:pPr>
-              <a:spcBef>
-                <a:spcPct val="20000"/>
-              </a:spcBef>
-              <a:buClr>
-                <a:schemeClr val="tx1"/>
-              </a:buClr>
-              <a:buSzPct val="50000"/>
-              <a:buFont typeface="Monotype Sorts" pitchFamily="-109" charset="2"/>
-              <a:buNone/>
-            </a:pPr>
-            <a:r>
-              <a:rPr lang="en-US" b="0" dirty="0" err="1">
-                <a:solidFill>
-                  <a:schemeClr val="accent2"/>
-                </a:solidFill>
-                <a:latin typeface="Malgun Gothic" panose="020B0503020000020004" pitchFamily="34" charset="-127"/>
-                <a:ea typeface="Malgun Gothic" panose="020B0503020000020004" pitchFamily="34" charset="-127"/>
-              </a:rPr>
-              <a:t>struct</a:t>
-            </a:r>
-            <a:r>
-              <a:rPr lang="en-US" b="0" dirty="0">
-                <a:solidFill>
-                  <a:schemeClr val="accent2"/>
-                </a:solidFill>
-                <a:latin typeface="Malgun Gothic" panose="020B0503020000020004" pitchFamily="34" charset="-127"/>
-                <a:ea typeface="Malgun Gothic" panose="020B0503020000020004" pitchFamily="34" charset="-127"/>
-              </a:rPr>
-              <a:t> lock {</a:t>
-            </a:r>
-          </a:p>
-          <a:p>
-            <a:pPr>
-              <a:spcBef>
-                <a:spcPct val="20000"/>
-              </a:spcBef>
-              <a:buClr>
-                <a:schemeClr val="tx1"/>
-              </a:buClr>
-              <a:buSzPct val="50000"/>
-              <a:buFont typeface="Monotype Sorts" pitchFamily="-109" charset="2"/>
-              <a:buNone/>
-            </a:pPr>
-            <a:r>
-              <a:rPr lang="en-US" b="0" dirty="0">
-                <a:solidFill>
-                  <a:schemeClr val="accent2"/>
-                </a:solidFill>
-                <a:latin typeface="Malgun Gothic" panose="020B0503020000020004" pitchFamily="34" charset="-127"/>
-                <a:ea typeface="Malgun Gothic" panose="020B0503020000020004" pitchFamily="34" charset="-127"/>
-              </a:rPr>
-              <a:t>}</a:t>
-            </a:r>
-          </a:p>
-          <a:p>
-            <a:pPr>
-              <a:spcBef>
-                <a:spcPct val="20000"/>
-              </a:spcBef>
-              <a:buClr>
-                <a:schemeClr val="tx1"/>
-              </a:buClr>
-              <a:buSzPct val="50000"/>
-              <a:buFont typeface="Monotype Sorts" pitchFamily="-109" charset="2"/>
-              <a:buNone/>
-            </a:pPr>
-            <a:r>
-              <a:rPr lang="en-US" b="0" dirty="0">
-                <a:solidFill>
-                  <a:schemeClr val="accent2"/>
-                </a:solidFill>
-                <a:latin typeface="Malgun Gothic" panose="020B0503020000020004" pitchFamily="34" charset="-127"/>
-                <a:ea typeface="Malgun Gothic" panose="020B0503020000020004" pitchFamily="34" charset="-127"/>
-              </a:rPr>
-              <a:t>void </a:t>
-            </a:r>
-            <a:r>
-              <a:rPr lang="en-US" b="0" dirty="0">
-                <a:solidFill>
-                  <a:srgbClr val="0000FF"/>
-                </a:solidFill>
-                <a:latin typeface="Malgun Gothic" panose="020B0503020000020004" pitchFamily="34" charset="-127"/>
-                <a:ea typeface="Malgun Gothic" panose="020B0503020000020004" pitchFamily="34" charset="-127"/>
-              </a:rPr>
-              <a:t>acquire</a:t>
-            </a:r>
-            <a:r>
-              <a:rPr lang="en-US" b="0" dirty="0">
-                <a:solidFill>
-                  <a:schemeClr val="accent2"/>
-                </a:solidFill>
-                <a:latin typeface="Malgun Gothic" panose="020B0503020000020004" pitchFamily="34" charset="-127"/>
-                <a:ea typeface="Malgun Gothic" panose="020B0503020000020004" pitchFamily="34" charset="-127"/>
-              </a:rPr>
-              <a:t> (lock) {</a:t>
-            </a:r>
-          </a:p>
-          <a:p>
-            <a:pPr>
-              <a:spcBef>
-                <a:spcPct val="20000"/>
-              </a:spcBef>
-              <a:buClr>
-                <a:schemeClr val="tx1"/>
-              </a:buClr>
-              <a:buSzPct val="50000"/>
-              <a:buFont typeface="Monotype Sorts" pitchFamily="-109" charset="2"/>
-              <a:buNone/>
-            </a:pPr>
-            <a:r>
-              <a:rPr lang="en-US" b="0" dirty="0">
-                <a:solidFill>
-                  <a:schemeClr val="accent2"/>
-                </a:solidFill>
-                <a:latin typeface="Malgun Gothic" panose="020B0503020000020004" pitchFamily="34" charset="-127"/>
-                <a:ea typeface="Malgun Gothic" panose="020B0503020000020004" pitchFamily="34" charset="-127"/>
-              </a:rPr>
-              <a:t>    </a:t>
-            </a:r>
-            <a:r>
-              <a:rPr lang="en-US" b="0" i="1" dirty="0">
-                <a:solidFill>
-                  <a:schemeClr val="accent2"/>
-                </a:solidFill>
-                <a:latin typeface="Malgun Gothic" panose="020B0503020000020004" pitchFamily="34" charset="-127"/>
-                <a:ea typeface="Malgun Gothic" panose="020B0503020000020004" pitchFamily="34" charset="-127"/>
-              </a:rPr>
-              <a:t>disable interrupts</a:t>
-            </a:r>
-            <a:r>
-              <a:rPr lang="en-US" b="0" dirty="0">
-                <a:solidFill>
-                  <a:schemeClr val="accent2"/>
-                </a:solidFill>
-                <a:latin typeface="Malgun Gothic" panose="020B0503020000020004" pitchFamily="34" charset="-127"/>
-                <a:ea typeface="Malgun Gothic" panose="020B0503020000020004" pitchFamily="34" charset="-127"/>
-              </a:rPr>
-              <a:t>;</a:t>
-            </a:r>
-          </a:p>
-          <a:p>
-            <a:pPr>
-              <a:spcBef>
-                <a:spcPct val="20000"/>
-              </a:spcBef>
-              <a:buClr>
-                <a:schemeClr val="tx1"/>
-              </a:buClr>
-              <a:buSzPct val="50000"/>
-              <a:buFont typeface="Monotype Sorts" pitchFamily="-109" charset="2"/>
-              <a:buNone/>
-            </a:pPr>
-            <a:r>
-              <a:rPr lang="en-US" b="0" dirty="0">
-                <a:solidFill>
-                  <a:schemeClr val="accent2"/>
-                </a:solidFill>
-                <a:latin typeface="Malgun Gothic" panose="020B0503020000020004" pitchFamily="34" charset="-127"/>
-                <a:ea typeface="Malgun Gothic" panose="020B0503020000020004" pitchFamily="34" charset="-127"/>
-              </a:rPr>
-              <a:t>}</a:t>
-            </a:r>
-          </a:p>
-          <a:p>
-            <a:pPr>
-              <a:spcBef>
-                <a:spcPct val="20000"/>
-              </a:spcBef>
-              <a:buClr>
-                <a:schemeClr val="tx1"/>
-              </a:buClr>
-              <a:buSzPct val="50000"/>
-              <a:buFont typeface="Monotype Sorts" pitchFamily="-109" charset="2"/>
-              <a:buNone/>
-            </a:pPr>
-            <a:r>
-              <a:rPr lang="en-US" b="0" dirty="0">
-                <a:solidFill>
-                  <a:schemeClr val="accent2"/>
-                </a:solidFill>
-                <a:latin typeface="Malgun Gothic" panose="020B0503020000020004" pitchFamily="34" charset="-127"/>
-                <a:ea typeface="Malgun Gothic" panose="020B0503020000020004" pitchFamily="34" charset="-127"/>
-              </a:rPr>
-              <a:t>void </a:t>
-            </a:r>
-            <a:r>
-              <a:rPr lang="en-US" b="0" dirty="0">
-                <a:solidFill>
-                  <a:srgbClr val="0000FF"/>
-                </a:solidFill>
-                <a:latin typeface="Malgun Gothic" panose="020B0503020000020004" pitchFamily="34" charset="-127"/>
-                <a:ea typeface="Malgun Gothic" panose="020B0503020000020004" pitchFamily="34" charset="-127"/>
-              </a:rPr>
-              <a:t>release</a:t>
-            </a:r>
-            <a:r>
-              <a:rPr lang="en-US" b="0" dirty="0">
-                <a:solidFill>
-                  <a:schemeClr val="accent2"/>
-                </a:solidFill>
-                <a:latin typeface="Malgun Gothic" panose="020B0503020000020004" pitchFamily="34" charset="-127"/>
-                <a:ea typeface="Malgun Gothic" panose="020B0503020000020004" pitchFamily="34" charset="-127"/>
-              </a:rPr>
-              <a:t> (lock) {</a:t>
-            </a:r>
-          </a:p>
-          <a:p>
-            <a:pPr>
-              <a:spcBef>
-                <a:spcPct val="20000"/>
-              </a:spcBef>
-              <a:buClr>
-                <a:schemeClr val="tx1"/>
-              </a:buClr>
-              <a:buSzPct val="50000"/>
-              <a:buFont typeface="Monotype Sorts" pitchFamily="-109" charset="2"/>
-              <a:buNone/>
-            </a:pPr>
-            <a:r>
-              <a:rPr lang="en-US" b="0" dirty="0">
-                <a:solidFill>
-                  <a:schemeClr val="accent2"/>
-                </a:solidFill>
-                <a:latin typeface="Malgun Gothic" panose="020B0503020000020004" pitchFamily="34" charset="-127"/>
-                <a:ea typeface="Malgun Gothic" panose="020B0503020000020004" pitchFamily="34" charset="-127"/>
-              </a:rPr>
-              <a:t>    </a:t>
-            </a:r>
-            <a:r>
-              <a:rPr lang="en-US" b="0" i="1" dirty="0">
-                <a:solidFill>
-                  <a:schemeClr val="accent2"/>
-                </a:solidFill>
-                <a:latin typeface="Malgun Gothic" panose="020B0503020000020004" pitchFamily="34" charset="-127"/>
-                <a:ea typeface="Malgun Gothic" panose="020B0503020000020004" pitchFamily="34" charset="-127"/>
-              </a:rPr>
-              <a:t>enable interrupts</a:t>
-            </a:r>
-            <a:r>
-              <a:rPr lang="en-US" b="0" dirty="0">
-                <a:solidFill>
-                  <a:schemeClr val="accent2"/>
-                </a:solidFill>
-                <a:latin typeface="Malgun Gothic" panose="020B0503020000020004" pitchFamily="34" charset="-127"/>
-                <a:ea typeface="Malgun Gothic" panose="020B0503020000020004" pitchFamily="34" charset="-127"/>
-              </a:rPr>
-              <a:t>;</a:t>
-            </a:r>
-          </a:p>
-          <a:p>
-            <a:pPr>
-              <a:spcBef>
-                <a:spcPct val="20000"/>
-              </a:spcBef>
-              <a:buClr>
-                <a:schemeClr val="tx1"/>
-              </a:buClr>
-              <a:buSzPct val="50000"/>
-              <a:buFont typeface="Monotype Sorts" pitchFamily="-109" charset="2"/>
-              <a:buNone/>
-            </a:pPr>
-            <a:r>
-              <a:rPr lang="en-US" b="0" dirty="0">
-                <a:solidFill>
-                  <a:schemeClr val="accent2"/>
-                </a:solidFill>
-                <a:latin typeface="Malgun Gothic" panose="020B0503020000020004" pitchFamily="34" charset="-127"/>
-                <a:ea typeface="Malgun Gothic" panose="020B0503020000020004" pitchFamily="34" charset="-127"/>
-              </a:rPr>
-              <a:t>}</a:t>
-            </a:r>
-            <a:endParaRPr lang="en-US" sz="1000" dirty="0">
-              <a:latin typeface="Malgun Gothic" panose="020B0503020000020004" pitchFamily="34" charset="-127"/>
-              <a:ea typeface="Malgun Gothic" panose="020B0503020000020004" pitchFamily="34" charset="-127"/>
             </a:endParaRPr>
           </a:p>
         </p:txBody>
@@ -15080,171 +14232,6 @@
       </p:grpSpPr>
       <p:sp>
         <p:nvSpPr>
-          <p:cNvPr id="362498" name="Rectangle 2"/>
-          <p:cNvSpPr>
-            <a:spLocks noGrp="1" noChangeArrowheads="1"/>
-          </p:cNvSpPr>
-          <p:nvPr>
-            <p:ph type="title"/>
-          </p:nvPr>
-        </p:nvSpPr>
-        <p:spPr/>
-        <p:txBody>
-          <a:bodyPr/>
-          <a:lstStyle/>
-          <a:p>
-            <a:pPr>
-              <a:defRPr/>
-            </a:pPr>
-            <a:r>
-              <a:rPr lang="en-US"/>
-              <a:t>On Disabling Interrupts</a:t>
-            </a:r>
-          </a:p>
-        </p:txBody>
-      </p:sp>
-      <p:sp>
-        <p:nvSpPr>
-          <p:cNvPr id="29702" name="Rectangle 3"/>
-          <p:cNvSpPr>
-            <a:spLocks noGrp="1" noChangeArrowheads="1"/>
-          </p:cNvSpPr>
-          <p:nvPr>
-            <p:ph idx="1"/>
-          </p:nvPr>
-        </p:nvSpPr>
-        <p:spPr>
-          <a:xfrm>
-            <a:off x="216000" y="878400"/>
-            <a:ext cx="8649704" cy="4648200"/>
-          </a:xfrm>
-        </p:spPr>
-        <p:txBody>
-          <a:bodyPr>
-            <a:noAutofit/>
-          </a:bodyPr>
-          <a:lstStyle/>
-          <a:p>
-            <a:pPr latinLnBrk="0"/>
-            <a:r>
-              <a:rPr lang="en-US" dirty="0"/>
-              <a:t>Disabling interrupts blocks notifications of external events that could trigger a context switch (e.g., timer)</a:t>
-            </a:r>
-          </a:p>
-          <a:p>
-            <a:pPr latinLnBrk="0"/>
-            <a:r>
-              <a:rPr lang="en-US" dirty="0"/>
-              <a:t>In a “real” system, this is only available to the kernel</a:t>
-            </a:r>
-          </a:p>
-          <a:p>
-            <a:pPr lvl="1"/>
-            <a:r>
-              <a:rPr lang="en-US" dirty="0"/>
-              <a:t>Why?</a:t>
-            </a:r>
-          </a:p>
-          <a:p>
-            <a:pPr latinLnBrk="0"/>
-            <a:r>
-              <a:rPr lang="en-US" dirty="0">
-                <a:solidFill>
-                  <a:srgbClr val="FF3300"/>
-                </a:solidFill>
-              </a:rPr>
-              <a:t>Disabling interrupts is insufficient on a multiprocessor</a:t>
-            </a:r>
-          </a:p>
-          <a:p>
-            <a:pPr lvl="1"/>
-            <a:r>
-              <a:rPr lang="en-US" dirty="0"/>
-              <a:t>Back to atomic instructions</a:t>
-            </a:r>
-          </a:p>
-        </p:txBody>
-      </p:sp>
-      <p:sp>
-        <p:nvSpPr>
-          <p:cNvPr id="29700" name="Slide Number Placeholder 5"/>
-          <p:cNvSpPr>
-            <a:spLocks noGrp="1"/>
-          </p:cNvSpPr>
-          <p:nvPr>
-            <p:ph type="sldNum" sz="quarter" idx="11"/>
-          </p:nvPr>
-        </p:nvSpPr>
-        <p:spPr>
-          <a:noFill/>
-        </p:spPr>
-        <p:txBody>
-          <a:bodyPr/>
-          <a:lstStyle/>
-          <a:p>
-            <a:fld id="{DD60B4A6-9B36-8B44-A072-98248B48FCFB}" type="slidenum">
-              <a:rPr lang="en-US"/>
-              <a:pPr/>
-              <a:t>28</a:t>
-            </a:fld>
-            <a:endParaRPr lang="en-US"/>
-          </a:p>
-        </p:txBody>
-      </p:sp>
-      <p:sp>
-        <p:nvSpPr>
-          <p:cNvPr id="29699" name="Footer Placeholder 4"/>
-          <p:cNvSpPr>
-            <a:spLocks noGrp="1"/>
-          </p:cNvSpPr>
-          <p:nvPr>
-            <p:ph type="ftr" sz="quarter" idx="3"/>
-          </p:nvPr>
-        </p:nvSpPr>
-        <p:spPr>
-          <a:noFill/>
-        </p:spPr>
-        <p:txBody>
-          <a:bodyPr/>
-          <a:lstStyle/>
-          <a:p>
-            <a:r>
-              <a:rPr lang="en-US"/>
-              <a:t>CSCI 3150</a:t>
-            </a:r>
-            <a:endParaRPr lang="en-US" sz="1400" b="0">
-              <a:latin typeface="Times New Roman" pitchFamily="-109" charset="0"/>
-            </a:endParaRPr>
-          </a:p>
-        </p:txBody>
-      </p:sp>
-    </p:spTree>
-  </p:cSld>
-  <p:clrMapOvr>
-    <a:masterClrMapping/>
-  </p:clrMapOvr>
-</p:sld>
-</file>
-
-<file path=ppt/slides/slide29.xml><?xml version="1.0" encoding="utf-8"?>
-<p:sld xmlns:a="http://schemas.openxmlformats.org/drawingml/2006/main" xmlns:r="http://schemas.openxmlformats.org/officeDocument/2006/relationships" xmlns:p="http://schemas.openxmlformats.org/presentationml/2006/main">
-  <p:cSld>
-    <p:spTree>
-      <p:nvGrpSpPr>
-        <p:cNvPr id="1" name=""/>
-        <p:cNvGrpSpPr/>
-        <p:nvPr/>
-      </p:nvGrpSpPr>
-      <p:grpSpPr>
-        <a:xfrm>
-          <a:off x="0" y="0"/>
-          <a:ext cx="0" cy="0"/>
-          <a:chOff x="0" y="0"/>
-          <a:chExt cx="0" cy="0"/>
-        </a:xfrm>
-      </p:grpSpPr>
-      <p:sp>
-        <p:nvSpPr>
           <p:cNvPr id="2" name="Title 1"/>
           <p:cNvSpPr>
             <a:spLocks noGrp="1"/>
@@ -15391,7 +14378,7 @@
             <a:fld id="{5BCC3F0E-9362-6D47-9781-DB401EE9B6B9}" type="slidenum">
               <a:rPr lang="en-US" smtClean="0"/>
               <a:pPr/>
-              <a:t>29</a:t>
+              <a:t>28</a:t>
             </a:fld>
             <a:endParaRPr lang="en-US"/>
           </a:p>
@@ -15602,7 +14589,7 @@
 </p:sld>
 </file>
 
-<file path=ppt/slides/slide3.xml><?xml version="1.0" encoding="utf-8"?>
+<file path=ppt/slides/slide29.xml><?xml version="1.0" encoding="utf-8"?>
 <p:sld xmlns:a="http://schemas.openxmlformats.org/drawingml/2006/main" xmlns:r="http://schemas.openxmlformats.org/officeDocument/2006/relationships" xmlns:p="http://schemas.openxmlformats.org/presentationml/2006/main">
   <p:cSld>
     <p:spTree>
@@ -15621,397 +14608,6 @@
       </p:grpSpPr>
       <p:sp>
         <p:nvSpPr>
-          <p:cNvPr id="2" name="Title 1"/>
-          <p:cNvSpPr>
-            <a:spLocks noGrp="1"/>
-          </p:cNvSpPr>
-          <p:nvPr>
-            <p:ph type="title"/>
-          </p:nvPr>
-        </p:nvSpPr>
-        <p:spPr/>
-        <p:txBody>
-          <a:bodyPr/>
-          <a:lstStyle/>
-          <a:p>
-            <a:r>
-              <a:rPr lang="en-US" dirty="0"/>
-              <a:t>A simple game</a:t>
-            </a:r>
-          </a:p>
-        </p:txBody>
-      </p:sp>
-      <p:sp>
-        <p:nvSpPr>
-          <p:cNvPr id="3" name="Content Placeholder 2"/>
-          <p:cNvSpPr>
-            <a:spLocks noGrp="1"/>
-          </p:cNvSpPr>
-          <p:nvPr>
-            <p:ph idx="1"/>
-          </p:nvPr>
-        </p:nvSpPr>
-        <p:spPr>
-          <a:xfrm>
-            <a:off x="216000" y="878400"/>
-            <a:ext cx="8629826" cy="4939218"/>
-          </a:xfrm>
-        </p:spPr>
-        <p:txBody>
-          <a:bodyPr>
-            <a:noAutofit/>
-          </a:bodyPr>
-          <a:lstStyle/>
-          <a:p>
-            <a:r>
-              <a:rPr lang="en-US" dirty="0"/>
-              <a:t>Two volunteers to play two threads</a:t>
-            </a:r>
-          </a:p>
-          <a:p>
-            <a:pPr lvl="1"/>
-            <a:r>
-              <a:rPr lang="en-US" dirty="0"/>
-              <a:t>Producer: produce 1 </a:t>
-            </a:r>
-            <a:r>
-              <a:rPr lang="en-US" altLang="zh-CN" dirty="0"/>
-              <a:t>cookie</a:t>
-            </a:r>
-            <a:r>
-              <a:rPr lang="zh-CN" altLang="en-US" dirty="0"/>
-              <a:t> </a:t>
-            </a:r>
-            <a:r>
-              <a:rPr lang="en-US" dirty="0"/>
-              <a:t>per iteration</a:t>
-            </a:r>
-          </a:p>
-          <a:p>
-            <a:pPr lvl="2"/>
-            <a:r>
-              <a:rPr lang="en-US" dirty="0"/>
-              <a:t>Step1: increment the counter on the board</a:t>
-            </a:r>
-          </a:p>
-          <a:p>
-            <a:pPr lvl="2"/>
-            <a:r>
-              <a:rPr lang="en-US" dirty="0"/>
-              <a:t>Step2: put one </a:t>
-            </a:r>
-            <a:r>
-              <a:rPr lang="en-US" altLang="zh-CN" dirty="0"/>
-              <a:t>cookie</a:t>
-            </a:r>
-            <a:r>
-              <a:rPr lang="zh-CN" altLang="en-US" dirty="0"/>
-              <a:t> </a:t>
-            </a:r>
-            <a:r>
-              <a:rPr lang="en-US" dirty="0"/>
-              <a:t>on the table</a:t>
-            </a:r>
-          </a:p>
-          <a:p>
-            <a:pPr lvl="1"/>
-            <a:r>
-              <a:rPr lang="en-US" dirty="0"/>
-              <a:t>Consumer: </a:t>
-            </a:r>
-          </a:p>
-          <a:p>
-            <a:pPr lvl="2"/>
-            <a:r>
-              <a:rPr lang="en-US" dirty="0"/>
-              <a:t>Step1: read </a:t>
-            </a:r>
-            <a:r>
-              <a:rPr lang="en-US" altLang="zh-CN" dirty="0"/>
-              <a:t>out</a:t>
-            </a:r>
-            <a:r>
-              <a:rPr lang="zh-CN" altLang="en-US" dirty="0"/>
-              <a:t> </a:t>
-            </a:r>
-            <a:r>
-              <a:rPr lang="en-US" dirty="0"/>
-              <a:t>the counter LOUD</a:t>
-            </a:r>
-          </a:p>
-          <a:p>
-            <a:pPr lvl="2"/>
-            <a:r>
-              <a:rPr lang="en-US" dirty="0"/>
-              <a:t>Step2a: if the counter is zero, go back to step1</a:t>
-            </a:r>
-          </a:p>
-          <a:p>
-            <a:pPr lvl="2"/>
-            <a:r>
-              <a:rPr lang="en-US" dirty="0"/>
-              <a:t>Step2b: if the counter is nonzero, take a </a:t>
-            </a:r>
-            <a:r>
-              <a:rPr lang="en-US" altLang="zh-CN" dirty="0"/>
-              <a:t>cookie</a:t>
-            </a:r>
-            <a:r>
-              <a:rPr lang="en-US" dirty="0"/>
-              <a:t> from the table</a:t>
-            </a:r>
-          </a:p>
-          <a:p>
-            <a:pPr lvl="2"/>
-            <a:r>
-              <a:rPr lang="en-US" dirty="0"/>
-              <a:t>Step 3: decrement counter on the board</a:t>
-            </a:r>
-          </a:p>
-          <a:p>
-            <a:pPr lvl="1"/>
-            <a:r>
-              <a:rPr lang="en-US" dirty="0">
-                <a:solidFill>
-                  <a:srgbClr val="FF0000"/>
-                </a:solidFill>
-              </a:rPr>
-              <a:t>Rule: only one should “operate” at any time</a:t>
-            </a:r>
-          </a:p>
-          <a:p>
-            <a:r>
-              <a:rPr lang="en-US" dirty="0">
-                <a:solidFill>
-                  <a:schemeClr val="tx1">
-                    <a:lumMod val="85000"/>
-                    <a:lumOff val="15000"/>
-                  </a:schemeClr>
-                </a:solidFill>
-              </a:rPr>
-              <a:t>You are the OS</a:t>
-            </a:r>
-            <a:r>
-              <a:rPr lang="en-US" altLang="zh-CN" dirty="0">
-                <a:solidFill>
-                  <a:schemeClr val="tx1">
-                    <a:lumMod val="85000"/>
-                    <a:lumOff val="15000"/>
-                  </a:schemeClr>
-                </a:solidFill>
-              </a:rPr>
-              <a:t>,</a:t>
-            </a:r>
-            <a:r>
-              <a:rPr lang="zh-CN" altLang="en-US" dirty="0">
-                <a:solidFill>
-                  <a:schemeClr val="tx1">
-                    <a:lumMod val="85000"/>
-                    <a:lumOff val="15000"/>
-                  </a:schemeClr>
-                </a:solidFill>
-              </a:rPr>
-              <a:t> </a:t>
-            </a:r>
-            <a:r>
-              <a:rPr lang="en-US" dirty="0">
-                <a:solidFill>
-                  <a:schemeClr val="tx1">
-                    <a:lumMod val="85000"/>
-                    <a:lumOff val="15000"/>
-                  </a:schemeClr>
-                </a:solidFill>
-              </a:rPr>
-              <a:t>decide </a:t>
-            </a:r>
-            <a:r>
-              <a:rPr lang="en-US" altLang="zh-CN" dirty="0">
-                <a:solidFill>
-                  <a:schemeClr val="tx1">
-                    <a:lumMod val="85000"/>
-                    <a:lumOff val="15000"/>
-                  </a:schemeClr>
-                </a:solidFill>
-              </a:rPr>
-              <a:t>when</a:t>
-            </a:r>
-            <a:r>
-              <a:rPr lang="zh-CN" altLang="en-US" dirty="0">
-                <a:solidFill>
-                  <a:schemeClr val="tx1">
-                    <a:lumMod val="85000"/>
-                    <a:lumOff val="15000"/>
-                  </a:schemeClr>
-                </a:solidFill>
-              </a:rPr>
-              <a:t> </a:t>
-            </a:r>
-            <a:r>
-              <a:rPr lang="en-US" altLang="zh-CN" dirty="0">
-                <a:solidFill>
-                  <a:schemeClr val="tx1">
-                    <a:lumMod val="85000"/>
-                    <a:lumOff val="15000"/>
-                  </a:schemeClr>
-                </a:solidFill>
-              </a:rPr>
-              <a:t>to</a:t>
-            </a:r>
-            <a:r>
-              <a:rPr lang="zh-CN" altLang="en-US" dirty="0">
-                <a:solidFill>
-                  <a:schemeClr val="tx1">
-                    <a:lumMod val="85000"/>
-                    <a:lumOff val="15000"/>
-                  </a:schemeClr>
-                </a:solidFill>
-              </a:rPr>
-              <a:t> </a:t>
-            </a:r>
-            <a:r>
-              <a:rPr lang="en-US" altLang="zh-CN" dirty="0">
-                <a:solidFill>
-                  <a:schemeClr val="tx1">
-                    <a:lumMod val="85000"/>
-                    <a:lumOff val="15000"/>
-                  </a:schemeClr>
-                </a:solidFill>
-              </a:rPr>
-              <a:t>context</a:t>
-            </a:r>
-            <a:r>
-              <a:rPr lang="zh-CN" altLang="en-US" dirty="0">
-                <a:solidFill>
-                  <a:schemeClr val="tx1">
-                    <a:lumMod val="85000"/>
-                    <a:lumOff val="15000"/>
-                  </a:schemeClr>
-                </a:solidFill>
-              </a:rPr>
-              <a:t> </a:t>
-            </a:r>
-            <a:r>
-              <a:rPr lang="en-US" altLang="zh-CN" dirty="0">
-                <a:solidFill>
-                  <a:schemeClr val="tx1">
-                    <a:lumMod val="85000"/>
-                    <a:lumOff val="15000"/>
-                  </a:schemeClr>
-                </a:solidFill>
-              </a:rPr>
-              <a:t>switch</a:t>
-            </a:r>
-            <a:endParaRPr lang="en-US" dirty="0">
-              <a:solidFill>
-                <a:schemeClr val="tx1">
-                  <a:lumMod val="85000"/>
-                  <a:lumOff val="15000"/>
-                </a:schemeClr>
-              </a:solidFill>
-            </a:endParaRPr>
-          </a:p>
-          <a:p>
-            <a:pPr lvl="1"/>
-            <a:r>
-              <a:rPr lang="en-US" dirty="0">
-                <a:solidFill>
-                  <a:srgbClr val="FF6600"/>
-                </a:solidFill>
-              </a:rPr>
-              <a:t>Can you get them into “trouble” before </a:t>
-            </a:r>
-            <a:r>
-              <a:rPr lang="en-US" altLang="zh-CN" dirty="0">
-                <a:solidFill>
-                  <a:srgbClr val="FF6600"/>
-                </a:solidFill>
-              </a:rPr>
-              <a:t>cookie</a:t>
-            </a:r>
-            <a:r>
-              <a:rPr lang="en-US" dirty="0">
-                <a:solidFill>
-                  <a:srgbClr val="FF6600"/>
-                </a:solidFill>
-              </a:rPr>
-              <a:t>s run out?</a:t>
-            </a:r>
-          </a:p>
-        </p:txBody>
-      </p:sp>
-      <p:sp>
-        <p:nvSpPr>
-          <p:cNvPr id="6" name="Slide Number Placeholder 5"/>
-          <p:cNvSpPr>
-            <a:spLocks noGrp="1"/>
-          </p:cNvSpPr>
-          <p:nvPr>
-            <p:ph type="sldNum" sz="quarter" idx="11"/>
-          </p:nvPr>
-        </p:nvSpPr>
-        <p:spPr/>
-        <p:txBody>
-          <a:bodyPr/>
-          <a:lstStyle/>
-          <a:p>
-            <a:fld id="{5BCC3F0E-9362-6D47-9781-DB401EE9B6B9}" type="slidenum">
-              <a:rPr lang="en-US" smtClean="0"/>
-              <a:pPr/>
-              <a:t>3</a:t>
-            </a:fld>
-            <a:endParaRPr lang="en-US"/>
-          </a:p>
-        </p:txBody>
-      </p:sp>
-      <p:sp>
-        <p:nvSpPr>
-          <p:cNvPr id="5" name="Footer Placeholder 4"/>
-          <p:cNvSpPr>
-            <a:spLocks noGrp="1"/>
-          </p:cNvSpPr>
-          <p:nvPr>
-            <p:ph type="ftr" sz="quarter" idx="3"/>
-          </p:nvPr>
-        </p:nvSpPr>
-        <p:spPr/>
-        <p:txBody>
-          <a:bodyPr/>
-          <a:lstStyle/>
-          <a:p>
-            <a:r>
-              <a:rPr lang="en-US"/>
-              <a:t>CSCI 3150</a:t>
-            </a:r>
-          </a:p>
-        </p:txBody>
-      </p:sp>
-    </p:spTree>
-  </p:cSld>
-  <p:clrMapOvr>
-    <a:masterClrMapping/>
-  </p:clrMapOvr>
-</p:sld>
-</file>
-
-<file path=ppt/slides/slide30.xml><?xml version="1.0" encoding="utf-8"?>
-<p:sld xmlns:a="http://schemas.openxmlformats.org/drawingml/2006/main" xmlns:r="http://schemas.openxmlformats.org/officeDocument/2006/relationships" xmlns:p="http://schemas.openxmlformats.org/presentationml/2006/main">
-  <p:cSld>
-    <p:spTree>
-      <p:nvGrpSpPr>
-        <p:cNvPr id="1" name=""/>
-        <p:cNvGrpSpPr/>
-        <p:nvPr/>
-      </p:nvGrpSpPr>
-      <p:grpSpPr>
-        <a:xfrm>
-          <a:off x="0" y="0"/>
-          <a:ext cx="0" cy="0"/>
-          <a:chOff x="0" y="0"/>
-          <a:chExt cx="0" cy="0"/>
-        </a:xfrm>
-      </p:grpSpPr>
-      <p:sp>
-        <p:nvSpPr>
           <p:cNvPr id="387074" name="Rectangle 2"/>
           <p:cNvSpPr>
             <a:spLocks noGrp="1" noChangeArrowheads="1"/>
@@ -16084,7 +14680,7 @@
             <a:fld id="{F3273804-65F2-5249-8B2C-FCC1AE995CA2}" type="slidenum">
               <a:rPr lang="en-US"/>
               <a:pPr/>
-              <a:t>30</a:t>
+              <a:t>29</a:t>
             </a:fld>
             <a:endParaRPr lang="en-US"/>
           </a:p>
@@ -16845,7 +15441,7 @@
 </p:sld>
 </file>
 
-<file path=ppt/slides/slide31.xml><?xml version="1.0" encoding="utf-8"?>
+<file path=ppt/slides/slide3.xml><?xml version="1.0" encoding="utf-8"?>
 <p:sld xmlns:a="http://schemas.openxmlformats.org/drawingml/2006/main" xmlns:r="http://schemas.openxmlformats.org/officeDocument/2006/relationships" xmlns:p="http://schemas.openxmlformats.org/presentationml/2006/main">
   <p:cSld>
     <p:spTree>
@@ -16864,6 +15460,397 @@
       </p:grpSpPr>
       <p:sp>
         <p:nvSpPr>
+          <p:cNvPr id="2" name="Title 1"/>
+          <p:cNvSpPr>
+            <a:spLocks noGrp="1"/>
+          </p:cNvSpPr>
+          <p:nvPr>
+            <p:ph type="title"/>
+          </p:nvPr>
+        </p:nvSpPr>
+        <p:spPr/>
+        <p:txBody>
+          <a:bodyPr/>
+          <a:lstStyle/>
+          <a:p>
+            <a:r>
+              <a:rPr lang="en-US" dirty="0"/>
+              <a:t>A simple game</a:t>
+            </a:r>
+          </a:p>
+        </p:txBody>
+      </p:sp>
+      <p:sp>
+        <p:nvSpPr>
+          <p:cNvPr id="3" name="Content Placeholder 2"/>
+          <p:cNvSpPr>
+            <a:spLocks noGrp="1"/>
+          </p:cNvSpPr>
+          <p:nvPr>
+            <p:ph idx="1"/>
+          </p:nvPr>
+        </p:nvSpPr>
+        <p:spPr>
+          <a:xfrm>
+            <a:off x="216000" y="878400"/>
+            <a:ext cx="8629826" cy="4939218"/>
+          </a:xfrm>
+        </p:spPr>
+        <p:txBody>
+          <a:bodyPr>
+            <a:noAutofit/>
+          </a:bodyPr>
+          <a:lstStyle/>
+          <a:p>
+            <a:r>
+              <a:rPr lang="en-US" dirty="0"/>
+              <a:t>Two volunteers to play two threads</a:t>
+            </a:r>
+          </a:p>
+          <a:p>
+            <a:pPr lvl="1"/>
+            <a:r>
+              <a:rPr lang="en-US" dirty="0"/>
+              <a:t>Producer: produce 1 </a:t>
+            </a:r>
+            <a:r>
+              <a:rPr lang="en-US" altLang="zh-CN" dirty="0"/>
+              <a:t>cookie</a:t>
+            </a:r>
+            <a:r>
+              <a:rPr lang="zh-CN" altLang="en-US" dirty="0"/>
+              <a:t> </a:t>
+            </a:r>
+            <a:r>
+              <a:rPr lang="en-US" dirty="0"/>
+              <a:t>per iteration</a:t>
+            </a:r>
+          </a:p>
+          <a:p>
+            <a:pPr lvl="2"/>
+            <a:r>
+              <a:rPr lang="en-US" dirty="0"/>
+              <a:t>Step1: increment the counter on the board</a:t>
+            </a:r>
+          </a:p>
+          <a:p>
+            <a:pPr lvl="2"/>
+            <a:r>
+              <a:rPr lang="en-US" dirty="0"/>
+              <a:t>Step2: put one </a:t>
+            </a:r>
+            <a:r>
+              <a:rPr lang="en-US" altLang="zh-CN" dirty="0"/>
+              <a:t>cookie</a:t>
+            </a:r>
+            <a:r>
+              <a:rPr lang="zh-CN" altLang="en-US" dirty="0"/>
+              <a:t> </a:t>
+            </a:r>
+            <a:r>
+              <a:rPr lang="en-US" dirty="0"/>
+              <a:t>on the table</a:t>
+            </a:r>
+          </a:p>
+          <a:p>
+            <a:pPr lvl="1"/>
+            <a:r>
+              <a:rPr lang="en-US" dirty="0"/>
+              <a:t>Consumer: </a:t>
+            </a:r>
+          </a:p>
+          <a:p>
+            <a:pPr lvl="2"/>
+            <a:r>
+              <a:rPr lang="en-US" dirty="0"/>
+              <a:t>Step1: read </a:t>
+            </a:r>
+            <a:r>
+              <a:rPr lang="en-US" altLang="zh-CN" dirty="0"/>
+              <a:t>out</a:t>
+            </a:r>
+            <a:r>
+              <a:rPr lang="zh-CN" altLang="en-US" dirty="0"/>
+              <a:t> </a:t>
+            </a:r>
+            <a:r>
+              <a:rPr lang="en-US" dirty="0"/>
+              <a:t>the counter LOUD</a:t>
+            </a:r>
+          </a:p>
+          <a:p>
+            <a:pPr lvl="2"/>
+            <a:r>
+              <a:rPr lang="en-US" dirty="0"/>
+              <a:t>Step2a: if the counter is zero, go back to step1</a:t>
+            </a:r>
+          </a:p>
+          <a:p>
+            <a:pPr lvl="2"/>
+            <a:r>
+              <a:rPr lang="en-US" dirty="0"/>
+              <a:t>Step2b: if the counter is nonzero, take a </a:t>
+            </a:r>
+            <a:r>
+              <a:rPr lang="en-US" altLang="zh-CN" dirty="0"/>
+              <a:t>cookie</a:t>
+            </a:r>
+            <a:r>
+              <a:rPr lang="en-US" dirty="0"/>
+              <a:t> from the table</a:t>
+            </a:r>
+          </a:p>
+          <a:p>
+            <a:pPr lvl="2"/>
+            <a:r>
+              <a:rPr lang="en-US" dirty="0"/>
+              <a:t>Step 3: decrement counter on the board</a:t>
+            </a:r>
+          </a:p>
+          <a:p>
+            <a:pPr lvl="1"/>
+            <a:r>
+              <a:rPr lang="en-US" dirty="0">
+                <a:solidFill>
+                  <a:srgbClr val="FF0000"/>
+                </a:solidFill>
+              </a:rPr>
+              <a:t>Rule: only one should “operate” at any time</a:t>
+            </a:r>
+          </a:p>
+          <a:p>
+            <a:r>
+              <a:rPr lang="en-US" dirty="0">
+                <a:solidFill>
+                  <a:schemeClr val="tx1">
+                    <a:lumMod val="85000"/>
+                    <a:lumOff val="15000"/>
+                  </a:schemeClr>
+                </a:solidFill>
+              </a:rPr>
+              <a:t>You are the OS</a:t>
+            </a:r>
+            <a:r>
+              <a:rPr lang="en-US" altLang="zh-CN" dirty="0">
+                <a:solidFill>
+                  <a:schemeClr val="tx1">
+                    <a:lumMod val="85000"/>
+                    <a:lumOff val="15000"/>
+                  </a:schemeClr>
+                </a:solidFill>
+              </a:rPr>
+              <a:t>,</a:t>
+            </a:r>
+            <a:r>
+              <a:rPr lang="zh-CN" altLang="en-US" dirty="0">
+                <a:solidFill>
+                  <a:schemeClr val="tx1">
+                    <a:lumMod val="85000"/>
+                    <a:lumOff val="15000"/>
+                  </a:schemeClr>
+                </a:solidFill>
+              </a:rPr>
+              <a:t> </a:t>
+            </a:r>
+            <a:r>
+              <a:rPr lang="en-US" dirty="0">
+                <a:solidFill>
+                  <a:schemeClr val="tx1">
+                    <a:lumMod val="85000"/>
+                    <a:lumOff val="15000"/>
+                  </a:schemeClr>
+                </a:solidFill>
+              </a:rPr>
+              <a:t>decide </a:t>
+            </a:r>
+            <a:r>
+              <a:rPr lang="en-US" altLang="zh-CN" dirty="0">
+                <a:solidFill>
+                  <a:schemeClr val="tx1">
+                    <a:lumMod val="85000"/>
+                    <a:lumOff val="15000"/>
+                  </a:schemeClr>
+                </a:solidFill>
+              </a:rPr>
+              <a:t>when</a:t>
+            </a:r>
+            <a:r>
+              <a:rPr lang="zh-CN" altLang="en-US" dirty="0">
+                <a:solidFill>
+                  <a:schemeClr val="tx1">
+                    <a:lumMod val="85000"/>
+                    <a:lumOff val="15000"/>
+                  </a:schemeClr>
+                </a:solidFill>
+              </a:rPr>
+              <a:t> </a:t>
+            </a:r>
+            <a:r>
+              <a:rPr lang="en-US" altLang="zh-CN" dirty="0">
+                <a:solidFill>
+                  <a:schemeClr val="tx1">
+                    <a:lumMod val="85000"/>
+                    <a:lumOff val="15000"/>
+                  </a:schemeClr>
+                </a:solidFill>
+              </a:rPr>
+              <a:t>to</a:t>
+            </a:r>
+            <a:r>
+              <a:rPr lang="zh-CN" altLang="en-US" dirty="0">
+                <a:solidFill>
+                  <a:schemeClr val="tx1">
+                    <a:lumMod val="85000"/>
+                    <a:lumOff val="15000"/>
+                  </a:schemeClr>
+                </a:solidFill>
+              </a:rPr>
+              <a:t> </a:t>
+            </a:r>
+            <a:r>
+              <a:rPr lang="en-US" altLang="zh-CN" dirty="0">
+                <a:solidFill>
+                  <a:schemeClr val="tx1">
+                    <a:lumMod val="85000"/>
+                    <a:lumOff val="15000"/>
+                  </a:schemeClr>
+                </a:solidFill>
+              </a:rPr>
+              <a:t>context</a:t>
+            </a:r>
+            <a:r>
+              <a:rPr lang="zh-CN" altLang="en-US" dirty="0">
+                <a:solidFill>
+                  <a:schemeClr val="tx1">
+                    <a:lumMod val="85000"/>
+                    <a:lumOff val="15000"/>
+                  </a:schemeClr>
+                </a:solidFill>
+              </a:rPr>
+              <a:t> </a:t>
+            </a:r>
+            <a:r>
+              <a:rPr lang="en-US" altLang="zh-CN" dirty="0">
+                <a:solidFill>
+                  <a:schemeClr val="tx1">
+                    <a:lumMod val="85000"/>
+                    <a:lumOff val="15000"/>
+                  </a:schemeClr>
+                </a:solidFill>
+              </a:rPr>
+              <a:t>switch</a:t>
+            </a:r>
+            <a:endParaRPr lang="en-US" dirty="0">
+              <a:solidFill>
+                <a:schemeClr val="tx1">
+                  <a:lumMod val="85000"/>
+                  <a:lumOff val="15000"/>
+                </a:schemeClr>
+              </a:solidFill>
+            </a:endParaRPr>
+          </a:p>
+          <a:p>
+            <a:pPr lvl="1"/>
+            <a:r>
+              <a:rPr lang="en-US" dirty="0">
+                <a:solidFill>
+                  <a:srgbClr val="FF6600"/>
+                </a:solidFill>
+              </a:rPr>
+              <a:t>Can you get them into “trouble” before </a:t>
+            </a:r>
+            <a:r>
+              <a:rPr lang="en-US" altLang="zh-CN" dirty="0">
+                <a:solidFill>
+                  <a:srgbClr val="FF6600"/>
+                </a:solidFill>
+              </a:rPr>
+              <a:t>cookie</a:t>
+            </a:r>
+            <a:r>
+              <a:rPr lang="en-US" dirty="0">
+                <a:solidFill>
+                  <a:srgbClr val="FF6600"/>
+                </a:solidFill>
+              </a:rPr>
+              <a:t>s run out?</a:t>
+            </a:r>
+          </a:p>
+        </p:txBody>
+      </p:sp>
+      <p:sp>
+        <p:nvSpPr>
+          <p:cNvPr id="6" name="Slide Number Placeholder 5"/>
+          <p:cNvSpPr>
+            <a:spLocks noGrp="1"/>
+          </p:cNvSpPr>
+          <p:nvPr>
+            <p:ph type="sldNum" sz="quarter" idx="11"/>
+          </p:nvPr>
+        </p:nvSpPr>
+        <p:spPr/>
+        <p:txBody>
+          <a:bodyPr/>
+          <a:lstStyle/>
+          <a:p>
+            <a:fld id="{5BCC3F0E-9362-6D47-9781-DB401EE9B6B9}" type="slidenum">
+              <a:rPr lang="en-US" smtClean="0"/>
+              <a:pPr/>
+              <a:t>3</a:t>
+            </a:fld>
+            <a:endParaRPr lang="en-US"/>
+          </a:p>
+        </p:txBody>
+      </p:sp>
+      <p:sp>
+        <p:nvSpPr>
+          <p:cNvPr id="5" name="Footer Placeholder 4"/>
+          <p:cNvSpPr>
+            <a:spLocks noGrp="1"/>
+          </p:cNvSpPr>
+          <p:nvPr>
+            <p:ph type="ftr" sz="quarter" idx="3"/>
+          </p:nvPr>
+        </p:nvSpPr>
+        <p:spPr/>
+        <p:txBody>
+          <a:bodyPr/>
+          <a:lstStyle/>
+          <a:p>
+            <a:r>
+              <a:rPr lang="en-US"/>
+              <a:t>CSCI 3150</a:t>
+            </a:r>
+          </a:p>
+        </p:txBody>
+      </p:sp>
+    </p:spTree>
+  </p:cSld>
+  <p:clrMapOvr>
+    <a:masterClrMapping/>
+  </p:clrMapOvr>
+</p:sld>
+</file>
+
+<file path=ppt/slides/slide30.xml><?xml version="1.0" encoding="utf-8"?>
+<p:sld xmlns:a="http://schemas.openxmlformats.org/drawingml/2006/main" xmlns:r="http://schemas.openxmlformats.org/officeDocument/2006/relationships" xmlns:p="http://schemas.openxmlformats.org/presentationml/2006/main">
+  <p:cSld>
+    <p:spTree>
+      <p:nvGrpSpPr>
+        <p:cNvPr id="1" name=""/>
+        <p:cNvGrpSpPr/>
+        <p:nvPr/>
+      </p:nvGrpSpPr>
+      <p:grpSpPr>
+        <a:xfrm>
+          <a:off x="0" y="0"/>
+          <a:ext cx="0" cy="0"/>
+          <a:chOff x="0" y="0"/>
+          <a:chExt cx="0" cy="0"/>
+        </a:xfrm>
+      </p:grpSpPr>
+      <p:sp>
+        <p:nvSpPr>
           <p:cNvPr id="363522" name="Rectangle 2"/>
           <p:cNvSpPr>
             <a:spLocks noGrp="1" noChangeArrowheads="1"/>
@@ -16980,7 +15967,7 @@
             <a:fld id="{6D08E3EC-2FA0-A64B-B4B0-E43A5909F79F}" type="slidenum">
               <a:rPr lang="en-US"/>
               <a:pPr/>
-              <a:t>31</a:t>
+              <a:t>30</a:t>
             </a:fld>
             <a:endParaRPr lang="en-US"/>
           </a:p>
@@ -17577,7 +16564,7 @@
 </p:sld>
 </file>
 
-<file path=ppt/slides/slide32.xml><?xml version="1.0" encoding="utf-8"?>
+<file path=ppt/slides/slide31.xml><?xml version="1.0" encoding="utf-8"?>
 <p:sld xmlns:a="http://schemas.openxmlformats.org/drawingml/2006/main" xmlns:r="http://schemas.openxmlformats.org/officeDocument/2006/relationships" xmlns:p="http://schemas.openxmlformats.org/presentationml/2006/main">
   <p:cSld>
     <p:spTree>
@@ -17766,7 +16753,7 @@
             <a:fld id="{5BCC3F0E-9362-6D47-9781-DB401EE9B6B9}" type="slidenum">
               <a:rPr lang="en-US" smtClean="0"/>
               <a:pPr/>
-              <a:t>32</a:t>
+              <a:t>31</a:t>
             </a:fld>
             <a:endParaRPr lang="en-US"/>
           </a:p>
@@ -18327,12 +17314,14 @@
           <a:bodyPr/>
           <a:lstStyle/>
           <a:p>
+            <a:pPr latinLnBrk="0"/>
             <a:r>
               <a:rPr lang="en-US" dirty="0"/>
               <a:t>Why are we having this problem?</a:t>
             </a:r>
           </a:p>
           <a:p>
+            <a:pPr latinLnBrk="0"/>
             <a:r>
               <a:rPr lang="en-US" dirty="0"/>
               <a:t>Reason: </a:t>
@@ -18353,6 +17342,7 @@
             </a:r>
           </a:p>
           <a:p>
+            <a:pPr latinLnBrk="0"/>
             <a:r>
               <a:rPr lang="en-US" dirty="0"/>
               <a:t>What are shared in this game?</a:t>
@@ -18362,17 +17352,18 @@
             <a:pPr lvl="1"/>
             <a:r>
               <a:rPr lang="en-US" dirty="0"/>
-              <a:t>Share the counter</a:t>
+              <a:t>the counter</a:t>
             </a:r>
           </a:p>
           <a:p>
             <a:pPr lvl="1"/>
             <a:r>
               <a:rPr lang="en-US" dirty="0"/>
-              <a:t>Share the cookie</a:t>
-            </a:r>
-          </a:p>
-          <a:p>
+              <a:t>the cookie</a:t>
+            </a:r>
+          </a:p>
+          <a:p>
+            <a:pPr latinLnBrk="0"/>
             <a:r>
               <a:rPr lang="en-US" dirty="0"/>
               <a:t>A </a:t>
